--- a/Data Wrangl.pptx
+++ b/Data Wrangl.pptx
@@ -1,125 +1,41 @@
 
 <file path=ppt/presentation.xml><?xml version="1.0" encoding="utf-8"?>
-<p:presentation xmlns:a="http://schemas.openxmlformats.org/drawingml/2006/main" xmlns:r="http://schemas.openxmlformats.org/officeDocument/2006/relationships" xmlns:p="http://schemas.openxmlformats.org/presentationml/2006/main" saveSubsetFonts="1" embedTrueTypeFonts="true">
+<p:presentation xmlns:a="http://schemas.openxmlformats.org/drawingml/2006/main" xmlns:r="http://schemas.openxmlformats.org/officeDocument/2006/relationships" xmlns:p="http://schemas.openxmlformats.org/presentationml/2006/main" embedTrueTypeFonts="1" saveSubsetFonts="1">
   <p:sldMasterIdLst>
     <p:sldMasterId id="2147483648" r:id="rId1"/>
   </p:sldMasterIdLst>
   <p:sldIdLst>
-    <p:sldId id="256" r:id="rId30"/>
-    <p:sldId id="257" r:id="rId31"/>
-    <p:sldId id="258" r:id="rId32"/>
-    <p:sldId id="259" r:id="rId33"/>
-    <p:sldId id="260" r:id="rId34"/>
-    <p:sldId id="261" r:id="rId35"/>
-    <p:sldId id="262" r:id="rId36"/>
-    <p:sldId id="263" r:id="rId37"/>
-    <p:sldId id="264" r:id="rId38"/>
-    <p:sldId id="265" r:id="rId39"/>
-    <p:sldId id="266" r:id="rId40"/>
-    <p:sldId id="267" r:id="rId41"/>
-    <p:sldId id="268" r:id="rId42"/>
-    <p:sldId id="269" r:id="rId43"/>
-    <p:sldId id="270" r:id="rId44"/>
-    <p:sldId id="271" r:id="rId45"/>
+    <p:sldId id="256" r:id="rId2"/>
+    <p:sldId id="257" r:id="rId3"/>
+    <p:sldId id="258" r:id="rId4"/>
+    <p:sldId id="259" r:id="rId5"/>
+    <p:sldId id="260" r:id="rId6"/>
+    <p:sldId id="261" r:id="rId7"/>
+    <p:sldId id="262" r:id="rId8"/>
+    <p:sldId id="263" r:id="rId9"/>
+    <p:sldId id="264" r:id="rId10"/>
+    <p:sldId id="265" r:id="rId11"/>
+    <p:sldId id="266" r:id="rId12"/>
+    <p:sldId id="267" r:id="rId13"/>
+    <p:sldId id="268" r:id="rId14"/>
+    <p:sldId id="269" r:id="rId15"/>
+    <p:sldId id="270" r:id="rId16"/>
+    <p:sldId id="271" r:id="rId17"/>
   </p:sldIdLst>
   <p:sldSz cx="18288000" cy="10287000"/>
   <p:notesSz cx="6858000" cy="9144000"/>
   <p:embeddedFontLst>
     <p:embeddedFont>
-      <p:font typeface="Arimo" charset="1" panose="020B0604020202020204"/>
-      <p:regular r:id="rId6"/>
-    </p:embeddedFont>
-    <p:embeddedFont>
-      <p:font typeface="Arimo Bold" charset="1" panose="020B0704020202020204"/>
-      <p:regular r:id="rId7"/>
-    </p:embeddedFont>
-    <p:embeddedFont>
-      <p:font typeface="Arimo Italics" charset="1" panose="020B0604020202090204"/>
-      <p:regular r:id="rId8"/>
-    </p:embeddedFont>
-    <p:embeddedFont>
-      <p:font typeface="Arimo Bold Italics" charset="1" panose="020B0704020202090204"/>
-      <p:regular r:id="rId9"/>
-    </p:embeddedFont>
-    <p:embeddedFont>
-      <p:font typeface="Open Sans Extra Bold" charset="1" panose="020B0906030804020204"/>
-      <p:regular r:id="rId10"/>
-    </p:embeddedFont>
-    <p:embeddedFont>
-      <p:font typeface="Open Sans Extra Bold Italics" charset="1" panose="020B0906030804020204"/>
-      <p:regular r:id="rId11"/>
-    </p:embeddedFont>
-    <p:embeddedFont>
-      <p:font typeface="Montserrat" charset="1" panose="00000500000000000000"/>
-      <p:regular r:id="rId12"/>
-    </p:embeddedFont>
-    <p:embeddedFont>
-      <p:font typeface="Montserrat Bold" charset="1" panose="00000800000000000000"/>
-      <p:regular r:id="rId13"/>
-    </p:embeddedFont>
-    <p:embeddedFont>
-      <p:font typeface="Montserrat Italics" charset="1" panose="00000500000000000000"/>
-      <p:regular r:id="rId14"/>
-    </p:embeddedFont>
-    <p:embeddedFont>
-      <p:font typeface="Montserrat Bold Italics" charset="1" panose="00000800000000000000"/>
-      <p:regular r:id="rId15"/>
-    </p:embeddedFont>
-    <p:embeddedFont>
-      <p:font typeface="Montserrat Thin" charset="1" panose="00000300000000000000"/>
-      <p:regular r:id="rId16"/>
-    </p:embeddedFont>
-    <p:embeddedFont>
-      <p:font typeface="Montserrat Thin Italics" charset="1" panose="00000300000000000000"/>
-      <p:regular r:id="rId17"/>
-    </p:embeddedFont>
-    <p:embeddedFont>
-      <p:font typeface="Montserrat Extra-Light" charset="1" panose="00000300000000000000"/>
+      <p:font typeface="Montserrat" panose="00000500000000000000" pitchFamily="2" charset="0"/>
       <p:regular r:id="rId18"/>
     </p:embeddedFont>
     <p:embeddedFont>
-      <p:font typeface="Montserrat Extra-Light Italics" charset="1" panose="00000300000000000000"/>
+      <p:font typeface="Montserrat Bold" panose="00000800000000000000" charset="0"/>
       <p:regular r:id="rId19"/>
     </p:embeddedFont>
     <p:embeddedFont>
-      <p:font typeface="Montserrat Light" charset="1" panose="00000400000000000000"/>
+      <p:font typeface="Montserrat Extra-Light" panose="020B0604020202020204" charset="0"/>
       <p:regular r:id="rId20"/>
-    </p:embeddedFont>
-    <p:embeddedFont>
-      <p:font typeface="Montserrat Light Italics" charset="1" panose="00000400000000000000"/>
-      <p:regular r:id="rId21"/>
-    </p:embeddedFont>
-    <p:embeddedFont>
-      <p:font typeface="Montserrat Medium" charset="1" panose="00000600000000000000"/>
-      <p:regular r:id="rId22"/>
-    </p:embeddedFont>
-    <p:embeddedFont>
-      <p:font typeface="Montserrat Medium Italics" charset="1" panose="00000600000000000000"/>
-      <p:regular r:id="rId23"/>
-    </p:embeddedFont>
-    <p:embeddedFont>
-      <p:font typeface="Montserrat Semi-Bold" charset="1" panose="00000700000000000000"/>
-      <p:regular r:id="rId24"/>
-    </p:embeddedFont>
-    <p:embeddedFont>
-      <p:font typeface="Montserrat Semi-Bold Italics" charset="1" panose="00000700000000000000"/>
-      <p:regular r:id="rId25"/>
-    </p:embeddedFont>
-    <p:embeddedFont>
-      <p:font typeface="Montserrat Ultra-Bold" charset="1" panose="00000900000000000000"/>
-      <p:regular r:id="rId26"/>
-    </p:embeddedFont>
-    <p:embeddedFont>
-      <p:font typeface="Montserrat Ultra-Bold Italics" charset="1" panose="00000900000000000000"/>
-      <p:regular r:id="rId27"/>
-    </p:embeddedFont>
-    <p:embeddedFont>
-      <p:font typeface="Montserrat Heavy" charset="1" panose="00000A00000000000000"/>
-      <p:regular r:id="rId28"/>
-    </p:embeddedFont>
-    <p:embeddedFont>
-      <p:font typeface="Montserrat Heavy Italics" charset="1" panose="00000A00000000000000"/>
-      <p:regular r:id="rId29"/>
     </p:embeddedFont>
   </p:embeddedFontLst>
   <p:defaultTextStyle>
@@ -217,6 +133,22 @@
       </a:defRPr>
     </a:lvl9pPr>
   </p:defaultTextStyle>
+  <p:extLst>
+    <p:ext uri="{EFAFB233-063F-42B5-8137-9DF3F51BA10A}">
+      <p15:sldGuideLst xmlns:p15="http://schemas.microsoft.com/office/powerpoint/2012/main">
+        <p15:guide id="1" orient="horz" pos="2160">
+          <p15:clr>
+            <a:srgbClr val="A4A3A4"/>
+          </p15:clr>
+        </p15:guide>
+        <p15:guide id="2" pos="2880">
+          <p15:clr>
+            <a:srgbClr val="A4A3A4"/>
+          </p15:clr>
+        </p15:guide>
+      </p15:sldGuideLst>
+    </p:ext>
+  </p:extLst>
 </p:presentation>
 </file>
 
@@ -258,10 +190,9 @@
           <a:lstStyle/>
           <a:p>
             <a:r>
-              <a:rPr lang="en-US" smtClean="0"/>
+              <a:rPr lang="en-US"/>
               <a:t>Click to edit Master title style</a:t>
             </a:r>
-            <a:endParaRPr lang="en-US"/>
           </a:p>
         </p:txBody>
       </p:sp>
@@ -377,10 +308,9 @@
           </a:lstStyle>
           <a:p>
             <a:r>
-              <a:rPr lang="en-US" smtClean="0"/>
+              <a:rPr lang="en-US"/>
               <a:t>Click to edit Master subtitle style</a:t>
             </a:r>
-            <a:endParaRPr lang="en-US"/>
           </a:p>
         </p:txBody>
       </p:sp>
@@ -402,7 +332,7 @@
             <a:fld id="{1D8BD707-D9CF-40AE-B4C6-C98DA3205C09}" type="datetimeFigureOut">
               <a:rPr lang="en-US" smtClean="0"/>
               <a:pPr/>
-              <a:t>8/1/2011</a:t>
+              <a:t>4/28/2024</a:t>
             </a:fld>
             <a:endParaRPr lang="en-US"/>
           </a:p>
@@ -492,10 +422,9 @@
           <a:lstStyle/>
           <a:p>
             <a:r>
-              <a:rPr lang="en-US" smtClean="0"/>
+              <a:rPr lang="en-US"/>
               <a:t>Click to edit Master title style</a:t>
             </a:r>
-            <a:endParaRPr lang="en-US"/>
           </a:p>
         </p:txBody>
       </p:sp>
@@ -516,38 +445,37 @@
           <a:p>
             <a:pPr lvl="0"/>
             <a:r>
-              <a:rPr lang="en-US" smtClean="0"/>
+              <a:rPr lang="en-US"/>
               <a:t>Click to edit Master text styles</a:t>
             </a:r>
           </a:p>
           <a:p>
             <a:pPr lvl="1"/>
             <a:r>
-              <a:rPr lang="en-US" smtClean="0"/>
+              <a:rPr lang="en-US"/>
               <a:t>Second level</a:t>
             </a:r>
           </a:p>
           <a:p>
             <a:pPr lvl="2"/>
             <a:r>
-              <a:rPr lang="en-US" smtClean="0"/>
+              <a:rPr lang="en-US"/>
               <a:t>Third level</a:t>
             </a:r>
           </a:p>
           <a:p>
             <a:pPr lvl="3"/>
             <a:r>
-              <a:rPr lang="en-US" smtClean="0"/>
+              <a:rPr lang="en-US"/>
               <a:t>Fourth level</a:t>
             </a:r>
           </a:p>
           <a:p>
             <a:pPr lvl="4"/>
             <a:r>
-              <a:rPr lang="en-US" smtClean="0"/>
+              <a:rPr lang="en-US"/>
               <a:t>Fifth level</a:t>
             </a:r>
-            <a:endParaRPr lang="en-US"/>
           </a:p>
         </p:txBody>
       </p:sp>
@@ -569,7 +497,7 @@
             <a:fld id="{1D8BD707-D9CF-40AE-B4C6-C98DA3205C09}" type="datetimeFigureOut">
               <a:rPr lang="en-US" smtClean="0"/>
               <a:pPr/>
-              <a:t>8/1/2011</a:t>
+              <a:t>4/28/2024</a:t>
             </a:fld>
             <a:endParaRPr lang="en-US"/>
           </a:p>
@@ -664,10 +592,9 @@
           <a:lstStyle/>
           <a:p>
             <a:r>
-              <a:rPr lang="en-US" smtClean="0"/>
+              <a:rPr lang="en-US"/>
               <a:t>Click to edit Master title style</a:t>
             </a:r>
-            <a:endParaRPr lang="en-US"/>
           </a:p>
         </p:txBody>
       </p:sp>
@@ -693,38 +620,37 @@
           <a:p>
             <a:pPr lvl="0"/>
             <a:r>
-              <a:rPr lang="en-US" smtClean="0"/>
+              <a:rPr lang="en-US"/>
               <a:t>Click to edit Master text styles</a:t>
             </a:r>
           </a:p>
           <a:p>
             <a:pPr lvl="1"/>
             <a:r>
-              <a:rPr lang="en-US" smtClean="0"/>
+              <a:rPr lang="en-US"/>
               <a:t>Second level</a:t>
             </a:r>
           </a:p>
           <a:p>
             <a:pPr lvl="2"/>
             <a:r>
-              <a:rPr lang="en-US" smtClean="0"/>
+              <a:rPr lang="en-US"/>
               <a:t>Third level</a:t>
             </a:r>
           </a:p>
           <a:p>
             <a:pPr lvl="3"/>
             <a:r>
-              <a:rPr lang="en-US" smtClean="0"/>
+              <a:rPr lang="en-US"/>
               <a:t>Fourth level</a:t>
             </a:r>
           </a:p>
           <a:p>
             <a:pPr lvl="4"/>
             <a:r>
-              <a:rPr lang="en-US" smtClean="0"/>
+              <a:rPr lang="en-US"/>
               <a:t>Fifth level</a:t>
             </a:r>
-            <a:endParaRPr lang="en-US"/>
           </a:p>
         </p:txBody>
       </p:sp>
@@ -746,7 +672,7 @@
             <a:fld id="{1D8BD707-D9CF-40AE-B4C6-C98DA3205C09}" type="datetimeFigureOut">
               <a:rPr lang="en-US" smtClean="0"/>
               <a:pPr/>
-              <a:t>8/1/2011</a:t>
+              <a:t>4/28/2024</a:t>
             </a:fld>
             <a:endParaRPr lang="en-US"/>
           </a:p>
@@ -836,10 +762,9 @@
           <a:lstStyle/>
           <a:p>
             <a:r>
-              <a:rPr lang="en-US" smtClean="0"/>
+              <a:rPr lang="en-US"/>
               <a:t>Click to edit Master title style</a:t>
             </a:r>
-            <a:endParaRPr lang="en-US"/>
           </a:p>
         </p:txBody>
       </p:sp>
@@ -860,38 +785,37 @@
           <a:p>
             <a:pPr lvl="0"/>
             <a:r>
-              <a:rPr lang="en-US" smtClean="0"/>
+              <a:rPr lang="en-US"/>
               <a:t>Click to edit Master text styles</a:t>
             </a:r>
           </a:p>
           <a:p>
             <a:pPr lvl="1"/>
             <a:r>
-              <a:rPr lang="en-US" smtClean="0"/>
+              <a:rPr lang="en-US"/>
               <a:t>Second level</a:t>
             </a:r>
           </a:p>
           <a:p>
             <a:pPr lvl="2"/>
             <a:r>
-              <a:rPr lang="en-US" smtClean="0"/>
+              <a:rPr lang="en-US"/>
               <a:t>Third level</a:t>
             </a:r>
           </a:p>
           <a:p>
             <a:pPr lvl="3"/>
             <a:r>
-              <a:rPr lang="en-US" smtClean="0"/>
+              <a:rPr lang="en-US"/>
               <a:t>Fourth level</a:t>
             </a:r>
           </a:p>
           <a:p>
             <a:pPr lvl="4"/>
             <a:r>
-              <a:rPr lang="en-US" smtClean="0"/>
+              <a:rPr lang="en-US"/>
               <a:t>Fifth level</a:t>
             </a:r>
-            <a:endParaRPr lang="en-US"/>
           </a:p>
         </p:txBody>
       </p:sp>
@@ -913,7 +837,7 @@
             <a:fld id="{1D8BD707-D9CF-40AE-B4C6-C98DA3205C09}" type="datetimeFigureOut">
               <a:rPr lang="en-US" smtClean="0"/>
               <a:pPr/>
-              <a:t>8/1/2011</a:t>
+              <a:t>4/28/2024</a:t>
             </a:fld>
             <a:endParaRPr lang="en-US"/>
           </a:p>
@@ -1012,10 +936,9 @@
           </a:lstStyle>
           <a:p>
             <a:r>
-              <a:rPr lang="en-US" smtClean="0"/>
+              <a:rPr lang="en-US"/>
               <a:t>Click to edit Master title style</a:t>
             </a:r>
-            <a:endParaRPr lang="en-US"/>
           </a:p>
         </p:txBody>
       </p:sp>
@@ -1132,7 +1055,7 @@
           <a:p>
             <a:pPr lvl="0"/>
             <a:r>
-              <a:rPr lang="en-US" smtClean="0"/>
+              <a:rPr lang="en-US"/>
               <a:t>Click to edit Master text styles</a:t>
             </a:r>
           </a:p>
@@ -1156,7 +1079,7 @@
             <a:fld id="{1D8BD707-D9CF-40AE-B4C6-C98DA3205C09}" type="datetimeFigureOut">
               <a:rPr lang="en-US" smtClean="0"/>
               <a:pPr/>
-              <a:t>8/1/2011</a:t>
+              <a:t>4/28/2024</a:t>
             </a:fld>
             <a:endParaRPr lang="en-US"/>
           </a:p>
@@ -1246,10 +1169,9 @@
           <a:lstStyle/>
           <a:p>
             <a:r>
-              <a:rPr lang="en-US" smtClean="0"/>
+              <a:rPr lang="en-US"/>
               <a:t>Click to edit Master title style</a:t>
             </a:r>
-            <a:endParaRPr lang="en-US"/>
           </a:p>
         </p:txBody>
       </p:sp>
@@ -1303,38 +1225,37 @@
           <a:p>
             <a:pPr lvl="0"/>
             <a:r>
-              <a:rPr lang="en-US" smtClean="0"/>
+              <a:rPr lang="en-US"/>
               <a:t>Click to edit Master text styles</a:t>
             </a:r>
           </a:p>
           <a:p>
             <a:pPr lvl="1"/>
             <a:r>
-              <a:rPr lang="en-US" smtClean="0"/>
+              <a:rPr lang="en-US"/>
               <a:t>Second level</a:t>
             </a:r>
           </a:p>
           <a:p>
             <a:pPr lvl="2"/>
             <a:r>
-              <a:rPr lang="en-US" smtClean="0"/>
+              <a:rPr lang="en-US"/>
               <a:t>Third level</a:t>
             </a:r>
           </a:p>
           <a:p>
             <a:pPr lvl="3"/>
             <a:r>
-              <a:rPr lang="en-US" smtClean="0"/>
+              <a:rPr lang="en-US"/>
               <a:t>Fourth level</a:t>
             </a:r>
           </a:p>
           <a:p>
             <a:pPr lvl="4"/>
             <a:r>
-              <a:rPr lang="en-US" smtClean="0"/>
+              <a:rPr lang="en-US"/>
               <a:t>Fifth level</a:t>
             </a:r>
-            <a:endParaRPr lang="en-US"/>
           </a:p>
         </p:txBody>
       </p:sp>
@@ -1388,38 +1309,37 @@
           <a:p>
             <a:pPr lvl="0"/>
             <a:r>
-              <a:rPr lang="en-US" smtClean="0"/>
+              <a:rPr lang="en-US"/>
               <a:t>Click to edit Master text styles</a:t>
             </a:r>
           </a:p>
           <a:p>
             <a:pPr lvl="1"/>
             <a:r>
-              <a:rPr lang="en-US" smtClean="0"/>
+              <a:rPr lang="en-US"/>
               <a:t>Second level</a:t>
             </a:r>
           </a:p>
           <a:p>
             <a:pPr lvl="2"/>
             <a:r>
-              <a:rPr lang="en-US" smtClean="0"/>
+              <a:rPr lang="en-US"/>
               <a:t>Third level</a:t>
             </a:r>
           </a:p>
           <a:p>
             <a:pPr lvl="3"/>
             <a:r>
-              <a:rPr lang="en-US" smtClean="0"/>
+              <a:rPr lang="en-US"/>
               <a:t>Fourth level</a:t>
             </a:r>
           </a:p>
           <a:p>
             <a:pPr lvl="4"/>
             <a:r>
-              <a:rPr lang="en-US" smtClean="0"/>
+              <a:rPr lang="en-US"/>
               <a:t>Fifth level</a:t>
             </a:r>
-            <a:endParaRPr lang="en-US"/>
           </a:p>
         </p:txBody>
       </p:sp>
@@ -1441,7 +1361,7 @@
             <a:fld id="{1D8BD707-D9CF-40AE-B4C6-C98DA3205C09}" type="datetimeFigureOut">
               <a:rPr lang="en-US" smtClean="0"/>
               <a:pPr/>
-              <a:t>8/1/2011</a:t>
+              <a:t>4/28/2024</a:t>
             </a:fld>
             <a:endParaRPr lang="en-US"/>
           </a:p>
@@ -1535,10 +1455,9 @@
           </a:lstStyle>
           <a:p>
             <a:r>
-              <a:rPr lang="en-US" smtClean="0"/>
+              <a:rPr lang="en-US"/>
               <a:t>Click to edit Master title style</a:t>
             </a:r>
-            <a:endParaRPr lang="en-US"/>
           </a:p>
         </p:txBody>
       </p:sp>
@@ -1601,7 +1520,7 @@
           <a:p>
             <a:pPr lvl="0"/>
             <a:r>
-              <a:rPr lang="en-US" smtClean="0"/>
+              <a:rPr lang="en-US"/>
               <a:t>Click to edit Master text styles</a:t>
             </a:r>
           </a:p>
@@ -1657,38 +1576,37 @@
           <a:p>
             <a:pPr lvl="0"/>
             <a:r>
-              <a:rPr lang="en-US" smtClean="0"/>
+              <a:rPr lang="en-US"/>
               <a:t>Click to edit Master text styles</a:t>
             </a:r>
           </a:p>
           <a:p>
             <a:pPr lvl="1"/>
             <a:r>
-              <a:rPr lang="en-US" smtClean="0"/>
+              <a:rPr lang="en-US"/>
               <a:t>Second level</a:t>
             </a:r>
           </a:p>
           <a:p>
             <a:pPr lvl="2"/>
             <a:r>
-              <a:rPr lang="en-US" smtClean="0"/>
+              <a:rPr lang="en-US"/>
               <a:t>Third level</a:t>
             </a:r>
           </a:p>
           <a:p>
             <a:pPr lvl="3"/>
             <a:r>
-              <a:rPr lang="en-US" smtClean="0"/>
+              <a:rPr lang="en-US"/>
               <a:t>Fourth level</a:t>
             </a:r>
           </a:p>
           <a:p>
             <a:pPr lvl="4"/>
             <a:r>
-              <a:rPr lang="en-US" smtClean="0"/>
+              <a:rPr lang="en-US"/>
               <a:t>Fifth level</a:t>
             </a:r>
-            <a:endParaRPr lang="en-US"/>
           </a:p>
         </p:txBody>
       </p:sp>
@@ -1751,7 +1669,7 @@
           <a:p>
             <a:pPr lvl="0"/>
             <a:r>
-              <a:rPr lang="en-US" smtClean="0"/>
+              <a:rPr lang="en-US"/>
               <a:t>Click to edit Master text styles</a:t>
             </a:r>
           </a:p>
@@ -1807,38 +1725,37 @@
           <a:p>
             <a:pPr lvl="0"/>
             <a:r>
-              <a:rPr lang="en-US" smtClean="0"/>
+              <a:rPr lang="en-US"/>
               <a:t>Click to edit Master text styles</a:t>
             </a:r>
           </a:p>
           <a:p>
             <a:pPr lvl="1"/>
             <a:r>
-              <a:rPr lang="en-US" smtClean="0"/>
+              <a:rPr lang="en-US"/>
               <a:t>Second level</a:t>
             </a:r>
           </a:p>
           <a:p>
             <a:pPr lvl="2"/>
             <a:r>
-              <a:rPr lang="en-US" smtClean="0"/>
+              <a:rPr lang="en-US"/>
               <a:t>Third level</a:t>
             </a:r>
           </a:p>
           <a:p>
             <a:pPr lvl="3"/>
             <a:r>
-              <a:rPr lang="en-US" smtClean="0"/>
+              <a:rPr lang="en-US"/>
               <a:t>Fourth level</a:t>
             </a:r>
           </a:p>
           <a:p>
             <a:pPr lvl="4"/>
             <a:r>
-              <a:rPr lang="en-US" smtClean="0"/>
+              <a:rPr lang="en-US"/>
               <a:t>Fifth level</a:t>
             </a:r>
-            <a:endParaRPr lang="en-US"/>
           </a:p>
         </p:txBody>
       </p:sp>
@@ -1860,7 +1777,7 @@
             <a:fld id="{1D8BD707-D9CF-40AE-B4C6-C98DA3205C09}" type="datetimeFigureOut">
               <a:rPr lang="en-US" smtClean="0"/>
               <a:pPr/>
-              <a:t>8/1/2011</a:t>
+              <a:t>4/28/2024</a:t>
             </a:fld>
             <a:endParaRPr lang="en-US"/>
           </a:p>
@@ -1950,10 +1867,9 @@
           <a:lstStyle/>
           <a:p>
             <a:r>
-              <a:rPr lang="en-US" smtClean="0"/>
+              <a:rPr lang="en-US"/>
               <a:t>Click to edit Master title style</a:t>
             </a:r>
-            <a:endParaRPr lang="en-US"/>
           </a:p>
         </p:txBody>
       </p:sp>
@@ -1975,7 +1891,7 @@
             <a:fld id="{1D8BD707-D9CF-40AE-B4C6-C98DA3205C09}" type="datetimeFigureOut">
               <a:rPr lang="en-US" smtClean="0"/>
               <a:pPr/>
-              <a:t>8/1/2011</a:t>
+              <a:t>4/28/2024</a:t>
             </a:fld>
             <a:endParaRPr lang="en-US"/>
           </a:p>
@@ -2067,7 +1983,7 @@
             <a:fld id="{1D8BD707-D9CF-40AE-B4C6-C98DA3205C09}" type="datetimeFigureOut">
               <a:rPr lang="en-US" smtClean="0"/>
               <a:pPr/>
-              <a:t>8/1/2011</a:t>
+              <a:t>4/28/2024</a:t>
             </a:fld>
             <a:endParaRPr lang="en-US"/>
           </a:p>
@@ -2166,10 +2082,9 @@
           </a:lstStyle>
           <a:p>
             <a:r>
-              <a:rPr lang="en-US" smtClean="0"/>
+              <a:rPr lang="en-US"/>
               <a:t>Click to edit Master title style</a:t>
             </a:r>
-            <a:endParaRPr lang="en-US"/>
           </a:p>
         </p:txBody>
       </p:sp>
@@ -2223,38 +2138,37 @@
           <a:p>
             <a:pPr lvl="0"/>
             <a:r>
-              <a:rPr lang="en-US" smtClean="0"/>
+              <a:rPr lang="en-US"/>
               <a:t>Click to edit Master text styles</a:t>
             </a:r>
           </a:p>
           <a:p>
             <a:pPr lvl="1"/>
             <a:r>
-              <a:rPr lang="en-US" smtClean="0"/>
+              <a:rPr lang="en-US"/>
               <a:t>Second level</a:t>
             </a:r>
           </a:p>
           <a:p>
             <a:pPr lvl="2"/>
             <a:r>
-              <a:rPr lang="en-US" smtClean="0"/>
+              <a:rPr lang="en-US"/>
               <a:t>Third level</a:t>
             </a:r>
           </a:p>
           <a:p>
             <a:pPr lvl="3"/>
             <a:r>
-              <a:rPr lang="en-US" smtClean="0"/>
+              <a:rPr lang="en-US"/>
               <a:t>Fourth level</a:t>
             </a:r>
           </a:p>
           <a:p>
             <a:pPr lvl="4"/>
             <a:r>
-              <a:rPr lang="en-US" smtClean="0"/>
+              <a:rPr lang="en-US"/>
               <a:t>Fifth level</a:t>
             </a:r>
-            <a:endParaRPr lang="en-US"/>
           </a:p>
         </p:txBody>
       </p:sp>
@@ -2317,7 +2231,7 @@
           <a:p>
             <a:pPr lvl="0"/>
             <a:r>
-              <a:rPr lang="en-US" smtClean="0"/>
+              <a:rPr lang="en-US"/>
               <a:t>Click to edit Master text styles</a:t>
             </a:r>
           </a:p>
@@ -2341,7 +2255,7 @@
             <a:fld id="{1D8BD707-D9CF-40AE-B4C6-C98DA3205C09}" type="datetimeFigureOut">
               <a:rPr lang="en-US" smtClean="0"/>
               <a:pPr/>
-              <a:t>8/1/2011</a:t>
+              <a:t>4/28/2024</a:t>
             </a:fld>
             <a:endParaRPr lang="en-US"/>
           </a:p>
@@ -2440,10 +2354,9 @@
           </a:lstStyle>
           <a:p>
             <a:r>
-              <a:rPr lang="en-US" smtClean="0"/>
+              <a:rPr lang="en-US"/>
               <a:t>Click to edit Master title style</a:t>
             </a:r>
-            <a:endParaRPr lang="en-US"/>
           </a:p>
         </p:txBody>
       </p:sp>
@@ -2567,7 +2480,7 @@
           <a:p>
             <a:pPr lvl="0"/>
             <a:r>
-              <a:rPr lang="en-US" smtClean="0"/>
+              <a:rPr lang="en-US"/>
               <a:t>Click to edit Master text styles</a:t>
             </a:r>
           </a:p>
@@ -2591,7 +2504,7 @@
             <a:fld id="{1D8BD707-D9CF-40AE-B4C6-C98DA3205C09}" type="datetimeFigureOut">
               <a:rPr lang="en-US" smtClean="0"/>
               <a:pPr/>
-              <a:t>8/1/2011</a:t>
+              <a:t>4/28/2024</a:t>
             </a:fld>
             <a:endParaRPr lang="en-US"/>
           </a:p>
@@ -2696,10 +2609,9 @@
           <a:lstStyle/>
           <a:p>
             <a:r>
-              <a:rPr lang="en-US" smtClean="0"/>
+              <a:rPr lang="en-US"/>
               <a:t>Click to edit Master title style</a:t>
             </a:r>
-            <a:endParaRPr lang="en-US"/>
           </a:p>
         </p:txBody>
       </p:sp>
@@ -2730,38 +2642,37 @@
           <a:p>
             <a:pPr lvl="0"/>
             <a:r>
-              <a:rPr lang="en-US" smtClean="0"/>
+              <a:rPr lang="en-US"/>
               <a:t>Click to edit Master text styles</a:t>
             </a:r>
           </a:p>
           <a:p>
             <a:pPr lvl="1"/>
             <a:r>
-              <a:rPr lang="en-US" smtClean="0"/>
+              <a:rPr lang="en-US"/>
               <a:t>Second level</a:t>
             </a:r>
           </a:p>
           <a:p>
             <a:pPr lvl="2"/>
             <a:r>
-              <a:rPr lang="en-US" smtClean="0"/>
+              <a:rPr lang="en-US"/>
               <a:t>Third level</a:t>
             </a:r>
           </a:p>
           <a:p>
             <a:pPr lvl="3"/>
             <a:r>
-              <a:rPr lang="en-US" smtClean="0"/>
+              <a:rPr lang="en-US"/>
               <a:t>Fourth level</a:t>
             </a:r>
           </a:p>
           <a:p>
             <a:pPr lvl="4"/>
             <a:r>
-              <a:rPr lang="en-US" smtClean="0"/>
+              <a:rPr lang="en-US"/>
               <a:t>Fifth level</a:t>
             </a:r>
-            <a:endParaRPr lang="en-US"/>
           </a:p>
         </p:txBody>
       </p:sp>
@@ -2801,7 +2712,7 @@
             <a:fld id="{1D8BD707-D9CF-40AE-B4C6-C98DA3205C09}" type="datetimeFigureOut">
               <a:rPr lang="en-US" smtClean="0"/>
               <a:pPr/>
-              <a:t>8/1/2011</a:t>
+              <a:t>4/28/2024</a:t>
             </a:fld>
             <a:endParaRPr lang="en-US"/>
           </a:p>
@@ -3156,13 +3067,14 @@
 </file>
 
 <file path=ppt/slides/slide1.xml><?xml version="1.0" encoding="utf-8"?>
-<p:sld xmlns:p="http://schemas.openxmlformats.org/presentationml/2006/main" xmlns:a="http://schemas.openxmlformats.org/drawingml/2006/main" xmlns:r="http://schemas.openxmlformats.org/officeDocument/2006/relationships">
+<p:sld xmlns:a="http://schemas.openxmlformats.org/drawingml/2006/main" xmlns:r="http://schemas.openxmlformats.org/officeDocument/2006/relationships" xmlns:p="http://schemas.openxmlformats.org/presentationml/2006/main">
   <p:cSld>
     <p:bg>
       <p:bgPr>
         <a:solidFill>
           <a:srgbClr val="F4F2F2"/>
         </a:solidFill>
+        <a:effectLst/>
       </p:bgPr>
     </p:bg>
     <p:spTree>
@@ -3181,12 +3093,12 @@
       </p:grpSpPr>
       <p:sp>
         <p:nvSpPr>
-          <p:cNvPr name="Freeform 2" id="2"/>
+          <p:cNvPr id="2" name="Freeform 2"/>
           <p:cNvSpPr/>
           <p:nvPr/>
         </p:nvSpPr>
         <p:spPr>
-          <a:xfrm flipH="false" flipV="false" rot="0">
+          <a:xfrm>
             <a:off x="-1616142" y="-1782900"/>
             <a:ext cx="8703174" cy="8703174"/>
           </a:xfrm>
@@ -3195,9 +3107,9 @@
             <a:gdLst/>
             <a:ahLst/>
             <a:cxnLst/>
-            <a:rect r="r" b="b" t="t" l="l"/>
+            <a:rect l="l" t="t" r="r" b="b"/>
             <a:pathLst>
-              <a:path h="8703174" w="8703174">
+              <a:path w="8703174" h="8703174">
                 <a:moveTo>
                   <a:pt x="0" y="0"/>
                 </a:moveTo>
@@ -3226,19 +3138,26 @@
               </a:extLst>
             </a:blip>
             <a:stretch>
-              <a:fillRect l="0" t="0" r="0" b="0"/>
+              <a:fillRect/>
             </a:stretch>
           </a:blipFill>
         </p:spPr>
-      </p:sp>
-      <p:sp>
-        <p:nvSpPr>
-          <p:cNvPr name="Freeform 3" id="3"/>
+        <p:txBody>
+          <a:bodyPr/>
+          <a:lstStyle/>
+          <a:p>
+            <a:endParaRPr lang="en-IN"/>
+          </a:p>
+        </p:txBody>
+      </p:sp>
+      <p:sp>
+        <p:nvSpPr>
+          <p:cNvPr id="3" name="Freeform 3"/>
           <p:cNvSpPr/>
           <p:nvPr/>
         </p:nvSpPr>
         <p:spPr>
-          <a:xfrm flipH="false" flipV="false" rot="0">
+          <a:xfrm>
             <a:off x="440826" y="555126"/>
             <a:ext cx="8703174" cy="8703174"/>
           </a:xfrm>
@@ -3247,9 +3166,9 @@
             <a:gdLst/>
             <a:ahLst/>
             <a:cxnLst/>
-            <a:rect r="r" b="b" t="t" l="l"/>
+            <a:rect l="l" t="t" r="r" b="b"/>
             <a:pathLst>
-              <a:path h="8703174" w="8703174">
+              <a:path w="8703174" h="8703174">
                 <a:moveTo>
                   <a:pt x="0" y="0"/>
                 </a:moveTo>
@@ -3278,19 +3197,26 @@
               </a:extLst>
             </a:blip>
             <a:stretch>
-              <a:fillRect l="0" t="0" r="0" b="0"/>
+              <a:fillRect/>
             </a:stretch>
           </a:blipFill>
         </p:spPr>
-      </p:sp>
-      <p:sp>
-        <p:nvSpPr>
-          <p:cNvPr name="Freeform 4" id="4"/>
+        <p:txBody>
+          <a:bodyPr/>
+          <a:lstStyle/>
+          <a:p>
+            <a:endParaRPr lang="en-IN"/>
+          </a:p>
+        </p:txBody>
+      </p:sp>
+      <p:sp>
+        <p:nvSpPr>
+          <p:cNvPr id="4" name="Freeform 4"/>
           <p:cNvSpPr/>
           <p:nvPr/>
         </p:nvSpPr>
         <p:spPr>
-          <a:xfrm flipH="false" flipV="false" rot="0">
+          <a:xfrm>
             <a:off x="4259935" y="424523"/>
             <a:ext cx="9768130" cy="9768130"/>
           </a:xfrm>
@@ -3299,9 +3225,9 @@
             <a:gdLst/>
             <a:ahLst/>
             <a:cxnLst/>
-            <a:rect r="r" b="b" t="t" l="l"/>
+            <a:rect l="l" t="t" r="r" b="b"/>
             <a:pathLst>
-              <a:path h="9768130" w="9768130">
+              <a:path w="9768130" h="9768130">
                 <a:moveTo>
                   <a:pt x="0" y="0"/>
                 </a:moveTo>
@@ -3330,19 +3256,26 @@
               </a:extLst>
             </a:blip>
             <a:stretch>
-              <a:fillRect l="0" t="0" r="0" b="0"/>
+              <a:fillRect/>
             </a:stretch>
           </a:blipFill>
         </p:spPr>
+        <p:txBody>
+          <a:bodyPr/>
+          <a:lstStyle/>
+          <a:p>
+            <a:endParaRPr lang="en-IN"/>
+          </a:p>
+        </p:txBody>
       </p:sp>
       <p:grpSp>
         <p:nvGrpSpPr>
-          <p:cNvPr name="Group 5" id="5"/>
+          <p:cNvPr id="5" name="Group 5"/>
           <p:cNvGrpSpPr/>
           <p:nvPr/>
         </p:nvGrpSpPr>
         <p:grpSpPr>
-          <a:xfrm rot="0">
+          <a:xfrm>
             <a:off x="10181150" y="8277866"/>
             <a:ext cx="7078150" cy="980434"/>
             <a:chOff x="0" y="0"/>
@@ -3351,12 +3284,12 @@
         </p:grpSpPr>
         <p:sp>
           <p:nvSpPr>
-            <p:cNvPr name="Freeform 6" id="6"/>
+            <p:cNvPr id="6" name="Freeform 6"/>
             <p:cNvSpPr/>
             <p:nvPr/>
           </p:nvSpPr>
           <p:spPr>
-            <a:xfrm flipH="false" flipV="false" rot="0">
+            <a:xfrm>
               <a:off x="0" y="0"/>
               <a:ext cx="1864204" cy="258221"/>
             </a:xfrm>
@@ -3365,9 +3298,9 @@
               <a:gdLst/>
               <a:ahLst/>
               <a:cxnLst/>
-              <a:rect r="r" b="b" t="t" l="l"/>
+              <a:rect l="l" t="t" r="r" b="b"/>
               <a:pathLst>
-                <a:path h="258221" w="1864204">
+                <a:path w="1864204" h="258221">
                   <a:moveTo>
                     <a:pt x="55783" y="0"/>
                   </a:moveTo>
@@ -3425,11 +3358,18 @@
               <a:round/>
             </a:ln>
           </p:spPr>
+          <p:txBody>
+            <a:bodyPr/>
+            <a:lstStyle/>
+            <a:p>
+              <a:endParaRPr lang="en-IN"/>
+            </a:p>
+          </p:txBody>
         </p:sp>
         <p:sp>
           <p:nvSpPr>
-            <p:cNvPr name="TextBox 7" id="7"/>
-            <p:cNvSpPr txBox="true"/>
+            <p:cNvPr id="7" name="TextBox 7"/>
+            <p:cNvSpPr txBox="1"/>
             <p:nvPr/>
           </p:nvSpPr>
           <p:spPr>
@@ -3442,7 +3382,7 @@
             </a:prstGeom>
           </p:spPr>
           <p:txBody>
-            <a:bodyPr anchor="ctr" rtlCol="false" tIns="50800" lIns="50800" bIns="50800" rIns="50800"/>
+            <a:bodyPr lIns="50800" tIns="50800" rIns="50800" bIns="50800" rtlCol="0" anchor="ctr"/>
             <a:lstStyle/>
             <a:p>
               <a:pPr algn="ctr">
@@ -3453,18 +3393,19 @@
                   <a:spcPct val="0"/>
                 </a:spcBef>
               </a:pPr>
+              <a:endParaRPr/>
             </a:p>
           </p:txBody>
         </p:sp>
       </p:grpSp>
       <p:grpSp>
         <p:nvGrpSpPr>
-          <p:cNvPr name="Group 8" id="8"/>
+          <p:cNvPr id="8" name="Group 8"/>
           <p:cNvGrpSpPr/>
           <p:nvPr/>
         </p:nvGrpSpPr>
         <p:grpSpPr>
-          <a:xfrm rot="0">
+          <a:xfrm>
             <a:off x="1028700" y="1028700"/>
             <a:ext cx="10018260" cy="6190334"/>
             <a:chOff x="0" y="0"/>
@@ -3473,12 +3414,12 @@
         </p:grpSpPr>
         <p:sp>
           <p:nvSpPr>
-            <p:cNvPr name="Freeform 9" id="9"/>
+            <p:cNvPr id="9" name="Freeform 9"/>
             <p:cNvSpPr/>
             <p:nvPr/>
           </p:nvSpPr>
           <p:spPr>
-            <a:xfrm flipH="false" flipV="false" rot="0">
+            <a:xfrm>
               <a:off x="0" y="0"/>
               <a:ext cx="2638554" cy="1630376"/>
             </a:xfrm>
@@ -3487,9 +3428,9 @@
               <a:gdLst/>
               <a:ahLst/>
               <a:cxnLst/>
-              <a:rect r="r" b="b" t="t" l="l"/>
+              <a:rect l="l" t="t" r="r" b="b"/>
               <a:pathLst>
-                <a:path h="1630376" w="2638554">
+                <a:path w="2638554" h="1630376">
                   <a:moveTo>
                     <a:pt x="48685" y="0"/>
                   </a:moveTo>
@@ -3533,11 +3474,18 @@
               <a:srgbClr val="FFFFFF"/>
             </a:solidFill>
           </p:spPr>
+          <p:txBody>
+            <a:bodyPr/>
+            <a:lstStyle/>
+            <a:p>
+              <a:endParaRPr lang="en-IN"/>
+            </a:p>
+          </p:txBody>
         </p:sp>
         <p:sp>
           <p:nvSpPr>
-            <p:cNvPr name="TextBox 10" id="10"/>
-            <p:cNvSpPr txBox="true"/>
+            <p:cNvPr id="10" name="TextBox 10"/>
+            <p:cNvSpPr txBox="1"/>
             <p:nvPr/>
           </p:nvSpPr>
           <p:spPr>
@@ -3550,7 +3498,7 @@
             </a:prstGeom>
           </p:spPr>
           <p:txBody>
-            <a:bodyPr anchor="ctr" rtlCol="false" tIns="50800" lIns="50800" bIns="50800" rIns="50800"/>
+            <a:bodyPr lIns="50800" tIns="50800" rIns="50800" bIns="50800" rtlCol="0" anchor="ctr"/>
             <a:lstStyle/>
             <a:p>
               <a:pPr algn="ctr">
@@ -3558,18 +3506,19 @@
                   <a:spcPts val="2659"/>
                 </a:lnSpc>
               </a:pPr>
+              <a:endParaRPr/>
             </a:p>
           </p:txBody>
         </p:sp>
       </p:grpSp>
       <p:sp>
         <p:nvSpPr>
-          <p:cNvPr name="Freeform 11" id="11"/>
+          <p:cNvPr id="11" name="Freeform 11"/>
           <p:cNvSpPr/>
           <p:nvPr/>
         </p:nvSpPr>
         <p:spPr>
-          <a:xfrm flipH="false" flipV="false" rot="0">
+          <a:xfrm>
             <a:off x="12934694" y="2283184"/>
             <a:ext cx="3501321" cy="4114800"/>
           </a:xfrm>
@@ -3578,9 +3527,9 @@
             <a:gdLst/>
             <a:ahLst/>
             <a:cxnLst/>
-            <a:rect r="r" b="b" t="t" l="l"/>
+            <a:rect l="l" t="t" r="r" b="b"/>
             <a:pathLst>
-              <a:path h="4114800" w="3501321">
+              <a:path w="3501321" h="4114800">
                 <a:moveTo>
                   <a:pt x="0" y="0"/>
                 </a:moveTo>
@@ -3609,19 +3558,26 @@
               </a:extLst>
             </a:blip>
             <a:stretch>
-              <a:fillRect l="0" t="0" r="0" b="0"/>
+              <a:fillRect/>
             </a:stretch>
           </a:blipFill>
         </p:spPr>
+        <p:txBody>
+          <a:bodyPr/>
+          <a:lstStyle/>
+          <a:p>
+            <a:endParaRPr lang="en-IN"/>
+          </a:p>
+        </p:txBody>
       </p:sp>
       <p:grpSp>
         <p:nvGrpSpPr>
-          <p:cNvPr name="Group 12" id="12"/>
+          <p:cNvPr id="12" name="Group 12"/>
           <p:cNvGrpSpPr/>
           <p:nvPr/>
         </p:nvGrpSpPr>
         <p:grpSpPr>
-          <a:xfrm rot="0">
+          <a:xfrm>
             <a:off x="8960899" y="8277866"/>
             <a:ext cx="980434" cy="980434"/>
             <a:chOff x="0" y="0"/>
@@ -3630,12 +3586,12 @@
         </p:grpSpPr>
         <p:sp>
           <p:nvSpPr>
-            <p:cNvPr name="Freeform 13" id="13"/>
+            <p:cNvPr id="13" name="Freeform 13"/>
             <p:cNvSpPr/>
             <p:nvPr/>
           </p:nvSpPr>
           <p:spPr>
-            <a:xfrm flipH="false" flipV="false" rot="0">
+            <a:xfrm>
               <a:off x="0" y="0"/>
               <a:ext cx="812800" cy="812800"/>
             </a:xfrm>
@@ -3644,9 +3600,9 @@
               <a:gdLst/>
               <a:ahLst/>
               <a:cxnLst/>
-              <a:rect r="r" b="b" t="t" l="l"/>
+              <a:rect l="l" t="t" r="r" b="b"/>
               <a:pathLst>
-                <a:path h="812800" w="812800">
+                <a:path w="812800" h="812800">
                   <a:moveTo>
                     <a:pt x="406400" y="0"/>
                   </a:moveTo>
@@ -3687,11 +3643,18 @@
               <a:miter/>
             </a:ln>
           </p:spPr>
+          <p:txBody>
+            <a:bodyPr/>
+            <a:lstStyle/>
+            <a:p>
+              <a:endParaRPr lang="en-IN"/>
+            </a:p>
+          </p:txBody>
         </p:sp>
         <p:sp>
           <p:nvSpPr>
-            <p:cNvPr name="TextBox 14" id="14"/>
-            <p:cNvSpPr txBox="true"/>
+            <p:cNvPr id="14" name="TextBox 14"/>
+            <p:cNvSpPr txBox="1"/>
             <p:nvPr/>
           </p:nvSpPr>
           <p:spPr>
@@ -3704,7 +3667,7 @@
             </a:prstGeom>
           </p:spPr>
           <p:txBody>
-            <a:bodyPr anchor="ctr" rtlCol="false" tIns="50800" lIns="50800" bIns="50800" rIns="50800"/>
+            <a:bodyPr lIns="50800" tIns="50800" rIns="50800" bIns="50800" rtlCol="0" anchor="ctr"/>
             <a:lstStyle/>
             <a:p>
               <a:pPr algn="ctr">
@@ -3712,18 +3675,19 @@
                   <a:spcPts val="2659"/>
                 </a:lnSpc>
               </a:pPr>
+              <a:endParaRPr/>
             </a:p>
           </p:txBody>
         </p:sp>
       </p:grpSp>
       <p:sp>
         <p:nvSpPr>
-          <p:cNvPr name="TextBox 15" id="15"/>
-          <p:cNvSpPr txBox="true"/>
+          <p:cNvPr id="15" name="TextBox 15"/>
+          <p:cNvSpPr txBox="1"/>
           <p:nvPr/>
         </p:nvSpPr>
         <p:spPr>
-          <a:xfrm rot="0">
+          <a:xfrm>
             <a:off x="13331919" y="8508469"/>
             <a:ext cx="3779718" cy="471603"/>
           </a:xfrm>
@@ -3732,7 +3696,7 @@
           </a:prstGeom>
         </p:spPr>
         <p:txBody>
-          <a:bodyPr anchor="t" rtlCol="false" tIns="0" lIns="0" bIns="0" rIns="0">
+          <a:bodyPr lIns="0" tIns="0" rIns="0" bIns="0" rtlCol="0" anchor="t">
             <a:spAutoFit/>
           </a:bodyPr>
           <a:lstStyle/>
@@ -3756,12 +3720,12 @@
       </p:sp>
       <p:sp>
         <p:nvSpPr>
-          <p:cNvPr name="TextBox 16" id="16"/>
-          <p:cNvSpPr txBox="true"/>
+          <p:cNvPr id="16" name="TextBox 16"/>
+          <p:cNvSpPr txBox="1"/>
           <p:nvPr/>
         </p:nvSpPr>
         <p:spPr>
-          <a:xfrm rot="0">
+          <a:xfrm>
             <a:off x="10763014" y="8537044"/>
             <a:ext cx="2716567" cy="471603"/>
           </a:xfrm>
@@ -3770,7 +3734,7 @@
           </a:prstGeom>
         </p:spPr>
         <p:txBody>
-          <a:bodyPr anchor="t" rtlCol="false" tIns="0" lIns="0" bIns="0" rIns="0">
+          <a:bodyPr lIns="0" tIns="0" rIns="0" bIns="0" rtlCol="0" anchor="t">
             <a:spAutoFit/>
           </a:bodyPr>
           <a:lstStyle/>
@@ -3794,12 +3758,12 @@
       </p:sp>
       <p:sp>
         <p:nvSpPr>
-          <p:cNvPr name="TextBox 17" id="17"/>
-          <p:cNvSpPr txBox="true"/>
+          <p:cNvPr id="17" name="TextBox 17"/>
+          <p:cNvSpPr txBox="1"/>
           <p:nvPr/>
         </p:nvSpPr>
         <p:spPr>
-          <a:xfrm rot="0">
+          <a:xfrm>
             <a:off x="1644109" y="2416534"/>
             <a:ext cx="8537041" cy="2136224"/>
           </a:xfrm>
@@ -3808,7 +3772,7 @@
           </a:prstGeom>
         </p:spPr>
         <p:txBody>
-          <a:bodyPr anchor="t" rtlCol="false" tIns="0" lIns="0" bIns="0" rIns="0">
+          <a:bodyPr lIns="0" tIns="0" rIns="0" bIns="0" rtlCol="0" anchor="t">
             <a:spAutoFit/>
           </a:bodyPr>
           <a:lstStyle/>
@@ -3832,12 +3796,12 @@
       </p:sp>
       <p:sp>
         <p:nvSpPr>
-          <p:cNvPr name="TextBox 18" id="18"/>
-          <p:cNvSpPr txBox="true"/>
+          <p:cNvPr id="18" name="TextBox 18"/>
+          <p:cNvSpPr txBox="1"/>
           <p:nvPr/>
         </p:nvSpPr>
         <p:spPr>
-          <a:xfrm rot="0">
+          <a:xfrm>
             <a:off x="2956007" y="4973388"/>
             <a:ext cx="7807007" cy="1151745"/>
           </a:xfrm>
@@ -3846,7 +3810,7 @@
           </a:prstGeom>
         </p:spPr>
         <p:txBody>
-          <a:bodyPr anchor="t" rtlCol="false" tIns="0" lIns="0" bIns="0" rIns="0">
+          <a:bodyPr lIns="0" tIns="0" rIns="0" bIns="0" rtlCol="0" anchor="t">
             <a:spAutoFit/>
           </a:bodyPr>
           <a:lstStyle/>
@@ -3877,13 +3841,14 @@
 </file>
 
 <file path=ppt/slides/slide10.xml><?xml version="1.0" encoding="utf-8"?>
-<p:sld xmlns:p="http://schemas.openxmlformats.org/presentationml/2006/main" xmlns:a="http://schemas.openxmlformats.org/drawingml/2006/main" xmlns:r="http://schemas.openxmlformats.org/officeDocument/2006/relationships">
+<p:sld xmlns:a="http://schemas.openxmlformats.org/drawingml/2006/main" xmlns:r="http://schemas.openxmlformats.org/officeDocument/2006/relationships" xmlns:p="http://schemas.openxmlformats.org/presentationml/2006/main">
   <p:cSld>
     <p:bg>
       <p:bgPr>
         <a:solidFill>
           <a:srgbClr val="F4F2F2"/>
         </a:solidFill>
+        <a:effectLst/>
       </p:bgPr>
     </p:bg>
     <p:spTree>
@@ -3902,12 +3867,12 @@
       </p:grpSpPr>
       <p:sp>
         <p:nvSpPr>
-          <p:cNvPr name="Freeform 2" id="2"/>
+          <p:cNvPr id="2" name="Freeform 2"/>
           <p:cNvSpPr/>
           <p:nvPr/>
         </p:nvSpPr>
         <p:spPr>
-          <a:xfrm flipH="false" flipV="false" rot="0">
+          <a:xfrm>
             <a:off x="4792413" y="4011511"/>
             <a:ext cx="8703174" cy="8703174"/>
           </a:xfrm>
@@ -3916,9 +3881,9 @@
             <a:gdLst/>
             <a:ahLst/>
             <a:cxnLst/>
-            <a:rect r="r" b="b" t="t" l="l"/>
+            <a:rect l="l" t="t" r="r" b="b"/>
             <a:pathLst>
-              <a:path h="8703174" w="8703174">
+              <a:path w="8703174" h="8703174">
                 <a:moveTo>
                   <a:pt x="0" y="0"/>
                 </a:moveTo>
@@ -3947,19 +3912,26 @@
               </a:extLst>
             </a:blip>
             <a:stretch>
-              <a:fillRect l="0" t="0" r="0" b="0"/>
+              <a:fillRect/>
             </a:stretch>
           </a:blipFill>
         </p:spPr>
-      </p:sp>
-      <p:sp>
-        <p:nvSpPr>
-          <p:cNvPr name="Freeform 3" id="3"/>
+        <p:txBody>
+          <a:bodyPr/>
+          <a:lstStyle/>
+          <a:p>
+            <a:endParaRPr lang="en-IN"/>
+          </a:p>
+        </p:txBody>
+      </p:sp>
+      <p:sp>
+        <p:nvSpPr>
+          <p:cNvPr id="3" name="Freeform 3"/>
           <p:cNvSpPr/>
           <p:nvPr/>
         </p:nvSpPr>
         <p:spPr>
-          <a:xfrm flipH="false" flipV="false" rot="0">
+          <a:xfrm>
             <a:off x="3890912" y="5143500"/>
             <a:ext cx="4609246" cy="4114800"/>
           </a:xfrm>
@@ -3968,9 +3940,9 @@
             <a:gdLst/>
             <a:ahLst/>
             <a:cxnLst/>
-            <a:rect r="r" b="b" t="t" l="l"/>
+            <a:rect l="l" t="t" r="r" b="b"/>
             <a:pathLst>
-              <a:path h="4114800" w="4609246">
+              <a:path w="4609246" h="4114800">
                 <a:moveTo>
                   <a:pt x="0" y="0"/>
                 </a:moveTo>
@@ -3999,19 +3971,26 @@
               </a:extLst>
             </a:blip>
             <a:stretch>
-              <a:fillRect l="0" t="0" r="0" b="0"/>
+              <a:fillRect/>
             </a:stretch>
           </a:blipFill>
         </p:spPr>
+        <p:txBody>
+          <a:bodyPr/>
+          <a:lstStyle/>
+          <a:p>
+            <a:endParaRPr lang="en-IN"/>
+          </a:p>
+        </p:txBody>
       </p:sp>
       <p:grpSp>
         <p:nvGrpSpPr>
-          <p:cNvPr name="Group 4" id="4"/>
+          <p:cNvPr id="4" name="Group 4"/>
           <p:cNvGrpSpPr/>
           <p:nvPr/>
         </p:nvGrpSpPr>
         <p:grpSpPr>
-          <a:xfrm rot="0">
+          <a:xfrm>
             <a:off x="1198697" y="2167929"/>
             <a:ext cx="5452344" cy="2093665"/>
             <a:chOff x="0" y="0"/>
@@ -4020,12 +3999,12 @@
         </p:grpSpPr>
         <p:sp>
           <p:nvSpPr>
-            <p:cNvPr name="Freeform 5" id="5"/>
+            <p:cNvPr id="5" name="Freeform 5"/>
             <p:cNvSpPr/>
             <p:nvPr/>
           </p:nvSpPr>
           <p:spPr>
-            <a:xfrm flipH="false" flipV="false" rot="0">
+            <a:xfrm>
               <a:off x="0" y="0"/>
               <a:ext cx="1168691" cy="448770"/>
             </a:xfrm>
@@ -4034,9 +4013,9 @@
               <a:gdLst/>
               <a:ahLst/>
               <a:cxnLst/>
-              <a:rect r="r" b="b" t="t" l="l"/>
+              <a:rect l="l" t="t" r="r" b="b"/>
               <a:pathLst>
-                <a:path h="448770" w="1168691">
+                <a:path w="1168691" h="448770">
                   <a:moveTo>
                     <a:pt x="141993" y="0"/>
                   </a:moveTo>
@@ -4080,11 +4059,18 @@
               <a:srgbClr val="50E8D1"/>
             </a:solidFill>
           </p:spPr>
+          <p:txBody>
+            <a:bodyPr/>
+            <a:lstStyle/>
+            <a:p>
+              <a:endParaRPr lang="en-IN"/>
+            </a:p>
+          </p:txBody>
         </p:sp>
         <p:sp>
           <p:nvSpPr>
-            <p:cNvPr name="TextBox 6" id="6"/>
-            <p:cNvSpPr txBox="true"/>
+            <p:cNvPr id="6" name="TextBox 6"/>
+            <p:cNvSpPr txBox="1"/>
             <p:nvPr/>
           </p:nvSpPr>
           <p:spPr>
@@ -4097,7 +4083,7 @@
             </a:prstGeom>
           </p:spPr>
           <p:txBody>
-            <a:bodyPr anchor="ctr" rtlCol="false" tIns="50800" lIns="50800" bIns="50800" rIns="50800"/>
+            <a:bodyPr lIns="50800" tIns="50800" rIns="50800" bIns="50800" rtlCol="0" anchor="ctr"/>
             <a:lstStyle/>
             <a:p>
               <a:pPr algn="ctr">
@@ -4105,18 +4091,19 @@
                   <a:spcPts val="2659"/>
                 </a:lnSpc>
               </a:pPr>
+              <a:endParaRPr/>
             </a:p>
           </p:txBody>
         </p:sp>
       </p:grpSp>
       <p:sp>
         <p:nvSpPr>
-          <p:cNvPr name="Freeform 7" id="7"/>
+          <p:cNvPr id="7" name="Freeform 7"/>
           <p:cNvSpPr/>
           <p:nvPr/>
         </p:nvSpPr>
         <p:spPr>
-          <a:xfrm flipH="false" flipV="false" rot="0">
+          <a:xfrm>
             <a:off x="11443861" y="-2105612"/>
             <a:ext cx="8703174" cy="8703174"/>
           </a:xfrm>
@@ -4125,9 +4112,9 @@
             <a:gdLst/>
             <a:ahLst/>
             <a:cxnLst/>
-            <a:rect r="r" b="b" t="t" l="l"/>
+            <a:rect l="l" t="t" r="r" b="b"/>
             <a:pathLst>
-              <a:path h="8703174" w="8703174">
+              <a:path w="8703174" h="8703174">
                 <a:moveTo>
                   <a:pt x="0" y="0"/>
                 </a:moveTo>
@@ -4156,19 +4143,26 @@
               </a:extLst>
             </a:blip>
             <a:stretch>
-              <a:fillRect l="0" t="0" r="0" b="0"/>
+              <a:fillRect/>
             </a:stretch>
           </a:blipFill>
         </p:spPr>
-      </p:sp>
-      <p:sp>
-        <p:nvSpPr>
-          <p:cNvPr name="Freeform 8" id="8"/>
+        <p:txBody>
+          <a:bodyPr/>
+          <a:lstStyle/>
+          <a:p>
+            <a:endParaRPr lang="en-IN"/>
+          </a:p>
+        </p:txBody>
+      </p:sp>
+      <p:sp>
+        <p:nvSpPr>
+          <p:cNvPr id="8" name="Freeform 8"/>
           <p:cNvSpPr/>
           <p:nvPr/>
         </p:nvSpPr>
         <p:spPr>
-          <a:xfrm flipH="false" flipV="false" rot="0">
+          <a:xfrm>
             <a:off x="9935924" y="2167929"/>
             <a:ext cx="8703174" cy="8703174"/>
           </a:xfrm>
@@ -4177,9 +4171,9 @@
             <a:gdLst/>
             <a:ahLst/>
             <a:cxnLst/>
-            <a:rect r="r" b="b" t="t" l="l"/>
+            <a:rect l="l" t="t" r="r" b="b"/>
             <a:pathLst>
-              <a:path h="8703174" w="8703174">
+              <a:path w="8703174" h="8703174">
                 <a:moveTo>
                   <a:pt x="0" y="0"/>
                 </a:moveTo>
@@ -4208,19 +4202,26 @@
               </a:extLst>
             </a:blip>
             <a:stretch>
-              <a:fillRect l="0" t="0" r="0" b="0"/>
+              <a:fillRect/>
             </a:stretch>
           </a:blipFill>
         </p:spPr>
+        <p:txBody>
+          <a:bodyPr/>
+          <a:lstStyle/>
+          <a:p>
+            <a:endParaRPr lang="en-IN"/>
+          </a:p>
+        </p:txBody>
       </p:sp>
       <p:grpSp>
         <p:nvGrpSpPr>
-          <p:cNvPr name="Group 9" id="9"/>
+          <p:cNvPr id="9" name="Group 9"/>
           <p:cNvGrpSpPr/>
           <p:nvPr/>
         </p:nvGrpSpPr>
         <p:grpSpPr>
-          <a:xfrm rot="0">
+          <a:xfrm>
             <a:off x="7532974" y="1028700"/>
             <a:ext cx="9726326" cy="8036526"/>
             <a:chOff x="0" y="0"/>
@@ -4229,12 +4230,12 @@
         </p:grpSpPr>
         <p:sp>
           <p:nvSpPr>
-            <p:cNvPr name="Freeform 10" id="10"/>
+            <p:cNvPr id="10" name="Freeform 10"/>
             <p:cNvSpPr/>
             <p:nvPr/>
           </p:nvSpPr>
           <p:spPr>
-            <a:xfrm flipH="false" flipV="false" rot="0">
+            <a:xfrm>
               <a:off x="0" y="0"/>
               <a:ext cx="2561666" cy="2116616"/>
             </a:xfrm>
@@ -4243,9 +4244,9 @@
               <a:gdLst/>
               <a:ahLst/>
               <a:cxnLst/>
-              <a:rect r="r" b="b" t="t" l="l"/>
+              <a:rect l="l" t="t" r="r" b="b"/>
               <a:pathLst>
-                <a:path h="2116616" w="2561666">
+                <a:path w="2561666" h="2116616">
                   <a:moveTo>
                     <a:pt x="40595" y="0"/>
                   </a:moveTo>
@@ -4304,11 +4305,18 @@
               <a:srgbClr val="FFFFFF"/>
             </a:solidFill>
           </p:spPr>
+          <p:txBody>
+            <a:bodyPr/>
+            <a:lstStyle/>
+            <a:p>
+              <a:endParaRPr lang="en-IN"/>
+            </a:p>
+          </p:txBody>
         </p:sp>
         <p:sp>
           <p:nvSpPr>
-            <p:cNvPr name="TextBox 11" id="11"/>
-            <p:cNvSpPr txBox="true"/>
+            <p:cNvPr id="11" name="TextBox 11"/>
+            <p:cNvSpPr txBox="1"/>
             <p:nvPr/>
           </p:nvSpPr>
           <p:spPr>
@@ -4321,7 +4329,7 @@
             </a:prstGeom>
           </p:spPr>
           <p:txBody>
-            <a:bodyPr anchor="ctr" rtlCol="false" tIns="50800" lIns="50800" bIns="50800" rIns="50800"/>
+            <a:bodyPr lIns="50800" tIns="50800" rIns="50800" bIns="50800" rtlCol="0" anchor="ctr"/>
             <a:lstStyle/>
             <a:p>
               <a:pPr algn="ctr">
@@ -4329,18 +4337,19 @@
                   <a:spcPts val="2659"/>
                 </a:lnSpc>
               </a:pPr>
+              <a:endParaRPr/>
             </a:p>
           </p:txBody>
         </p:sp>
       </p:grpSp>
       <p:sp>
         <p:nvSpPr>
-          <p:cNvPr name="TextBox 12" id="12"/>
-          <p:cNvSpPr txBox="true"/>
+          <p:cNvPr id="12" name="TextBox 12"/>
+          <p:cNvSpPr txBox="1"/>
           <p:nvPr/>
         </p:nvSpPr>
         <p:spPr>
-          <a:xfrm rot="0">
+          <a:xfrm>
             <a:off x="7786457" y="1256122"/>
             <a:ext cx="9268581" cy="2031365"/>
           </a:xfrm>
@@ -4349,7 +4358,7 @@
           </a:prstGeom>
         </p:spPr>
         <p:txBody>
-          <a:bodyPr anchor="t" rtlCol="false" tIns="0" lIns="0" bIns="0" rIns="0">
+          <a:bodyPr lIns="0" tIns="0" rIns="0" bIns="0" rtlCol="0" anchor="t">
             <a:spAutoFit/>
           </a:bodyPr>
           <a:lstStyle/>
@@ -4373,12 +4382,12 @@
       </p:sp>
       <p:sp>
         <p:nvSpPr>
-          <p:cNvPr name="TextBox 13" id="13"/>
-          <p:cNvSpPr txBox="true"/>
+          <p:cNvPr id="13" name="TextBox 13"/>
+          <p:cNvSpPr txBox="1"/>
           <p:nvPr/>
         </p:nvSpPr>
         <p:spPr>
-          <a:xfrm rot="0">
+          <a:xfrm>
             <a:off x="2395847" y="2711885"/>
             <a:ext cx="3058045" cy="1043853"/>
           </a:xfrm>
@@ -4387,7 +4396,7 @@
           </a:prstGeom>
         </p:spPr>
         <p:txBody>
-          <a:bodyPr anchor="t" rtlCol="false" tIns="0" lIns="0" bIns="0" rIns="0">
+          <a:bodyPr lIns="0" tIns="0" rIns="0" bIns="0" rtlCol="0" anchor="t">
             <a:spAutoFit/>
           </a:bodyPr>
           <a:lstStyle/>
@@ -4411,12 +4420,12 @@
       </p:sp>
       <p:sp>
         <p:nvSpPr>
-          <p:cNvPr name="TextBox 14" id="14"/>
-          <p:cNvSpPr txBox="true"/>
+          <p:cNvPr id="14" name="TextBox 14"/>
+          <p:cNvSpPr txBox="1"/>
           <p:nvPr/>
         </p:nvSpPr>
         <p:spPr>
-          <a:xfrm rot="0">
+          <a:xfrm>
             <a:off x="7786457" y="3708113"/>
             <a:ext cx="9268581" cy="4603116"/>
           </a:xfrm>
@@ -4425,12 +4434,12 @@
           </a:prstGeom>
         </p:spPr>
         <p:txBody>
-          <a:bodyPr anchor="t" rtlCol="false" tIns="0" lIns="0" bIns="0" rIns="0">
+          <a:bodyPr lIns="0" tIns="0" rIns="0" bIns="0" rtlCol="0" anchor="t">
             <a:spAutoFit/>
           </a:bodyPr>
           <a:lstStyle/>
           <a:p>
-            <a:pPr marL="626101" indent="-313050" lvl="1">
+            <a:pPr marL="626101" lvl="1" indent="-313050">
               <a:lnSpc>
                 <a:spcPts val="4059"/>
               </a:lnSpc>
@@ -4453,9 +4462,15 @@
                 <a:spcPts val="4059"/>
               </a:lnSpc>
             </a:pPr>
-          </a:p>
-          <a:p>
-            <a:pPr marL="626101" indent="-313050" lvl="1">
+            <a:endParaRPr lang="en-US" sz="2899">
+              <a:solidFill>
+                <a:srgbClr val="000000"/>
+              </a:solidFill>
+              <a:latin typeface="Montserrat"/>
+            </a:endParaRPr>
+          </a:p>
+          <a:p>
+            <a:pPr marL="626101" lvl="1" indent="-313050">
               <a:lnSpc>
                 <a:spcPts val="4059"/>
               </a:lnSpc>
@@ -4478,9 +4493,15 @@
                 <a:spcPts val="4059"/>
               </a:lnSpc>
             </a:pPr>
-          </a:p>
-          <a:p>
-            <a:pPr marL="626101" indent="-313050" lvl="1">
+            <a:endParaRPr lang="en-US" sz="2899">
+              <a:solidFill>
+                <a:srgbClr val="000000"/>
+              </a:solidFill>
+              <a:latin typeface="Montserrat"/>
+            </a:endParaRPr>
+          </a:p>
+          <a:p>
+            <a:pPr marL="626101" lvl="1" indent="-313050">
               <a:lnSpc>
                 <a:spcPts val="4059"/>
               </a:lnSpc>
@@ -4508,13 +4529,14 @@
 </file>
 
 <file path=ppt/slides/slide11.xml><?xml version="1.0" encoding="utf-8"?>
-<p:sld xmlns:p="http://schemas.openxmlformats.org/presentationml/2006/main" xmlns:a="http://schemas.openxmlformats.org/drawingml/2006/main" xmlns:r="http://schemas.openxmlformats.org/officeDocument/2006/relationships">
+<p:sld xmlns:a="http://schemas.openxmlformats.org/drawingml/2006/main" xmlns:r="http://schemas.openxmlformats.org/officeDocument/2006/relationships" xmlns:p="http://schemas.openxmlformats.org/presentationml/2006/main">
   <p:cSld>
     <p:bg>
       <p:bgPr>
         <a:solidFill>
           <a:srgbClr val="F4F2F2"/>
         </a:solidFill>
+        <a:effectLst/>
       </p:bgPr>
     </p:bg>
     <p:spTree>
@@ -4533,12 +4555,12 @@
       </p:grpSpPr>
       <p:sp>
         <p:nvSpPr>
-          <p:cNvPr name="Freeform 2" id="2"/>
+          <p:cNvPr id="2" name="Freeform 2"/>
           <p:cNvSpPr/>
           <p:nvPr/>
         </p:nvSpPr>
         <p:spPr>
-          <a:xfrm flipH="false" flipV="false" rot="0">
+          <a:xfrm>
             <a:off x="8865908" y="1209824"/>
             <a:ext cx="15228862" cy="15228862"/>
           </a:xfrm>
@@ -4547,9 +4569,9 @@
             <a:gdLst/>
             <a:ahLst/>
             <a:cxnLst/>
-            <a:rect r="r" b="b" t="t" l="l"/>
+            <a:rect l="l" t="t" r="r" b="b"/>
             <a:pathLst>
-              <a:path h="15228862" w="15228862">
+              <a:path w="15228862" h="15228862">
                 <a:moveTo>
                   <a:pt x="0" y="0"/>
                 </a:moveTo>
@@ -4578,19 +4600,26 @@
               </a:extLst>
             </a:blip>
             <a:stretch>
-              <a:fillRect l="0" t="0" r="0" b="0"/>
+              <a:fillRect/>
             </a:stretch>
           </a:blipFill>
         </p:spPr>
-      </p:sp>
-      <p:sp>
-        <p:nvSpPr>
-          <p:cNvPr name="Freeform 3" id="3"/>
+        <p:txBody>
+          <a:bodyPr/>
+          <a:lstStyle/>
+          <a:p>
+            <a:endParaRPr lang="en-IN"/>
+          </a:p>
+        </p:txBody>
+      </p:sp>
+      <p:sp>
+        <p:nvSpPr>
+          <p:cNvPr id="3" name="Freeform 3"/>
           <p:cNvSpPr/>
           <p:nvPr/>
         </p:nvSpPr>
         <p:spPr>
-          <a:xfrm flipH="false" flipV="false" rot="0">
+          <a:xfrm>
             <a:off x="3607342" y="244210"/>
             <a:ext cx="11073316" cy="9798580"/>
           </a:xfrm>
@@ -4599,9 +4628,9 @@
             <a:gdLst/>
             <a:ahLst/>
             <a:cxnLst/>
-            <a:rect r="r" b="b" t="t" l="l"/>
+            <a:rect l="l" t="t" r="r" b="b"/>
             <a:pathLst>
-              <a:path h="9798580" w="11073316">
+              <a:path w="11073316" h="9798580">
                 <a:moveTo>
                   <a:pt x="0" y="0"/>
                 </a:moveTo>
@@ -4624,10 +4653,17 @@
           <a:blipFill>
             <a:blip r:embed="rId4"/>
             <a:stretch>
-              <a:fillRect l="0" t="0" r="0" b="0"/>
+              <a:fillRect/>
             </a:stretch>
           </a:blipFill>
         </p:spPr>
+        <p:txBody>
+          <a:bodyPr/>
+          <a:lstStyle/>
+          <a:p>
+            <a:endParaRPr lang="en-IN"/>
+          </a:p>
+        </p:txBody>
       </p:sp>
     </p:spTree>
   </p:cSld>
@@ -4638,13 +4674,14 @@
 </file>
 
 <file path=ppt/slides/slide12.xml><?xml version="1.0" encoding="utf-8"?>
-<p:sld xmlns:p="http://schemas.openxmlformats.org/presentationml/2006/main" xmlns:a="http://schemas.openxmlformats.org/drawingml/2006/main" xmlns:r="http://schemas.openxmlformats.org/officeDocument/2006/relationships">
+<p:sld xmlns:a="http://schemas.openxmlformats.org/drawingml/2006/main" xmlns:r="http://schemas.openxmlformats.org/officeDocument/2006/relationships" xmlns:p="http://schemas.openxmlformats.org/presentationml/2006/main">
   <p:cSld>
     <p:bg>
       <p:bgPr>
         <a:solidFill>
           <a:srgbClr val="F4F2F2"/>
         </a:solidFill>
+        <a:effectLst/>
       </p:bgPr>
     </p:bg>
     <p:spTree>
@@ -4663,12 +4700,12 @@
       </p:grpSpPr>
       <p:sp>
         <p:nvSpPr>
-          <p:cNvPr name="Freeform 2" id="2"/>
+          <p:cNvPr id="2" name="Freeform 2"/>
           <p:cNvSpPr/>
           <p:nvPr/>
         </p:nvSpPr>
         <p:spPr>
-          <a:xfrm flipH="false" flipV="false" rot="0">
+          <a:xfrm>
             <a:off x="-8615057" y="-8428575"/>
             <a:ext cx="15228862" cy="15228862"/>
           </a:xfrm>
@@ -4677,9 +4714,9 @@
             <a:gdLst/>
             <a:ahLst/>
             <a:cxnLst/>
-            <a:rect r="r" b="b" t="t" l="l"/>
+            <a:rect l="l" t="t" r="r" b="b"/>
             <a:pathLst>
-              <a:path h="15228862" w="15228862">
+              <a:path w="15228862" h="15228862">
                 <a:moveTo>
                   <a:pt x="0" y="0"/>
                 </a:moveTo>
@@ -4708,19 +4745,26 @@
               </a:extLst>
             </a:blip>
             <a:stretch>
-              <a:fillRect l="0" t="0" r="0" b="0"/>
+              <a:fillRect/>
             </a:stretch>
           </a:blipFill>
         </p:spPr>
-      </p:sp>
-      <p:sp>
-        <p:nvSpPr>
-          <p:cNvPr name="Freeform 3" id="3"/>
+        <p:txBody>
+          <a:bodyPr/>
+          <a:lstStyle/>
+          <a:p>
+            <a:endParaRPr lang="en-IN"/>
+          </a:p>
+        </p:txBody>
+      </p:sp>
+      <p:sp>
+        <p:nvSpPr>
+          <p:cNvPr id="3" name="Freeform 3"/>
           <p:cNvSpPr/>
           <p:nvPr/>
         </p:nvSpPr>
         <p:spPr>
-          <a:xfrm flipH="false" flipV="false" rot="0">
+          <a:xfrm>
             <a:off x="-7614431" y="4964451"/>
             <a:ext cx="15228862" cy="15228862"/>
           </a:xfrm>
@@ -4729,9 +4773,9 @@
             <a:gdLst/>
             <a:ahLst/>
             <a:cxnLst/>
-            <a:rect r="r" b="b" t="t" l="l"/>
+            <a:rect l="l" t="t" r="r" b="b"/>
             <a:pathLst>
-              <a:path h="15228862" w="15228862">
+              <a:path w="15228862" h="15228862">
                 <a:moveTo>
                   <a:pt x="0" y="0"/>
                 </a:moveTo>
@@ -4760,19 +4804,26 @@
               </a:extLst>
             </a:blip>
             <a:stretch>
-              <a:fillRect l="0" t="0" r="0" b="0"/>
+              <a:fillRect/>
             </a:stretch>
           </a:blipFill>
         </p:spPr>
+        <p:txBody>
+          <a:bodyPr/>
+          <a:lstStyle/>
+          <a:p>
+            <a:endParaRPr lang="en-IN"/>
+          </a:p>
+        </p:txBody>
       </p:sp>
       <p:grpSp>
         <p:nvGrpSpPr>
-          <p:cNvPr name="Group 4" id="4"/>
+          <p:cNvPr id="4" name="Group 4"/>
           <p:cNvGrpSpPr/>
           <p:nvPr/>
         </p:nvGrpSpPr>
         <p:grpSpPr>
-          <a:xfrm rot="0">
+          <a:xfrm>
             <a:off x="8835842" y="1028700"/>
             <a:ext cx="8423458" cy="1413906"/>
             <a:chOff x="0" y="0"/>
@@ -4781,12 +4832,12 @@
         </p:grpSpPr>
         <p:sp>
           <p:nvSpPr>
-            <p:cNvPr name="Freeform 5" id="5"/>
+            <p:cNvPr id="5" name="Freeform 5"/>
             <p:cNvSpPr/>
             <p:nvPr/>
           </p:nvSpPr>
           <p:spPr>
-            <a:xfrm flipH="false" flipV="false" rot="0">
+            <a:xfrm>
               <a:off x="0" y="0"/>
               <a:ext cx="1805539" cy="303066"/>
             </a:xfrm>
@@ -4795,9 +4846,9 @@
               <a:gdLst/>
               <a:ahLst/>
               <a:cxnLst/>
-              <a:rect r="r" b="b" t="t" l="l"/>
+              <a:rect l="l" t="t" r="r" b="b"/>
               <a:pathLst>
-                <a:path h="303066" w="1805539">
+                <a:path w="1805539" h="303066">
                   <a:moveTo>
                     <a:pt x="91909" y="0"/>
                   </a:moveTo>
@@ -4856,11 +4907,18 @@
               <a:srgbClr val="50E8D1"/>
             </a:solidFill>
           </p:spPr>
+          <p:txBody>
+            <a:bodyPr/>
+            <a:lstStyle/>
+            <a:p>
+              <a:endParaRPr lang="en-IN"/>
+            </a:p>
+          </p:txBody>
         </p:sp>
         <p:sp>
           <p:nvSpPr>
-            <p:cNvPr name="TextBox 6" id="6"/>
-            <p:cNvSpPr txBox="true"/>
+            <p:cNvPr id="6" name="TextBox 6"/>
+            <p:cNvSpPr txBox="1"/>
             <p:nvPr/>
           </p:nvSpPr>
           <p:spPr>
@@ -4873,7 +4931,7 @@
             </a:prstGeom>
           </p:spPr>
           <p:txBody>
-            <a:bodyPr anchor="ctr" rtlCol="false" tIns="50800" lIns="50800" bIns="50800" rIns="50800"/>
+            <a:bodyPr lIns="50800" tIns="50800" rIns="50800" bIns="50800" rtlCol="0" anchor="ctr"/>
             <a:lstStyle/>
             <a:p>
               <a:pPr algn="ctr">
@@ -4881,18 +4939,19 @@
                   <a:spcPts val="2659"/>
                 </a:lnSpc>
               </a:pPr>
+              <a:endParaRPr/>
             </a:p>
           </p:txBody>
         </p:sp>
       </p:grpSp>
       <p:sp>
         <p:nvSpPr>
-          <p:cNvPr name="Freeform 7" id="7"/>
+          <p:cNvPr id="7" name="Freeform 7"/>
           <p:cNvSpPr/>
           <p:nvPr/>
         </p:nvSpPr>
         <p:spPr>
-          <a:xfrm flipH="false" flipV="false" rot="0">
+          <a:xfrm>
             <a:off x="12200911" y="4139020"/>
             <a:ext cx="4107319" cy="4114800"/>
           </a:xfrm>
@@ -4901,9 +4960,9 @@
             <a:gdLst/>
             <a:ahLst/>
             <a:cxnLst/>
-            <a:rect r="r" b="b" t="t" l="l"/>
+            <a:rect l="l" t="t" r="r" b="b"/>
             <a:pathLst>
-              <a:path h="4114800" w="4107319">
+              <a:path w="4107319" h="4114800">
                 <a:moveTo>
                   <a:pt x="0" y="0"/>
                 </a:moveTo>
@@ -4932,19 +4991,26 @@
               </a:extLst>
             </a:blip>
             <a:stretch>
-              <a:fillRect l="0" t="0" r="0" b="0"/>
+              <a:fillRect/>
             </a:stretch>
           </a:blipFill>
         </p:spPr>
+        <p:txBody>
+          <a:bodyPr/>
+          <a:lstStyle/>
+          <a:p>
+            <a:endParaRPr lang="en-IN"/>
+          </a:p>
+        </p:txBody>
       </p:sp>
       <p:grpSp>
         <p:nvGrpSpPr>
-          <p:cNvPr name="Group 8" id="8"/>
+          <p:cNvPr id="8" name="Group 8"/>
           <p:cNvGrpSpPr/>
           <p:nvPr/>
         </p:nvGrpSpPr>
         <p:grpSpPr>
-          <a:xfrm rot="0">
+          <a:xfrm>
             <a:off x="1028700" y="2966772"/>
             <a:ext cx="13225871" cy="6291528"/>
             <a:chOff x="0" y="0"/>
@@ -4953,12 +5019,12 @@
         </p:grpSpPr>
         <p:sp>
           <p:nvSpPr>
-            <p:cNvPr name="Freeform 9" id="9"/>
+            <p:cNvPr id="9" name="Freeform 9"/>
             <p:cNvSpPr/>
             <p:nvPr/>
           </p:nvSpPr>
           <p:spPr>
-            <a:xfrm flipH="false" flipV="false" rot="0">
+            <a:xfrm>
               <a:off x="0" y="0"/>
               <a:ext cx="3483357" cy="1657028"/>
             </a:xfrm>
@@ -4967,9 +5033,9 @@
               <a:gdLst/>
               <a:ahLst/>
               <a:cxnLst/>
-              <a:rect r="r" b="b" t="t" l="l"/>
+              <a:rect l="l" t="t" r="r" b="b"/>
               <a:pathLst>
-                <a:path h="1657028" w="3483357">
+                <a:path w="3483357" h="1657028">
                   <a:moveTo>
                     <a:pt x="29853" y="0"/>
                   </a:moveTo>
@@ -5028,11 +5094,18 @@
               <a:srgbClr val="FFFFFF"/>
             </a:solidFill>
           </p:spPr>
+          <p:txBody>
+            <a:bodyPr/>
+            <a:lstStyle/>
+            <a:p>
+              <a:endParaRPr lang="en-IN"/>
+            </a:p>
+          </p:txBody>
         </p:sp>
         <p:sp>
           <p:nvSpPr>
-            <p:cNvPr name="TextBox 10" id="10"/>
-            <p:cNvSpPr txBox="true"/>
+            <p:cNvPr id="10" name="TextBox 10"/>
+            <p:cNvSpPr txBox="1"/>
             <p:nvPr/>
           </p:nvSpPr>
           <p:spPr>
@@ -5045,7 +5118,7 @@
             </a:prstGeom>
           </p:spPr>
           <p:txBody>
-            <a:bodyPr anchor="ctr" rtlCol="false" tIns="50800" lIns="50800" bIns="50800" rIns="50800"/>
+            <a:bodyPr lIns="50800" tIns="50800" rIns="50800" bIns="50800" rtlCol="0" anchor="ctr"/>
             <a:lstStyle/>
             <a:p>
               <a:pPr algn="ctr">
@@ -5053,18 +5126,19 @@
                   <a:spcPts val="2659"/>
                 </a:lnSpc>
               </a:pPr>
+              <a:endParaRPr/>
             </a:p>
           </p:txBody>
         </p:sp>
       </p:grpSp>
       <p:sp>
         <p:nvSpPr>
-          <p:cNvPr name="TextBox 11" id="11"/>
-          <p:cNvSpPr txBox="true"/>
+          <p:cNvPr id="11" name="TextBox 11"/>
+          <p:cNvSpPr txBox="1"/>
           <p:nvPr/>
         </p:nvSpPr>
         <p:spPr>
-          <a:xfrm rot="0">
+          <a:xfrm>
             <a:off x="8835842" y="1365751"/>
             <a:ext cx="8423458" cy="663604"/>
           </a:xfrm>
@@ -5073,7 +5147,7 @@
           </a:prstGeom>
         </p:spPr>
         <p:txBody>
-          <a:bodyPr anchor="t" rtlCol="false" tIns="0" lIns="0" bIns="0" rIns="0">
+          <a:bodyPr lIns="0" tIns="0" rIns="0" bIns="0" rtlCol="0" anchor="t">
             <a:spAutoFit/>
           </a:bodyPr>
           <a:lstStyle/>
@@ -5097,12 +5171,12 @@
       </p:sp>
       <p:sp>
         <p:nvSpPr>
-          <p:cNvPr name="TextBox 12" id="12"/>
-          <p:cNvSpPr txBox="true"/>
+          <p:cNvPr id="12" name="TextBox 12"/>
+          <p:cNvSpPr txBox="1"/>
           <p:nvPr/>
         </p:nvSpPr>
         <p:spPr>
-          <a:xfrm rot="0">
+          <a:xfrm>
             <a:off x="1896976" y="3216437"/>
             <a:ext cx="11489319" cy="2349142"/>
           </a:xfrm>
@@ -5111,7 +5185,7 @@
           </a:prstGeom>
         </p:spPr>
         <p:txBody>
-          <a:bodyPr anchor="t" rtlCol="false" tIns="0" lIns="0" bIns="0" rIns="0">
+          <a:bodyPr lIns="0" tIns="0" rIns="0" bIns="0" rtlCol="0" anchor="t">
             <a:spAutoFit/>
           </a:bodyPr>
           <a:lstStyle/>
@@ -5135,12 +5209,12 @@
       </p:sp>
       <p:sp>
         <p:nvSpPr>
-          <p:cNvPr name="TextBox 13" id="13"/>
-          <p:cNvSpPr txBox="true"/>
+          <p:cNvPr id="13" name="TextBox 13"/>
+          <p:cNvSpPr txBox="1"/>
           <p:nvPr/>
         </p:nvSpPr>
         <p:spPr>
-          <a:xfrm rot="0">
+          <a:xfrm>
             <a:off x="1896976" y="5868741"/>
             <a:ext cx="11489319" cy="931546"/>
           </a:xfrm>
@@ -5149,7 +5223,7 @@
           </a:prstGeom>
         </p:spPr>
         <p:txBody>
-          <a:bodyPr anchor="t" rtlCol="false" tIns="0" lIns="0" bIns="0" rIns="0">
+          <a:bodyPr lIns="0" tIns="0" rIns="0" bIns="0" rtlCol="0" anchor="t">
             <a:spAutoFit/>
           </a:bodyPr>
           <a:lstStyle/>
@@ -5176,12 +5250,12 @@
       </p:sp>
       <p:sp>
         <p:nvSpPr>
-          <p:cNvPr name="TextBox 14" id="14"/>
-          <p:cNvSpPr txBox="true"/>
+          <p:cNvPr id="14" name="TextBox 14"/>
+          <p:cNvSpPr txBox="1"/>
           <p:nvPr/>
         </p:nvSpPr>
         <p:spPr>
-          <a:xfrm rot="0">
+          <a:xfrm>
             <a:off x="1896976" y="7105087"/>
             <a:ext cx="11489319" cy="931546"/>
           </a:xfrm>
@@ -5190,7 +5264,7 @@
           </a:prstGeom>
         </p:spPr>
         <p:txBody>
-          <a:bodyPr anchor="t" rtlCol="false" tIns="0" lIns="0" bIns="0" rIns="0">
+          <a:bodyPr lIns="0" tIns="0" rIns="0" bIns="0" rtlCol="0" anchor="t">
             <a:spAutoFit/>
           </a:bodyPr>
           <a:lstStyle/>
@@ -5224,13 +5298,14 @@
 </file>
 
 <file path=ppt/slides/slide13.xml><?xml version="1.0" encoding="utf-8"?>
-<p:sld xmlns:p="http://schemas.openxmlformats.org/presentationml/2006/main" xmlns:a="http://schemas.openxmlformats.org/drawingml/2006/main" xmlns:r="http://schemas.openxmlformats.org/officeDocument/2006/relationships">
+<p:sld xmlns:a="http://schemas.openxmlformats.org/drawingml/2006/main" xmlns:r="http://schemas.openxmlformats.org/officeDocument/2006/relationships" xmlns:p="http://schemas.openxmlformats.org/presentationml/2006/main">
   <p:cSld>
     <p:bg>
       <p:bgPr>
         <a:solidFill>
           <a:srgbClr val="F4F2F2"/>
         </a:solidFill>
+        <a:effectLst/>
       </p:bgPr>
     </p:bg>
     <p:spTree>
@@ -5249,12 +5324,12 @@
       </p:grpSpPr>
       <p:sp>
         <p:nvSpPr>
-          <p:cNvPr name="Freeform 2" id="2"/>
+          <p:cNvPr id="2" name="Freeform 2"/>
           <p:cNvSpPr/>
           <p:nvPr/>
         </p:nvSpPr>
         <p:spPr>
-          <a:xfrm flipH="false" flipV="false" rot="0">
+          <a:xfrm>
             <a:off x="8865908" y="1209824"/>
             <a:ext cx="15228862" cy="15228862"/>
           </a:xfrm>
@@ -5263,9 +5338,9 @@
             <a:gdLst/>
             <a:ahLst/>
             <a:cxnLst/>
-            <a:rect r="r" b="b" t="t" l="l"/>
+            <a:rect l="l" t="t" r="r" b="b"/>
             <a:pathLst>
-              <a:path h="15228862" w="15228862">
+              <a:path w="15228862" h="15228862">
                 <a:moveTo>
                   <a:pt x="0" y="0"/>
                 </a:moveTo>
@@ -5294,19 +5369,26 @@
               </a:extLst>
             </a:blip>
             <a:stretch>
-              <a:fillRect l="0" t="0" r="0" b="0"/>
+              <a:fillRect/>
             </a:stretch>
           </a:blipFill>
         </p:spPr>
-      </p:sp>
-      <p:sp>
-        <p:nvSpPr>
-          <p:cNvPr name="Freeform 3" id="3"/>
+        <p:txBody>
+          <a:bodyPr/>
+          <a:lstStyle/>
+          <a:p>
+            <a:endParaRPr lang="en-IN"/>
+          </a:p>
+        </p:txBody>
+      </p:sp>
+      <p:sp>
+        <p:nvSpPr>
+          <p:cNvPr id="3" name="Freeform 3"/>
           <p:cNvSpPr/>
           <p:nvPr/>
         </p:nvSpPr>
         <p:spPr>
-          <a:xfrm flipH="false" flipV="false" rot="0">
+          <a:xfrm>
             <a:off x="4660524" y="259018"/>
             <a:ext cx="8966951" cy="9768964"/>
           </a:xfrm>
@@ -5315,9 +5397,9 @@
             <a:gdLst/>
             <a:ahLst/>
             <a:cxnLst/>
-            <a:rect r="r" b="b" t="t" l="l"/>
+            <a:rect l="l" t="t" r="r" b="b"/>
             <a:pathLst>
-              <a:path h="9768964" w="8966951">
+              <a:path w="8966951" h="9768964">
                 <a:moveTo>
                   <a:pt x="0" y="0"/>
                 </a:moveTo>
@@ -5340,10 +5422,17 @@
           <a:blipFill>
             <a:blip r:embed="rId4"/>
             <a:stretch>
-              <a:fillRect l="0" t="0" r="0" b="0"/>
+              <a:fillRect/>
             </a:stretch>
           </a:blipFill>
         </p:spPr>
+        <p:txBody>
+          <a:bodyPr/>
+          <a:lstStyle/>
+          <a:p>
+            <a:endParaRPr lang="en-IN"/>
+          </a:p>
+        </p:txBody>
       </p:sp>
     </p:spTree>
   </p:cSld>
@@ -5354,13 +5443,14 @@
 </file>
 
 <file path=ppt/slides/slide14.xml><?xml version="1.0" encoding="utf-8"?>
-<p:sld xmlns:p="http://schemas.openxmlformats.org/presentationml/2006/main" xmlns:a="http://schemas.openxmlformats.org/drawingml/2006/main" xmlns:r="http://schemas.openxmlformats.org/officeDocument/2006/relationships">
+<p:sld xmlns:a="http://schemas.openxmlformats.org/drawingml/2006/main" xmlns:r="http://schemas.openxmlformats.org/officeDocument/2006/relationships" xmlns:p="http://schemas.openxmlformats.org/presentationml/2006/main">
   <p:cSld>
     <p:bg>
       <p:bgPr>
         <a:solidFill>
           <a:srgbClr val="F4F2F2"/>
         </a:solidFill>
+        <a:effectLst/>
       </p:bgPr>
     </p:bg>
     <p:spTree>
@@ -5379,12 +5469,12 @@
       </p:grpSpPr>
       <p:sp>
         <p:nvSpPr>
-          <p:cNvPr name="Freeform 2" id="2"/>
+          <p:cNvPr id="2" name="Freeform 2"/>
           <p:cNvSpPr/>
           <p:nvPr/>
         </p:nvSpPr>
         <p:spPr>
-          <a:xfrm flipH="false" flipV="false" rot="0">
+          <a:xfrm>
             <a:off x="-8615057" y="-8428575"/>
             <a:ext cx="15228862" cy="15228862"/>
           </a:xfrm>
@@ -5393,9 +5483,9 @@
             <a:gdLst/>
             <a:ahLst/>
             <a:cxnLst/>
-            <a:rect r="r" b="b" t="t" l="l"/>
+            <a:rect l="l" t="t" r="r" b="b"/>
             <a:pathLst>
-              <a:path h="15228862" w="15228862">
+              <a:path w="15228862" h="15228862">
                 <a:moveTo>
                   <a:pt x="0" y="0"/>
                 </a:moveTo>
@@ -5424,19 +5514,26 @@
               </a:extLst>
             </a:blip>
             <a:stretch>
-              <a:fillRect l="0" t="0" r="0" b="0"/>
+              <a:fillRect/>
             </a:stretch>
           </a:blipFill>
         </p:spPr>
-      </p:sp>
-      <p:sp>
-        <p:nvSpPr>
-          <p:cNvPr name="Freeform 3" id="3"/>
+        <p:txBody>
+          <a:bodyPr/>
+          <a:lstStyle/>
+          <a:p>
+            <a:endParaRPr lang="en-IN"/>
+          </a:p>
+        </p:txBody>
+      </p:sp>
+      <p:sp>
+        <p:nvSpPr>
+          <p:cNvPr id="3" name="Freeform 3"/>
           <p:cNvSpPr/>
           <p:nvPr/>
         </p:nvSpPr>
         <p:spPr>
-          <a:xfrm flipH="false" flipV="false" rot="0">
+          <a:xfrm>
             <a:off x="-7614431" y="4964451"/>
             <a:ext cx="15228862" cy="15228862"/>
           </a:xfrm>
@@ -5445,9 +5542,9 @@
             <a:gdLst/>
             <a:ahLst/>
             <a:cxnLst/>
-            <a:rect r="r" b="b" t="t" l="l"/>
+            <a:rect l="l" t="t" r="r" b="b"/>
             <a:pathLst>
-              <a:path h="15228862" w="15228862">
+              <a:path w="15228862" h="15228862">
                 <a:moveTo>
                   <a:pt x="0" y="0"/>
                 </a:moveTo>
@@ -5476,19 +5573,26 @@
               </a:extLst>
             </a:blip>
             <a:stretch>
-              <a:fillRect l="0" t="0" r="0" b="0"/>
+              <a:fillRect/>
             </a:stretch>
           </a:blipFill>
         </p:spPr>
+        <p:txBody>
+          <a:bodyPr/>
+          <a:lstStyle/>
+          <a:p>
+            <a:endParaRPr lang="en-IN"/>
+          </a:p>
+        </p:txBody>
       </p:sp>
       <p:grpSp>
         <p:nvGrpSpPr>
-          <p:cNvPr name="Group 4" id="4"/>
+          <p:cNvPr id="4" name="Group 4"/>
           <p:cNvGrpSpPr/>
           <p:nvPr/>
         </p:nvGrpSpPr>
         <p:grpSpPr>
-          <a:xfrm rot="0">
+          <a:xfrm>
             <a:off x="9049017" y="807206"/>
             <a:ext cx="8423458" cy="1413906"/>
             <a:chOff x="0" y="0"/>
@@ -5497,12 +5601,12 @@
         </p:grpSpPr>
         <p:sp>
           <p:nvSpPr>
-            <p:cNvPr name="Freeform 5" id="5"/>
+            <p:cNvPr id="5" name="Freeform 5"/>
             <p:cNvSpPr/>
             <p:nvPr/>
           </p:nvSpPr>
           <p:spPr>
-            <a:xfrm flipH="false" flipV="false" rot="0">
+            <a:xfrm>
               <a:off x="0" y="0"/>
               <a:ext cx="1805539" cy="303066"/>
             </a:xfrm>
@@ -5511,9 +5615,9 @@
               <a:gdLst/>
               <a:ahLst/>
               <a:cxnLst/>
-              <a:rect r="r" b="b" t="t" l="l"/>
+              <a:rect l="l" t="t" r="r" b="b"/>
               <a:pathLst>
-                <a:path h="303066" w="1805539">
+                <a:path w="1805539" h="303066">
                   <a:moveTo>
                     <a:pt x="91909" y="0"/>
                   </a:moveTo>
@@ -5572,11 +5676,18 @@
               <a:srgbClr val="50E8D1"/>
             </a:solidFill>
           </p:spPr>
+          <p:txBody>
+            <a:bodyPr/>
+            <a:lstStyle/>
+            <a:p>
+              <a:endParaRPr lang="en-IN"/>
+            </a:p>
+          </p:txBody>
         </p:sp>
         <p:sp>
           <p:nvSpPr>
-            <p:cNvPr name="TextBox 6" id="6"/>
-            <p:cNvSpPr txBox="true"/>
+            <p:cNvPr id="6" name="TextBox 6"/>
+            <p:cNvSpPr txBox="1"/>
             <p:nvPr/>
           </p:nvSpPr>
           <p:spPr>
@@ -5589,7 +5700,7 @@
             </a:prstGeom>
           </p:spPr>
           <p:txBody>
-            <a:bodyPr anchor="ctr" rtlCol="false" tIns="50800" lIns="50800" bIns="50800" rIns="50800"/>
+            <a:bodyPr lIns="50800" tIns="50800" rIns="50800" bIns="50800" rtlCol="0" anchor="ctr"/>
             <a:lstStyle/>
             <a:p>
               <a:pPr algn="ctr">
@@ -5597,18 +5708,19 @@
                   <a:spcPts val="2659"/>
                 </a:lnSpc>
               </a:pPr>
+              <a:endParaRPr/>
             </a:p>
           </p:txBody>
         </p:sp>
       </p:grpSp>
       <p:sp>
         <p:nvSpPr>
-          <p:cNvPr name="Freeform 7" id="7"/>
+          <p:cNvPr id="7" name="Freeform 7"/>
           <p:cNvSpPr/>
           <p:nvPr/>
         </p:nvSpPr>
         <p:spPr>
-          <a:xfrm flipH="false" flipV="false" rot="0">
+          <a:xfrm>
             <a:off x="12200911" y="4139020"/>
             <a:ext cx="4107319" cy="4114800"/>
           </a:xfrm>
@@ -5617,9 +5729,9 @@
             <a:gdLst/>
             <a:ahLst/>
             <a:cxnLst/>
-            <a:rect r="r" b="b" t="t" l="l"/>
+            <a:rect l="l" t="t" r="r" b="b"/>
             <a:pathLst>
-              <a:path h="4114800" w="4107319">
+              <a:path w="4107319" h="4114800">
                 <a:moveTo>
                   <a:pt x="0" y="0"/>
                 </a:moveTo>
@@ -5648,19 +5760,26 @@
               </a:extLst>
             </a:blip>
             <a:stretch>
-              <a:fillRect l="0" t="0" r="0" b="0"/>
+              <a:fillRect/>
             </a:stretch>
           </a:blipFill>
         </p:spPr>
+        <p:txBody>
+          <a:bodyPr/>
+          <a:lstStyle/>
+          <a:p>
+            <a:endParaRPr lang="en-IN"/>
+          </a:p>
+        </p:txBody>
       </p:sp>
       <p:grpSp>
         <p:nvGrpSpPr>
-          <p:cNvPr name="Group 8" id="8"/>
+          <p:cNvPr id="8" name="Group 8"/>
           <p:cNvGrpSpPr/>
           <p:nvPr/>
         </p:nvGrpSpPr>
         <p:grpSpPr>
-          <a:xfrm rot="0">
+          <a:xfrm>
             <a:off x="8802912" y="3293721"/>
             <a:ext cx="9485088" cy="3341459"/>
             <a:chOff x="0" y="0"/>
@@ -5669,12 +5788,12 @@
         </p:grpSpPr>
         <p:sp>
           <p:nvSpPr>
-            <p:cNvPr name="Freeform 9" id="9"/>
+            <p:cNvPr id="9" name="Freeform 9"/>
             <p:cNvSpPr/>
             <p:nvPr/>
           </p:nvSpPr>
           <p:spPr>
-            <a:xfrm flipH="false" flipV="false" rot="0">
+            <a:xfrm>
               <a:off x="0" y="0"/>
               <a:ext cx="2498130" cy="880055"/>
             </a:xfrm>
@@ -5683,9 +5802,9 @@
               <a:gdLst/>
               <a:ahLst/>
               <a:cxnLst/>
-              <a:rect r="r" b="b" t="t" l="l"/>
+              <a:rect l="l" t="t" r="r" b="b"/>
               <a:pathLst>
-                <a:path h="880055" w="2498130">
+                <a:path w="2498130" h="880055">
                   <a:moveTo>
                     <a:pt x="41627" y="0"/>
                   </a:moveTo>
@@ -5739,11 +5858,18 @@
               <a:srgbClr val="FFFFFF"/>
             </a:solidFill>
           </p:spPr>
+          <p:txBody>
+            <a:bodyPr/>
+            <a:lstStyle/>
+            <a:p>
+              <a:endParaRPr lang="en-IN"/>
+            </a:p>
+          </p:txBody>
         </p:sp>
         <p:sp>
           <p:nvSpPr>
-            <p:cNvPr name="TextBox 10" id="10"/>
-            <p:cNvSpPr txBox="true"/>
+            <p:cNvPr id="10" name="TextBox 10"/>
+            <p:cNvSpPr txBox="1"/>
             <p:nvPr/>
           </p:nvSpPr>
           <p:spPr>
@@ -5756,7 +5882,7 @@
             </a:prstGeom>
           </p:spPr>
           <p:txBody>
-            <a:bodyPr anchor="ctr" rtlCol="false" tIns="50800" lIns="50800" bIns="50800" rIns="50800"/>
+            <a:bodyPr lIns="50800" tIns="50800" rIns="50800" bIns="50800" rtlCol="0" anchor="ctr"/>
             <a:lstStyle/>
             <a:p>
               <a:pPr algn="ctr">
@@ -5764,18 +5890,19 @@
                   <a:spcPts val="2659"/>
                 </a:lnSpc>
               </a:pPr>
+              <a:endParaRPr/>
             </a:p>
           </p:txBody>
         </p:sp>
       </p:grpSp>
       <p:sp>
         <p:nvSpPr>
-          <p:cNvPr name="Freeform 11" id="11"/>
+          <p:cNvPr id="11" name="Freeform 11"/>
           <p:cNvSpPr/>
           <p:nvPr/>
         </p:nvSpPr>
         <p:spPr>
-          <a:xfrm flipH="false" flipV="false" rot="0">
+          <a:xfrm>
             <a:off x="63593" y="969774"/>
             <a:ext cx="8772249" cy="8347452"/>
           </a:xfrm>
@@ -5784,9 +5911,9 @@
             <a:gdLst/>
             <a:ahLst/>
             <a:cxnLst/>
-            <a:rect r="r" b="b" t="t" l="l"/>
+            <a:rect l="l" t="t" r="r" b="b"/>
             <a:pathLst>
-              <a:path h="8347452" w="8772249">
+              <a:path w="8772249" h="8347452">
                 <a:moveTo>
                   <a:pt x="0" y="0"/>
                 </a:moveTo>
@@ -5809,19 +5936,26 @@
           <a:blipFill>
             <a:blip r:embed="rId8"/>
             <a:stretch>
-              <a:fillRect l="0" t="0" r="-13872" b="0"/>
+              <a:fillRect r="-13872"/>
             </a:stretch>
           </a:blipFill>
         </p:spPr>
-      </p:sp>
-      <p:sp>
-        <p:nvSpPr>
-          <p:cNvPr name="TextBox 12" id="12"/>
-          <p:cNvSpPr txBox="true"/>
+        <p:txBody>
+          <a:bodyPr/>
+          <a:lstStyle/>
+          <a:p>
+            <a:endParaRPr lang="en-IN"/>
+          </a:p>
+        </p:txBody>
+      </p:sp>
+      <p:sp>
+        <p:nvSpPr>
+          <p:cNvPr id="12" name="TextBox 12"/>
+          <p:cNvSpPr txBox="1"/>
           <p:nvPr/>
         </p:nvSpPr>
         <p:spPr>
-          <a:xfrm rot="0">
+          <a:xfrm>
             <a:off x="8802912" y="1144257"/>
             <a:ext cx="8423458" cy="663604"/>
           </a:xfrm>
@@ -5830,7 +5964,7 @@
           </a:prstGeom>
         </p:spPr>
         <p:txBody>
-          <a:bodyPr anchor="t" rtlCol="false" tIns="0" lIns="0" bIns="0" rIns="0">
+          <a:bodyPr lIns="0" tIns="0" rIns="0" bIns="0" rtlCol="0" anchor="t">
             <a:spAutoFit/>
           </a:bodyPr>
           <a:lstStyle/>
@@ -5854,12 +5988,12 @@
       </p:sp>
       <p:sp>
         <p:nvSpPr>
-          <p:cNvPr name="TextBox 13" id="13"/>
-          <p:cNvSpPr txBox="true"/>
+          <p:cNvPr id="13" name="TextBox 13"/>
+          <p:cNvSpPr txBox="1"/>
           <p:nvPr/>
         </p:nvSpPr>
         <p:spPr>
-          <a:xfrm rot="0">
+          <a:xfrm>
             <a:off x="9282944" y="3549715"/>
             <a:ext cx="8676472" cy="2646681"/>
           </a:xfrm>
@@ -5868,7 +6002,7 @@
           </a:prstGeom>
         </p:spPr>
         <p:txBody>
-          <a:bodyPr anchor="t" rtlCol="false" tIns="0" lIns="0" bIns="0" rIns="0">
+          <a:bodyPr lIns="0" tIns="0" rIns="0" bIns="0" rtlCol="0" anchor="t">
             <a:spAutoFit/>
           </a:bodyPr>
           <a:lstStyle/>
@@ -5902,13 +6036,14 @@
 </file>
 
 <file path=ppt/slides/slide15.xml><?xml version="1.0" encoding="utf-8"?>
-<p:sld xmlns:p="http://schemas.openxmlformats.org/presentationml/2006/main" xmlns:a="http://schemas.openxmlformats.org/drawingml/2006/main" xmlns:r="http://schemas.openxmlformats.org/officeDocument/2006/relationships">
+<p:sld xmlns:a="http://schemas.openxmlformats.org/drawingml/2006/main" xmlns:r="http://schemas.openxmlformats.org/officeDocument/2006/relationships" xmlns:p="http://schemas.openxmlformats.org/presentationml/2006/main">
   <p:cSld>
     <p:bg>
       <p:bgPr>
         <a:solidFill>
           <a:srgbClr val="F4F2F2"/>
         </a:solidFill>
+        <a:effectLst/>
       </p:bgPr>
     </p:bg>
     <p:spTree>
@@ -5927,12 +6062,12 @@
       </p:grpSpPr>
       <p:sp>
         <p:nvSpPr>
-          <p:cNvPr name="Freeform 2" id="2"/>
+          <p:cNvPr id="2" name="Freeform 2"/>
           <p:cNvSpPr/>
           <p:nvPr/>
         </p:nvSpPr>
         <p:spPr>
-          <a:xfrm flipH="false" flipV="false" rot="0">
+          <a:xfrm>
             <a:off x="10013990" y="-7825478"/>
             <a:ext cx="15228862" cy="15228862"/>
           </a:xfrm>
@@ -5941,9 +6076,9 @@
             <a:gdLst/>
             <a:ahLst/>
             <a:cxnLst/>
-            <a:rect r="r" b="b" t="t" l="l"/>
+            <a:rect l="l" t="t" r="r" b="b"/>
             <a:pathLst>
-              <a:path h="15228862" w="15228862">
+              <a:path w="15228862" h="15228862">
                 <a:moveTo>
                   <a:pt x="0" y="0"/>
                 </a:moveTo>
@@ -5972,19 +6107,26 @@
               </a:extLst>
             </a:blip>
             <a:stretch>
-              <a:fillRect l="0" t="0" r="0" b="0"/>
+              <a:fillRect/>
             </a:stretch>
           </a:blipFill>
         </p:spPr>
-      </p:sp>
-      <p:sp>
-        <p:nvSpPr>
-          <p:cNvPr name="Freeform 3" id="3"/>
+        <p:txBody>
+          <a:bodyPr/>
+          <a:lstStyle/>
+          <a:p>
+            <a:endParaRPr lang="en-IN"/>
+          </a:p>
+        </p:txBody>
+      </p:sp>
+      <p:sp>
+        <p:nvSpPr>
+          <p:cNvPr id="3" name="Freeform 3"/>
           <p:cNvSpPr/>
           <p:nvPr/>
         </p:nvSpPr>
         <p:spPr>
-          <a:xfrm flipH="false" flipV="false" rot="0">
+          <a:xfrm>
             <a:off x="-8101481" y="3828159"/>
             <a:ext cx="15228862" cy="15228862"/>
           </a:xfrm>
@@ -5993,9 +6135,9 @@
             <a:gdLst/>
             <a:ahLst/>
             <a:cxnLst/>
-            <a:rect r="r" b="b" t="t" l="l"/>
+            <a:rect l="l" t="t" r="r" b="b"/>
             <a:pathLst>
-              <a:path h="15228862" w="15228862">
+              <a:path w="15228862" h="15228862">
                 <a:moveTo>
                   <a:pt x="0" y="0"/>
                 </a:moveTo>
@@ -6024,19 +6166,26 @@
               </a:extLst>
             </a:blip>
             <a:stretch>
-              <a:fillRect l="0" t="0" r="0" b="0"/>
+              <a:fillRect/>
             </a:stretch>
           </a:blipFill>
         </p:spPr>
+        <p:txBody>
+          <a:bodyPr/>
+          <a:lstStyle/>
+          <a:p>
+            <a:endParaRPr lang="en-IN"/>
+          </a:p>
+        </p:txBody>
       </p:sp>
       <p:grpSp>
         <p:nvGrpSpPr>
-          <p:cNvPr name="Group 4" id="4"/>
+          <p:cNvPr id="4" name="Group 4"/>
           <p:cNvGrpSpPr/>
           <p:nvPr/>
         </p:nvGrpSpPr>
         <p:grpSpPr>
-          <a:xfrm rot="0">
+          <a:xfrm>
             <a:off x="6304050" y="831817"/>
             <a:ext cx="11324371" cy="8276242"/>
             <a:chOff x="0" y="0"/>
@@ -6045,12 +6194,12 @@
         </p:grpSpPr>
         <p:sp>
           <p:nvSpPr>
-            <p:cNvPr name="Freeform 5" id="5"/>
+            <p:cNvPr id="5" name="Freeform 5"/>
             <p:cNvSpPr/>
             <p:nvPr/>
           </p:nvSpPr>
           <p:spPr>
-            <a:xfrm flipH="false" flipV="false" rot="0">
+            <a:xfrm>
               <a:off x="0" y="0"/>
               <a:ext cx="2982551" cy="2179751"/>
             </a:xfrm>
@@ -6059,9 +6208,9 @@
               <a:gdLst/>
               <a:ahLst/>
               <a:cxnLst/>
-              <a:rect r="r" b="b" t="t" l="l"/>
+              <a:rect l="l" t="t" r="r" b="b"/>
               <a:pathLst>
-                <a:path h="2179751" w="2982551">
+                <a:path w="2982551" h="2179751">
                   <a:moveTo>
                     <a:pt x="34866" y="0"/>
                   </a:moveTo>
@@ -6120,11 +6269,18 @@
               <a:srgbClr val="FFFFFF"/>
             </a:solidFill>
           </p:spPr>
+          <p:txBody>
+            <a:bodyPr/>
+            <a:lstStyle/>
+            <a:p>
+              <a:endParaRPr lang="en-IN"/>
+            </a:p>
+          </p:txBody>
         </p:sp>
         <p:sp>
           <p:nvSpPr>
-            <p:cNvPr name="TextBox 6" id="6"/>
-            <p:cNvSpPr txBox="true"/>
+            <p:cNvPr id="6" name="TextBox 6"/>
+            <p:cNvSpPr txBox="1"/>
             <p:nvPr/>
           </p:nvSpPr>
           <p:spPr>
@@ -6137,7 +6293,7 @@
             </a:prstGeom>
           </p:spPr>
           <p:txBody>
-            <a:bodyPr anchor="ctr" rtlCol="false" tIns="50800" lIns="50800" bIns="50800" rIns="50800"/>
+            <a:bodyPr lIns="50800" tIns="50800" rIns="50800" bIns="50800" rtlCol="0" anchor="ctr"/>
             <a:lstStyle/>
             <a:p>
               <a:pPr algn="ctr">
@@ -6145,18 +6301,19 @@
                   <a:spcPts val="2659"/>
                 </a:lnSpc>
               </a:pPr>
+              <a:endParaRPr/>
             </a:p>
           </p:txBody>
         </p:sp>
       </p:grpSp>
       <p:sp>
         <p:nvSpPr>
-          <p:cNvPr name="TextBox 7" id="7"/>
-          <p:cNvSpPr txBox="true"/>
+          <p:cNvPr id="7" name="TextBox 7"/>
+          <p:cNvSpPr txBox="1"/>
           <p:nvPr/>
         </p:nvSpPr>
         <p:spPr>
-          <a:xfrm rot="0">
+          <a:xfrm>
             <a:off x="6849547" y="971550"/>
             <a:ext cx="10241719" cy="6913834"/>
           </a:xfrm>
@@ -6165,12 +6322,12 @@
           </a:prstGeom>
         </p:spPr>
         <p:txBody>
-          <a:bodyPr anchor="t" rtlCol="false" tIns="0" lIns="0" bIns="0" rIns="0">
+          <a:bodyPr lIns="0" tIns="0" rIns="0" bIns="0" rtlCol="0" anchor="t">
             <a:spAutoFit/>
           </a:bodyPr>
           <a:lstStyle/>
           <a:p>
-            <a:pPr algn="just" marL="658886" indent="-329443" lvl="1">
+            <a:pPr marL="658886" lvl="1" indent="-329443" algn="just">
               <a:lnSpc>
                 <a:spcPts val="4272"/>
               </a:lnSpc>
@@ -6184,20 +6341,11 @@
                 </a:solidFill>
                 <a:latin typeface="Montserrat"/>
               </a:rPr>
-              <a:t>Th</a:t>
-            </a:r>
-            <a:r>
-              <a:rPr lang="en-US" sz="3051">
-                <a:solidFill>
-                  <a:srgbClr val="000000"/>
-                </a:solidFill>
-                <a:latin typeface="Montserrat"/>
-              </a:rPr>
-              <a:t>e datasets were successfully cleaned and prepared for further analysis.</a:t>
-            </a:r>
-          </a:p>
-          <a:p>
-            <a:pPr algn="just" marL="658886" indent="-329443" lvl="1">
+              <a:t>The datasets were successfully cleaned and prepared for further analysis.</a:t>
+            </a:r>
+          </a:p>
+          <a:p>
+            <a:pPr marL="658886" lvl="1" indent="-329443" algn="just">
               <a:lnSpc>
                 <a:spcPts val="4272"/>
               </a:lnSpc>
@@ -6215,7 +6363,7 @@
             </a:r>
           </a:p>
           <a:p>
-            <a:pPr algn="just" marL="658886" indent="-329443" lvl="1">
+            <a:pPr marL="658886" lvl="1" indent="-329443" algn="just">
               <a:lnSpc>
                 <a:spcPts val="4272"/>
               </a:lnSpc>
@@ -6233,7 +6381,7 @@
             </a:r>
           </a:p>
           <a:p>
-            <a:pPr algn="just" marL="658886" indent="-329443" lvl="1">
+            <a:pPr marL="658886" lvl="1" indent="-329443" algn="just">
               <a:lnSpc>
                 <a:spcPts val="4272"/>
               </a:lnSpc>
@@ -6251,7 +6399,7 @@
             </a:r>
           </a:p>
           <a:p>
-            <a:pPr algn="just" marL="658886" indent="-329443" lvl="1">
+            <a:pPr marL="658886" lvl="1" indent="-329443" algn="just">
               <a:lnSpc>
                 <a:spcPts val="4272"/>
               </a:lnSpc>
@@ -6274,17 +6422,23 @@
                 <a:spcPts val="4272"/>
               </a:lnSpc>
             </a:pPr>
-          </a:p>
-        </p:txBody>
-      </p:sp>
-      <p:sp>
-        <p:nvSpPr>
-          <p:cNvPr name="TextBox 8" id="8"/>
-          <p:cNvSpPr txBox="true"/>
+            <a:endParaRPr lang="en-US" sz="3051">
+              <a:solidFill>
+                <a:srgbClr val="000000"/>
+              </a:solidFill>
+              <a:latin typeface="Montserrat"/>
+            </a:endParaRPr>
+          </a:p>
+        </p:txBody>
+      </p:sp>
+      <p:sp>
+        <p:nvSpPr>
+          <p:cNvPr id="8" name="TextBox 8"/>
+          <p:cNvSpPr txBox="1"/>
           <p:nvPr/>
         </p:nvSpPr>
         <p:spPr>
-          <a:xfrm rot="0">
+          <a:xfrm>
             <a:off x="1028700" y="4623527"/>
             <a:ext cx="4614155" cy="519973"/>
           </a:xfrm>
@@ -6293,7 +6447,7 @@
           </a:prstGeom>
         </p:spPr>
         <p:txBody>
-          <a:bodyPr anchor="t" rtlCol="false" tIns="0" lIns="0" bIns="0" rIns="0">
+          <a:bodyPr lIns="0" tIns="0" rIns="0" bIns="0" rtlCol="0" anchor="t">
             <a:spAutoFit/>
           </a:bodyPr>
           <a:lstStyle/>
@@ -6324,13 +6478,14 @@
 </file>
 
 <file path=ppt/slides/slide16.xml><?xml version="1.0" encoding="utf-8"?>
-<p:sld xmlns:p="http://schemas.openxmlformats.org/presentationml/2006/main" xmlns:a="http://schemas.openxmlformats.org/drawingml/2006/main" xmlns:r="http://schemas.openxmlformats.org/officeDocument/2006/relationships">
+<p:sld xmlns:a="http://schemas.openxmlformats.org/drawingml/2006/main" xmlns:r="http://schemas.openxmlformats.org/officeDocument/2006/relationships" xmlns:p="http://schemas.openxmlformats.org/presentationml/2006/main">
   <p:cSld>
     <p:bg>
       <p:bgPr>
         <a:solidFill>
           <a:srgbClr val="F4F2F2"/>
         </a:solidFill>
+        <a:effectLst/>
       </p:bgPr>
     </p:bg>
     <p:spTree>
@@ -6349,12 +6504,12 @@
       </p:grpSpPr>
       <p:sp>
         <p:nvSpPr>
-          <p:cNvPr name="Freeform 2" id="2"/>
+          <p:cNvPr id="2" name="Freeform 2"/>
           <p:cNvSpPr/>
           <p:nvPr/>
         </p:nvSpPr>
         <p:spPr>
-          <a:xfrm flipH="false" flipV="false" rot="0">
+          <a:xfrm>
             <a:off x="8353326" y="2672569"/>
             <a:ext cx="15228862" cy="15228862"/>
           </a:xfrm>
@@ -6363,9 +6518,9 @@
             <a:gdLst/>
             <a:ahLst/>
             <a:cxnLst/>
-            <a:rect r="r" b="b" t="t" l="l"/>
+            <a:rect l="l" t="t" r="r" b="b"/>
             <a:pathLst>
-              <a:path h="15228862" w="15228862">
+              <a:path w="15228862" h="15228862">
                 <a:moveTo>
                   <a:pt x="0" y="0"/>
                 </a:moveTo>
@@ -6394,19 +6549,26 @@
               </a:extLst>
             </a:blip>
             <a:stretch>
-              <a:fillRect l="0" t="0" r="0" b="0"/>
+              <a:fillRect/>
             </a:stretch>
           </a:blipFill>
         </p:spPr>
-      </p:sp>
-      <p:sp>
-        <p:nvSpPr>
-          <p:cNvPr name="Freeform 3" id="3"/>
+        <p:txBody>
+          <a:bodyPr/>
+          <a:lstStyle/>
+          <a:p>
+            <a:endParaRPr lang="en-IN"/>
+          </a:p>
+        </p:txBody>
+      </p:sp>
+      <p:sp>
+        <p:nvSpPr>
+          <p:cNvPr id="3" name="Freeform 3"/>
           <p:cNvSpPr/>
           <p:nvPr/>
         </p:nvSpPr>
         <p:spPr>
-          <a:xfrm flipH="false" flipV="false" rot="0">
+          <a:xfrm>
             <a:off x="-5212615" y="-6585731"/>
             <a:ext cx="15228862" cy="15228862"/>
           </a:xfrm>
@@ -6415,9 +6577,9 @@
             <a:gdLst/>
             <a:ahLst/>
             <a:cxnLst/>
-            <a:rect r="r" b="b" t="t" l="l"/>
+            <a:rect l="l" t="t" r="r" b="b"/>
             <a:pathLst>
-              <a:path h="15228862" w="15228862">
+              <a:path w="15228862" h="15228862">
                 <a:moveTo>
                   <a:pt x="0" y="0"/>
                 </a:moveTo>
@@ -6446,19 +6608,26 @@
               </a:extLst>
             </a:blip>
             <a:stretch>
-              <a:fillRect l="0" t="0" r="0" b="0"/>
+              <a:fillRect/>
             </a:stretch>
           </a:blipFill>
         </p:spPr>
+        <p:txBody>
+          <a:bodyPr/>
+          <a:lstStyle/>
+          <a:p>
+            <a:endParaRPr lang="en-IN"/>
+          </a:p>
+        </p:txBody>
       </p:sp>
       <p:grpSp>
         <p:nvGrpSpPr>
-          <p:cNvPr name="Group 4" id="4"/>
+          <p:cNvPr id="4" name="Group 4"/>
           <p:cNvGrpSpPr/>
           <p:nvPr/>
         </p:nvGrpSpPr>
         <p:grpSpPr>
-          <a:xfrm rot="0">
+          <a:xfrm>
             <a:off x="5261431" y="4053628"/>
             <a:ext cx="7765139" cy="2179743"/>
             <a:chOff x="0" y="0"/>
@@ -6467,12 +6636,12 @@
         </p:grpSpPr>
         <p:sp>
           <p:nvSpPr>
-            <p:cNvPr name="Freeform 5" id="5"/>
+            <p:cNvPr id="5" name="Freeform 5"/>
             <p:cNvSpPr/>
             <p:nvPr/>
           </p:nvSpPr>
           <p:spPr>
-            <a:xfrm flipH="false" flipV="false" rot="0">
+            <a:xfrm>
               <a:off x="0" y="0"/>
               <a:ext cx="2045139" cy="574089"/>
             </a:xfrm>
@@ -6481,9 +6650,9 @@
               <a:gdLst/>
               <a:ahLst/>
               <a:cxnLst/>
-              <a:rect r="r" b="b" t="t" l="l"/>
+              <a:rect l="l" t="t" r="r" b="b"/>
               <a:pathLst>
-                <a:path h="574089" w="2045139">
+                <a:path w="2045139" h="574089">
                   <a:moveTo>
                     <a:pt x="50848" y="0"/>
                   </a:moveTo>
@@ -6532,11 +6701,18 @@
               <a:srgbClr val="FFFFFF"/>
             </a:solidFill>
           </p:spPr>
+          <p:txBody>
+            <a:bodyPr/>
+            <a:lstStyle/>
+            <a:p>
+              <a:endParaRPr lang="en-IN"/>
+            </a:p>
+          </p:txBody>
         </p:sp>
         <p:sp>
           <p:nvSpPr>
-            <p:cNvPr name="TextBox 6" id="6"/>
-            <p:cNvSpPr txBox="true"/>
+            <p:cNvPr id="6" name="TextBox 6"/>
+            <p:cNvSpPr txBox="1"/>
             <p:nvPr/>
           </p:nvSpPr>
           <p:spPr>
@@ -6549,7 +6725,7 @@
             </a:prstGeom>
           </p:spPr>
           <p:txBody>
-            <a:bodyPr anchor="ctr" rtlCol="false" tIns="50800" lIns="50800" bIns="50800" rIns="50800"/>
+            <a:bodyPr lIns="50800" tIns="50800" rIns="50800" bIns="50800" rtlCol="0" anchor="ctr"/>
             <a:lstStyle/>
             <a:p>
               <a:pPr algn="ctr">
@@ -6557,18 +6733,19 @@
                   <a:spcPts val="2659"/>
                 </a:lnSpc>
               </a:pPr>
+              <a:endParaRPr/>
             </a:p>
           </p:txBody>
         </p:sp>
       </p:grpSp>
       <p:sp>
         <p:nvSpPr>
-          <p:cNvPr name="TextBox 7" id="7"/>
-          <p:cNvSpPr txBox="true"/>
+          <p:cNvPr id="7" name="TextBox 7"/>
+          <p:cNvSpPr txBox="1"/>
           <p:nvPr/>
         </p:nvSpPr>
         <p:spPr>
-          <a:xfrm rot="0">
+          <a:xfrm>
             <a:off x="5683524" y="4559133"/>
             <a:ext cx="6920952" cy="1254458"/>
           </a:xfrm>
@@ -6577,7 +6754,7 @@
           </a:prstGeom>
         </p:spPr>
         <p:txBody>
-          <a:bodyPr anchor="t" rtlCol="false" tIns="0" lIns="0" bIns="0" rIns="0">
+          <a:bodyPr lIns="0" tIns="0" rIns="0" bIns="0" rtlCol="0" anchor="t">
             <a:spAutoFit/>
           </a:bodyPr>
           <a:lstStyle/>
@@ -6608,13 +6785,14 @@
 </file>
 
 <file path=ppt/slides/slide2.xml><?xml version="1.0" encoding="utf-8"?>
-<p:sld xmlns:p="http://schemas.openxmlformats.org/presentationml/2006/main" xmlns:a="http://schemas.openxmlformats.org/drawingml/2006/main" xmlns:r="http://schemas.openxmlformats.org/officeDocument/2006/relationships">
+<p:sld xmlns:a="http://schemas.openxmlformats.org/drawingml/2006/main" xmlns:r="http://schemas.openxmlformats.org/officeDocument/2006/relationships" xmlns:p="http://schemas.openxmlformats.org/presentationml/2006/main">
   <p:cSld>
     <p:bg>
       <p:bgPr>
         <a:solidFill>
           <a:srgbClr val="F4F2F2"/>
         </a:solidFill>
+        <a:effectLst/>
       </p:bgPr>
     </p:bg>
     <p:spTree>
@@ -6633,12 +6811,12 @@
       </p:grpSpPr>
       <p:sp>
         <p:nvSpPr>
-          <p:cNvPr name="Freeform 2" id="2"/>
+          <p:cNvPr id="2" name="Freeform 2"/>
           <p:cNvSpPr/>
           <p:nvPr/>
         </p:nvSpPr>
         <p:spPr>
-          <a:xfrm flipH="false" flipV="false" rot="0">
+          <a:xfrm>
             <a:off x="3218775" y="-1477342"/>
             <a:ext cx="8703174" cy="8703174"/>
           </a:xfrm>
@@ -6647,9 +6825,9 @@
             <a:gdLst/>
             <a:ahLst/>
             <a:cxnLst/>
-            <a:rect r="r" b="b" t="t" l="l"/>
+            <a:rect l="l" t="t" r="r" b="b"/>
             <a:pathLst>
-              <a:path h="8703174" w="8703174">
+              <a:path w="8703174" h="8703174">
                 <a:moveTo>
                   <a:pt x="0" y="0"/>
                 </a:moveTo>
@@ -6678,19 +6856,26 @@
               </a:extLst>
             </a:blip>
             <a:stretch>
-              <a:fillRect l="0" t="0" r="0" b="0"/>
+              <a:fillRect/>
             </a:stretch>
           </a:blipFill>
         </p:spPr>
-      </p:sp>
-      <p:sp>
-        <p:nvSpPr>
-          <p:cNvPr name="Freeform 3" id="3"/>
+        <p:txBody>
+          <a:bodyPr/>
+          <a:lstStyle/>
+          <a:p>
+            <a:endParaRPr lang="en-IN"/>
+          </a:p>
+        </p:txBody>
+      </p:sp>
+      <p:sp>
+        <p:nvSpPr>
+          <p:cNvPr id="3" name="Freeform 3"/>
           <p:cNvSpPr/>
           <p:nvPr/>
         </p:nvSpPr>
         <p:spPr>
-          <a:xfrm flipH="false" flipV="false" rot="0">
+          <a:xfrm>
             <a:off x="10673569" y="2132641"/>
             <a:ext cx="15228862" cy="15228862"/>
           </a:xfrm>
@@ -6699,9 +6884,9 @@
             <a:gdLst/>
             <a:ahLst/>
             <a:cxnLst/>
-            <a:rect r="r" b="b" t="t" l="l"/>
+            <a:rect l="l" t="t" r="r" b="b"/>
             <a:pathLst>
-              <a:path h="15228862" w="15228862">
+              <a:path w="15228862" h="15228862">
                 <a:moveTo>
                   <a:pt x="0" y="0"/>
                 </a:moveTo>
@@ -6730,19 +6915,26 @@
               </a:extLst>
             </a:blip>
             <a:stretch>
-              <a:fillRect l="0" t="0" r="0" b="0"/>
+              <a:fillRect/>
             </a:stretch>
           </a:blipFill>
         </p:spPr>
+        <p:txBody>
+          <a:bodyPr/>
+          <a:lstStyle/>
+          <a:p>
+            <a:endParaRPr lang="en-IN"/>
+          </a:p>
+        </p:txBody>
       </p:sp>
       <p:grpSp>
         <p:nvGrpSpPr>
-          <p:cNvPr name="Group 4" id="4"/>
+          <p:cNvPr id="4" name="Group 4"/>
           <p:cNvGrpSpPr/>
           <p:nvPr/>
         </p:nvGrpSpPr>
         <p:grpSpPr>
-          <a:xfrm rot="0">
+          <a:xfrm>
             <a:off x="8261576" y="4202904"/>
             <a:ext cx="8525418" cy="3380662"/>
             <a:chOff x="0" y="0"/>
@@ -6751,12 +6943,12 @@
         </p:grpSpPr>
         <p:sp>
           <p:nvSpPr>
-            <p:cNvPr name="Freeform 5" id="5"/>
+            <p:cNvPr id="5" name="Freeform 5"/>
             <p:cNvSpPr/>
             <p:nvPr/>
           </p:nvSpPr>
           <p:spPr>
-            <a:xfrm flipH="false" flipV="false" rot="0">
+            <a:xfrm>
               <a:off x="0" y="0"/>
               <a:ext cx="2245378" cy="890380"/>
             </a:xfrm>
@@ -6765,9 +6957,9 @@
               <a:gdLst/>
               <a:ahLst/>
               <a:cxnLst/>
-              <a:rect r="r" b="b" t="t" l="l"/>
+              <a:rect l="l" t="t" r="r" b="b"/>
               <a:pathLst>
-                <a:path h="890380" w="2245378">
+                <a:path w="2245378" h="890380">
                   <a:moveTo>
                     <a:pt x="46313" y="0"/>
                   </a:moveTo>
@@ -6831,11 +7023,18 @@
               <a:srgbClr val="FFAA00"/>
             </a:solidFill>
           </p:spPr>
+          <p:txBody>
+            <a:bodyPr/>
+            <a:lstStyle/>
+            <a:p>
+              <a:endParaRPr lang="en-IN"/>
+            </a:p>
+          </p:txBody>
         </p:sp>
         <p:sp>
           <p:nvSpPr>
-            <p:cNvPr name="TextBox 6" id="6"/>
-            <p:cNvSpPr txBox="true"/>
+            <p:cNvPr id="6" name="TextBox 6"/>
+            <p:cNvSpPr txBox="1"/>
             <p:nvPr/>
           </p:nvSpPr>
           <p:spPr>
@@ -6848,7 +7047,7 @@
             </a:prstGeom>
           </p:spPr>
           <p:txBody>
-            <a:bodyPr anchor="ctr" rtlCol="false" tIns="50800" lIns="50800" bIns="50800" rIns="50800"/>
+            <a:bodyPr lIns="50800" tIns="50800" rIns="50800" bIns="50800" rtlCol="0" anchor="ctr"/>
             <a:lstStyle/>
             <a:p>
               <a:pPr algn="ctr">
@@ -6856,18 +7055,19 @@
                   <a:spcPts val="2659"/>
                 </a:lnSpc>
               </a:pPr>
+              <a:endParaRPr/>
             </a:p>
           </p:txBody>
         </p:sp>
       </p:grpSp>
       <p:sp>
         <p:nvSpPr>
-          <p:cNvPr name="TextBox 7" id="7"/>
-          <p:cNvSpPr txBox="true"/>
+          <p:cNvPr id="7" name="TextBox 7"/>
+          <p:cNvSpPr txBox="1"/>
           <p:nvPr/>
         </p:nvSpPr>
         <p:spPr>
-          <a:xfrm rot="0">
+          <a:xfrm>
             <a:off x="9135313" y="5611056"/>
             <a:ext cx="6777945" cy="602459"/>
           </a:xfrm>
@@ -6876,7 +7076,7 @@
           </a:prstGeom>
         </p:spPr>
         <p:txBody>
-          <a:bodyPr anchor="t" rtlCol="false" tIns="0" lIns="0" bIns="0" rIns="0">
+          <a:bodyPr lIns="0" tIns="0" rIns="0" bIns="0" rtlCol="0" anchor="t">
             <a:spAutoFit/>
           </a:bodyPr>
           <a:lstStyle/>
@@ -6900,12 +7100,12 @@
       </p:sp>
       <p:grpSp>
         <p:nvGrpSpPr>
-          <p:cNvPr name="Group 8" id="8"/>
+          <p:cNvPr id="8" name="Group 8"/>
           <p:cNvGrpSpPr/>
           <p:nvPr/>
         </p:nvGrpSpPr>
         <p:grpSpPr>
-          <a:xfrm rot="0">
+          <a:xfrm>
             <a:off x="7220278" y="7225832"/>
             <a:ext cx="4233401" cy="1160116"/>
             <a:chOff x="0" y="0"/>
@@ -6914,12 +7114,12 @@
         </p:grpSpPr>
         <p:sp>
           <p:nvSpPr>
-            <p:cNvPr name="Freeform 9" id="9"/>
+            <p:cNvPr id="9" name="Freeform 9"/>
             <p:cNvSpPr/>
             <p:nvPr/>
           </p:nvSpPr>
           <p:spPr>
-            <a:xfrm flipH="false" flipV="false" rot="0">
+            <a:xfrm>
               <a:off x="0" y="0"/>
               <a:ext cx="1114970" cy="305545"/>
             </a:xfrm>
@@ -6928,9 +7128,9 @@
               <a:gdLst/>
               <a:ahLst/>
               <a:cxnLst/>
-              <a:rect r="r" b="b" t="t" l="l"/>
+              <a:rect l="l" t="t" r="r" b="b"/>
               <a:pathLst>
-                <a:path h="305545" w="1114970">
+                <a:path w="1114970" h="305545">
                   <a:moveTo>
                     <a:pt x="152772" y="0"/>
                   </a:moveTo>
@@ -6974,11 +7174,18 @@
               <a:srgbClr val="FFFFFF"/>
             </a:solidFill>
           </p:spPr>
+          <p:txBody>
+            <a:bodyPr/>
+            <a:lstStyle/>
+            <a:p>
+              <a:endParaRPr lang="en-IN"/>
+            </a:p>
+          </p:txBody>
         </p:sp>
         <p:sp>
           <p:nvSpPr>
-            <p:cNvPr name="TextBox 10" id="10"/>
-            <p:cNvSpPr txBox="true"/>
+            <p:cNvPr id="10" name="TextBox 10"/>
+            <p:cNvSpPr txBox="1"/>
             <p:nvPr/>
           </p:nvSpPr>
           <p:spPr>
@@ -6991,7 +7198,7 @@
             </a:prstGeom>
           </p:spPr>
           <p:txBody>
-            <a:bodyPr anchor="ctr" rtlCol="false" tIns="50800" lIns="50800" bIns="50800" rIns="50800"/>
+            <a:bodyPr lIns="50800" tIns="50800" rIns="50800" bIns="50800" rtlCol="0" anchor="ctr"/>
             <a:lstStyle/>
             <a:p>
               <a:pPr algn="ctr">
@@ -7014,12 +7221,12 @@
       </p:grpSp>
       <p:grpSp>
         <p:nvGrpSpPr>
-          <p:cNvPr name="Group 11" id="11"/>
+          <p:cNvPr id="11" name="Group 11"/>
           <p:cNvGrpSpPr/>
           <p:nvPr/>
         </p:nvGrpSpPr>
         <p:grpSpPr>
-          <a:xfrm rot="0">
+          <a:xfrm>
             <a:off x="1028700" y="1028700"/>
             <a:ext cx="6191578" cy="7357248"/>
             <a:chOff x="0" y="0"/>
@@ -7028,12 +7235,12 @@
         </p:grpSpPr>
         <p:sp>
           <p:nvSpPr>
-            <p:cNvPr name="Freeform 12" id="12"/>
+            <p:cNvPr id="12" name="Freeform 12"/>
             <p:cNvSpPr/>
             <p:nvPr/>
           </p:nvSpPr>
           <p:spPr>
-            <a:xfrm flipH="false" flipV="false" rot="0">
+            <a:xfrm>
               <a:off x="0" y="0"/>
               <a:ext cx="1630704" cy="1937711"/>
             </a:xfrm>
@@ -7042,9 +7249,9 @@
               <a:gdLst/>
               <a:ahLst/>
               <a:cxnLst/>
-              <a:rect r="r" b="b" t="t" l="l"/>
+              <a:rect l="l" t="t" r="r" b="b"/>
               <a:pathLst>
-                <a:path h="1937711" w="1630704">
+                <a:path w="1630704" h="1937711">
                   <a:moveTo>
                     <a:pt x="63770" y="0"/>
                   </a:moveTo>
@@ -7103,11 +7310,18 @@
               <a:srgbClr val="FFFFFF"/>
             </a:solidFill>
           </p:spPr>
+          <p:txBody>
+            <a:bodyPr/>
+            <a:lstStyle/>
+            <a:p>
+              <a:endParaRPr lang="en-IN"/>
+            </a:p>
+          </p:txBody>
         </p:sp>
         <p:sp>
           <p:nvSpPr>
-            <p:cNvPr name="TextBox 13" id="13"/>
-            <p:cNvSpPr txBox="true"/>
+            <p:cNvPr id="13" name="TextBox 13"/>
+            <p:cNvSpPr txBox="1"/>
             <p:nvPr/>
           </p:nvSpPr>
           <p:spPr>
@@ -7120,7 +7334,7 @@
             </a:prstGeom>
           </p:spPr>
           <p:txBody>
-            <a:bodyPr anchor="ctr" rtlCol="false" tIns="50800" lIns="50800" bIns="50800" rIns="50800"/>
+            <a:bodyPr lIns="50800" tIns="50800" rIns="50800" bIns="50800" rtlCol="0" anchor="ctr"/>
             <a:lstStyle/>
             <a:p>
               <a:pPr algn="ctr">
@@ -7128,18 +7342,19 @@
                   <a:spcPts val="2659"/>
                 </a:lnSpc>
               </a:pPr>
+              <a:endParaRPr/>
             </a:p>
           </p:txBody>
         </p:sp>
       </p:grpSp>
       <p:sp>
         <p:nvSpPr>
-          <p:cNvPr name="TextBox 14" id="14"/>
-          <p:cNvSpPr txBox="true"/>
+          <p:cNvPr id="14" name="TextBox 14"/>
+          <p:cNvSpPr txBox="1"/>
           <p:nvPr/>
         </p:nvSpPr>
         <p:spPr>
-          <a:xfrm rot="0">
+          <a:xfrm>
             <a:off x="1275287" y="1214686"/>
             <a:ext cx="5698404" cy="6995283"/>
           </a:xfrm>
@@ -7148,12 +7363,12 @@
           </a:prstGeom>
         </p:spPr>
         <p:txBody>
-          <a:bodyPr anchor="t" rtlCol="false" tIns="0" lIns="0" bIns="0" rIns="0">
+          <a:bodyPr lIns="0" tIns="0" rIns="0" bIns="0" rtlCol="0" anchor="t">
             <a:spAutoFit/>
           </a:bodyPr>
           <a:lstStyle/>
           <a:p>
-            <a:pPr marL="776194" indent="-388097" lvl="1">
+            <a:pPr marL="776194" lvl="1" indent="-388097">
               <a:lnSpc>
                 <a:spcPts val="5033"/>
               </a:lnSpc>
@@ -7161,7 +7376,7 @@
               <a:buChar char="•"/>
             </a:pPr>
             <a:r>
-              <a:rPr lang="en-US" sz="3595">
+              <a:rPr lang="en-US" sz="3595" dirty="0">
                 <a:solidFill>
                   <a:srgbClr val="000000"/>
                 </a:solidFill>
@@ -7171,7 +7386,7 @@
             </a:r>
           </a:p>
           <a:p>
-            <a:pPr marL="776194" indent="-388097" lvl="1">
+            <a:pPr marL="776194" lvl="1" indent="-388097">
               <a:lnSpc>
                 <a:spcPts val="5033"/>
               </a:lnSpc>
@@ -7179,7 +7394,7 @@
               <a:buChar char="•"/>
             </a:pPr>
             <a:r>
-              <a:rPr lang="en-US" sz="3595">
+              <a:rPr lang="en-US" sz="3595" dirty="0">
                 <a:solidFill>
                   <a:srgbClr val="000000"/>
                 </a:solidFill>
@@ -7189,7 +7404,7 @@
             </a:r>
           </a:p>
           <a:p>
-            <a:pPr marL="776194" indent="-388097" lvl="1">
+            <a:pPr marL="776194" lvl="1" indent="-388097">
               <a:lnSpc>
                 <a:spcPts val="5033"/>
               </a:lnSpc>
@@ -7197,7 +7412,7 @@
               <a:buChar char="•"/>
             </a:pPr>
             <a:r>
-              <a:rPr lang="en-US" sz="3595">
+              <a:rPr lang="en-US" sz="3595" dirty="0">
                 <a:solidFill>
                   <a:srgbClr val="000000"/>
                 </a:solidFill>
@@ -7217,13 +7432,14 @@
 </file>
 
 <file path=ppt/slides/slide3.xml><?xml version="1.0" encoding="utf-8"?>
-<p:sld xmlns:p="http://schemas.openxmlformats.org/presentationml/2006/main" xmlns:a="http://schemas.openxmlformats.org/drawingml/2006/main" xmlns:r="http://schemas.openxmlformats.org/officeDocument/2006/relationships">
+<p:sld xmlns:a="http://schemas.openxmlformats.org/drawingml/2006/main" xmlns:r="http://schemas.openxmlformats.org/officeDocument/2006/relationships" xmlns:p="http://schemas.openxmlformats.org/presentationml/2006/main">
   <p:cSld>
     <p:bg>
       <p:bgPr>
         <a:solidFill>
           <a:srgbClr val="F4F2F2"/>
         </a:solidFill>
+        <a:effectLst/>
       </p:bgPr>
     </p:bg>
     <p:spTree>
@@ -7242,12 +7458,12 @@
       </p:grpSpPr>
       <p:sp>
         <p:nvSpPr>
-          <p:cNvPr name="Freeform 2" id="2"/>
+          <p:cNvPr id="2" name="Freeform 2"/>
           <p:cNvSpPr/>
           <p:nvPr/>
         </p:nvSpPr>
         <p:spPr>
-          <a:xfrm flipH="false" flipV="false" rot="0">
+          <a:xfrm>
             <a:off x="4792413" y="4011511"/>
             <a:ext cx="8703174" cy="8703174"/>
           </a:xfrm>
@@ -7256,9 +7472,9 @@
             <a:gdLst/>
             <a:ahLst/>
             <a:cxnLst/>
-            <a:rect r="r" b="b" t="t" l="l"/>
+            <a:rect l="l" t="t" r="r" b="b"/>
             <a:pathLst>
-              <a:path h="8703174" w="8703174">
+              <a:path w="8703174" h="8703174">
                 <a:moveTo>
                   <a:pt x="0" y="0"/>
                 </a:moveTo>
@@ -7287,19 +7503,26 @@
               </a:extLst>
             </a:blip>
             <a:stretch>
-              <a:fillRect l="0" t="0" r="0" b="0"/>
+              <a:fillRect/>
             </a:stretch>
           </a:blipFill>
         </p:spPr>
-      </p:sp>
-      <p:sp>
-        <p:nvSpPr>
-          <p:cNvPr name="Freeform 3" id="3"/>
+        <p:txBody>
+          <a:bodyPr/>
+          <a:lstStyle/>
+          <a:p>
+            <a:endParaRPr lang="en-IN"/>
+          </a:p>
+        </p:txBody>
+      </p:sp>
+      <p:sp>
+        <p:nvSpPr>
+          <p:cNvPr id="3" name="Freeform 3"/>
           <p:cNvSpPr/>
           <p:nvPr/>
         </p:nvSpPr>
         <p:spPr>
-          <a:xfrm flipH="false" flipV="false" rot="0">
+          <a:xfrm>
             <a:off x="3890912" y="5143500"/>
             <a:ext cx="4609246" cy="4114800"/>
           </a:xfrm>
@@ -7308,9 +7531,9 @@
             <a:gdLst/>
             <a:ahLst/>
             <a:cxnLst/>
-            <a:rect r="r" b="b" t="t" l="l"/>
+            <a:rect l="l" t="t" r="r" b="b"/>
             <a:pathLst>
-              <a:path h="4114800" w="4609246">
+              <a:path w="4609246" h="4114800">
                 <a:moveTo>
                   <a:pt x="0" y="0"/>
                 </a:moveTo>
@@ -7339,19 +7562,26 @@
               </a:extLst>
             </a:blip>
             <a:stretch>
-              <a:fillRect l="0" t="0" r="0" b="0"/>
+              <a:fillRect/>
             </a:stretch>
           </a:blipFill>
         </p:spPr>
+        <p:txBody>
+          <a:bodyPr/>
+          <a:lstStyle/>
+          <a:p>
+            <a:endParaRPr lang="en-IN"/>
+          </a:p>
+        </p:txBody>
       </p:sp>
       <p:grpSp>
         <p:nvGrpSpPr>
-          <p:cNvPr name="Group 4" id="4"/>
+          <p:cNvPr id="4" name="Group 4"/>
           <p:cNvGrpSpPr/>
           <p:nvPr/>
         </p:nvGrpSpPr>
         <p:grpSpPr>
-          <a:xfrm rot="0">
+          <a:xfrm>
             <a:off x="1198697" y="2167929"/>
             <a:ext cx="5452344" cy="2093665"/>
             <a:chOff x="0" y="0"/>
@@ -7360,12 +7590,12 @@
         </p:grpSpPr>
         <p:sp>
           <p:nvSpPr>
-            <p:cNvPr name="Freeform 5" id="5"/>
+            <p:cNvPr id="5" name="Freeform 5"/>
             <p:cNvSpPr/>
             <p:nvPr/>
           </p:nvSpPr>
           <p:spPr>
-            <a:xfrm flipH="false" flipV="false" rot="0">
+            <a:xfrm>
               <a:off x="0" y="0"/>
               <a:ext cx="1168691" cy="448770"/>
             </a:xfrm>
@@ -7374,9 +7604,9 @@
               <a:gdLst/>
               <a:ahLst/>
               <a:cxnLst/>
-              <a:rect r="r" b="b" t="t" l="l"/>
+              <a:rect l="l" t="t" r="r" b="b"/>
               <a:pathLst>
-                <a:path h="448770" w="1168691">
+                <a:path w="1168691" h="448770">
                   <a:moveTo>
                     <a:pt x="141993" y="0"/>
                   </a:moveTo>
@@ -7420,11 +7650,18 @@
               <a:srgbClr val="50E8D1"/>
             </a:solidFill>
           </p:spPr>
+          <p:txBody>
+            <a:bodyPr/>
+            <a:lstStyle/>
+            <a:p>
+              <a:endParaRPr lang="en-IN"/>
+            </a:p>
+          </p:txBody>
         </p:sp>
         <p:sp>
           <p:nvSpPr>
-            <p:cNvPr name="TextBox 6" id="6"/>
-            <p:cNvSpPr txBox="true"/>
+            <p:cNvPr id="6" name="TextBox 6"/>
+            <p:cNvSpPr txBox="1"/>
             <p:nvPr/>
           </p:nvSpPr>
           <p:spPr>
@@ -7437,7 +7674,7 @@
             </a:prstGeom>
           </p:spPr>
           <p:txBody>
-            <a:bodyPr anchor="ctr" rtlCol="false" tIns="50800" lIns="50800" bIns="50800" rIns="50800"/>
+            <a:bodyPr lIns="50800" tIns="50800" rIns="50800" bIns="50800" rtlCol="0" anchor="ctr"/>
             <a:lstStyle/>
             <a:p>
               <a:pPr algn="ctr">
@@ -7445,18 +7682,19 @@
                   <a:spcPts val="2659"/>
                 </a:lnSpc>
               </a:pPr>
+              <a:endParaRPr/>
             </a:p>
           </p:txBody>
         </p:sp>
       </p:grpSp>
       <p:sp>
         <p:nvSpPr>
-          <p:cNvPr name="Freeform 7" id="7"/>
+          <p:cNvPr id="7" name="Freeform 7"/>
           <p:cNvSpPr/>
           <p:nvPr/>
         </p:nvSpPr>
         <p:spPr>
-          <a:xfrm flipH="false" flipV="false" rot="0">
+          <a:xfrm>
             <a:off x="11443861" y="-2105612"/>
             <a:ext cx="8703174" cy="8703174"/>
           </a:xfrm>
@@ -7465,9 +7703,9 @@
             <a:gdLst/>
             <a:ahLst/>
             <a:cxnLst/>
-            <a:rect r="r" b="b" t="t" l="l"/>
+            <a:rect l="l" t="t" r="r" b="b"/>
             <a:pathLst>
-              <a:path h="8703174" w="8703174">
+              <a:path w="8703174" h="8703174">
                 <a:moveTo>
                   <a:pt x="0" y="0"/>
                 </a:moveTo>
@@ -7496,19 +7734,26 @@
               </a:extLst>
             </a:blip>
             <a:stretch>
-              <a:fillRect l="0" t="0" r="0" b="0"/>
+              <a:fillRect/>
             </a:stretch>
           </a:blipFill>
         </p:spPr>
-      </p:sp>
-      <p:sp>
-        <p:nvSpPr>
-          <p:cNvPr name="Freeform 8" id="8"/>
+        <p:txBody>
+          <a:bodyPr/>
+          <a:lstStyle/>
+          <a:p>
+            <a:endParaRPr lang="en-IN"/>
+          </a:p>
+        </p:txBody>
+      </p:sp>
+      <p:sp>
+        <p:nvSpPr>
+          <p:cNvPr id="8" name="Freeform 8"/>
           <p:cNvSpPr/>
           <p:nvPr/>
         </p:nvSpPr>
         <p:spPr>
-          <a:xfrm flipH="false" flipV="false" rot="0">
+          <a:xfrm>
             <a:off x="9935924" y="2167929"/>
             <a:ext cx="8703174" cy="8703174"/>
           </a:xfrm>
@@ -7517,9 +7762,9 @@
             <a:gdLst/>
             <a:ahLst/>
             <a:cxnLst/>
-            <a:rect r="r" b="b" t="t" l="l"/>
+            <a:rect l="l" t="t" r="r" b="b"/>
             <a:pathLst>
-              <a:path h="8703174" w="8703174">
+              <a:path w="8703174" h="8703174">
                 <a:moveTo>
                   <a:pt x="0" y="0"/>
                 </a:moveTo>
@@ -7548,33 +7793,40 @@
               </a:extLst>
             </a:blip>
             <a:stretch>
-              <a:fillRect l="0" t="0" r="0" b="0"/>
+              <a:fillRect/>
             </a:stretch>
           </a:blipFill>
         </p:spPr>
+        <p:txBody>
+          <a:bodyPr/>
+          <a:lstStyle/>
+          <a:p>
+            <a:endParaRPr lang="en-IN"/>
+          </a:p>
+        </p:txBody>
       </p:sp>
       <p:grpSp>
         <p:nvGrpSpPr>
-          <p:cNvPr name="Group 9" id="9"/>
+          <p:cNvPr id="9" name="Group 9"/>
           <p:cNvGrpSpPr/>
           <p:nvPr/>
         </p:nvGrpSpPr>
         <p:grpSpPr>
-          <a:xfrm rot="0">
-            <a:off x="7532974" y="1028700"/>
-            <a:ext cx="9726326" cy="8036526"/>
+          <a:xfrm>
+            <a:off x="7128264" y="190500"/>
+            <a:ext cx="10931136" cy="9736476"/>
             <a:chOff x="0" y="0"/>
             <a:chExt cx="2561666" cy="2116616"/>
           </a:xfrm>
         </p:grpSpPr>
         <p:sp>
           <p:nvSpPr>
-            <p:cNvPr name="Freeform 10" id="10"/>
+            <p:cNvPr id="10" name="Freeform 10"/>
             <p:cNvSpPr/>
             <p:nvPr/>
           </p:nvSpPr>
           <p:spPr>
-            <a:xfrm flipH="false" flipV="false" rot="0">
+            <a:xfrm>
               <a:off x="0" y="0"/>
               <a:ext cx="2561666" cy="2116616"/>
             </a:xfrm>
@@ -7583,9 +7835,9 @@
               <a:gdLst/>
               <a:ahLst/>
               <a:cxnLst/>
-              <a:rect r="r" b="b" t="t" l="l"/>
+              <a:rect l="l" t="t" r="r" b="b"/>
               <a:pathLst>
-                <a:path h="2116616" w="2561666">
+                <a:path w="2561666" h="2116616">
                   <a:moveTo>
                     <a:pt x="40595" y="0"/>
                   </a:moveTo>
@@ -7644,11 +7896,18 @@
               <a:srgbClr val="FFFFFF"/>
             </a:solidFill>
           </p:spPr>
+          <p:txBody>
+            <a:bodyPr/>
+            <a:lstStyle/>
+            <a:p>
+              <a:endParaRPr lang="en-IN"/>
+            </a:p>
+          </p:txBody>
         </p:sp>
         <p:sp>
           <p:nvSpPr>
-            <p:cNvPr name="TextBox 11" id="11"/>
-            <p:cNvSpPr txBox="true"/>
+            <p:cNvPr id="11" name="TextBox 11"/>
+            <p:cNvSpPr txBox="1"/>
             <p:nvPr/>
           </p:nvSpPr>
           <p:spPr>
@@ -7661,7 +7920,7 @@
             </a:prstGeom>
           </p:spPr>
           <p:txBody>
-            <a:bodyPr anchor="ctr" rtlCol="false" tIns="50800" lIns="50800" bIns="50800" rIns="50800"/>
+            <a:bodyPr lIns="50800" tIns="50800" rIns="50800" bIns="50800" rtlCol="0" anchor="ctr"/>
             <a:lstStyle/>
             <a:p>
               <a:pPr algn="ctr">
@@ -7669,56 +7928,193 @@
                   <a:spcPts val="2659"/>
                 </a:lnSpc>
               </a:pPr>
+              <a:endParaRPr/>
             </a:p>
           </p:txBody>
         </p:sp>
       </p:grpSp>
       <p:sp>
         <p:nvSpPr>
-          <p:cNvPr name="TextBox 12" id="12"/>
-          <p:cNvSpPr txBox="true"/>
+          <p:cNvPr id="12" name="TextBox 12"/>
+          <p:cNvSpPr txBox="1"/>
           <p:nvPr/>
         </p:nvSpPr>
         <p:spPr>
-          <a:xfrm rot="0">
-            <a:off x="7718630" y="1396561"/>
-            <a:ext cx="9355013" cy="7243654"/>
+          <a:xfrm>
+            <a:off x="7552542" y="324347"/>
+            <a:ext cx="10173462" cy="9602629"/>
           </a:xfrm>
           <a:prstGeom prst="rect">
             <a:avLst/>
           </a:prstGeom>
         </p:spPr>
         <p:txBody>
-          <a:bodyPr anchor="t" rtlCol="false" tIns="0" lIns="0" bIns="0" rIns="0">
+          <a:bodyPr wrap="square" lIns="0" tIns="0" rIns="0" bIns="0" rtlCol="0" anchor="t">
             <a:spAutoFit/>
           </a:bodyPr>
           <a:lstStyle/>
           <a:p>
-            <a:pPr algn="just">
-              <a:lnSpc>
-                <a:spcPts val="4773"/>
-              </a:lnSpc>
-            </a:pPr>
-            <a:r>
-              <a:rPr lang="en-US" sz="3409">
+            <a:pPr algn="just"/>
+            <a:r>
+              <a:rPr lang="en-IN" sz="2400" b="0" i="0" dirty="0">
                 <a:solidFill>
-                  <a:srgbClr val="000000"/>
+                  <a:srgbClr val="1F2328"/>
                 </a:solidFill>
-                <a:latin typeface="Montserrat"/>
+                <a:effectLst/>
+                <a:highlight>
+                  <a:srgbClr val="FFFFFF"/>
+                </a:highlight>
+                <a:latin typeface="Montserrat" panose="00000500000000000000" pitchFamily="2" charset="0"/>
               </a:rPr>
-              <a:t>In this project, our objective is to perform comprehensive data wrangling on a set of datasets, namely Dataset_1, Dataset_2, and Dataset_3. These datasets contain information related to bike rentals, including various attributes such as date, season, weather conditions, temperature, humidity, wind speed, and rental counts. The datasets present several ambiguities and inconsistencies that need to be addressed through data wrangling techniques.</a:t>
-            </a:r>
-          </a:p>
-        </p:txBody>
-      </p:sp>
-      <p:sp>
-        <p:nvSpPr>
-          <p:cNvPr name="TextBox 13" id="13"/>
-          <p:cNvSpPr txBox="true"/>
+              <a:t>This project showcases a comprehensive data analysis project conducted in Python using Pandas, NumPy, and Seaborn libraries. The project follows a structured approach starting from data acquisition, data exploration, data cleaning, to data wrangling. Data Acquisition: The project begins by loading multiple datasets using Pandas </a:t>
+            </a:r>
+            <a:r>
+              <a:rPr lang="en-IN" sz="2400" b="0" i="0" dirty="0" err="1">
+                <a:solidFill>
+                  <a:srgbClr val="1F2328"/>
+                </a:solidFill>
+                <a:effectLst/>
+                <a:highlight>
+                  <a:srgbClr val="FFFFFF"/>
+                </a:highlight>
+                <a:latin typeface="Montserrat" panose="00000500000000000000" pitchFamily="2" charset="0"/>
+              </a:rPr>
+              <a:t>read_excel</a:t>
+            </a:r>
+            <a:r>
+              <a:rPr lang="en-IN" sz="2400" b="0" i="0" dirty="0">
+                <a:solidFill>
+                  <a:srgbClr val="1F2328"/>
+                </a:solidFill>
+                <a:effectLst/>
+                <a:highlight>
+                  <a:srgbClr val="FFFFFF"/>
+                </a:highlight>
+                <a:latin typeface="Montserrat" panose="00000500000000000000" pitchFamily="2" charset="0"/>
+              </a:rPr>
+              <a:t> function. Each dataset is then printed to inspect its structure and content. Data Exploration: Basic exploratory data analysis (EDA) techniques are employed to understand the datasets better. This includes printing the first few and last few entries, getting data type information, generating descriptive statistics, and identifying missing values using info(), head(), tail(), describe(), and </a:t>
+            </a:r>
+            <a:r>
+              <a:rPr lang="en-IN" sz="2400" b="0" i="0" dirty="0" err="1">
+                <a:solidFill>
+                  <a:srgbClr val="1F2328"/>
+                </a:solidFill>
+                <a:effectLst/>
+                <a:highlight>
+                  <a:srgbClr val="FFFFFF"/>
+                </a:highlight>
+                <a:latin typeface="Montserrat" panose="00000500000000000000" pitchFamily="2" charset="0"/>
+              </a:rPr>
+              <a:t>isnull</a:t>
+            </a:r>
+            <a:r>
+              <a:rPr lang="en-IN" sz="2400" b="0" i="0" dirty="0">
+                <a:solidFill>
+                  <a:srgbClr val="1F2328"/>
+                </a:solidFill>
+                <a:effectLst/>
+                <a:highlight>
+                  <a:srgbClr val="FFFFFF"/>
+                </a:highlight>
+                <a:latin typeface="Montserrat" panose="00000500000000000000" pitchFamily="2" charset="0"/>
+              </a:rPr>
+              <a:t>().sum(). Data Cleaning: Missing values are addressed through various techniques such as filling them with mean, median, or mode values using </a:t>
+            </a:r>
+            <a:r>
+              <a:rPr lang="en-IN" sz="2400" b="0" i="0" dirty="0" err="1">
+                <a:solidFill>
+                  <a:srgbClr val="1F2328"/>
+                </a:solidFill>
+                <a:effectLst/>
+                <a:highlight>
+                  <a:srgbClr val="FFFFFF"/>
+                </a:highlight>
+                <a:latin typeface="Montserrat" panose="00000500000000000000" pitchFamily="2" charset="0"/>
+              </a:rPr>
+              <a:t>fillna</a:t>
+            </a:r>
+            <a:r>
+              <a:rPr lang="en-IN" sz="2400" b="0" i="0" dirty="0">
+                <a:solidFill>
+                  <a:srgbClr val="1F2328"/>
+                </a:solidFill>
+                <a:effectLst/>
+                <a:highlight>
+                  <a:srgbClr val="FFFFFF"/>
+                </a:highlight>
+                <a:latin typeface="Montserrat" panose="00000500000000000000" pitchFamily="2" charset="0"/>
+              </a:rPr>
+              <a:t>() function. Outliers are detected using box plots and the interquartile range (IQR) method, and then removed from the dataset. Data Wrangling: The datasets are combined using the merge() function and concatenated using </a:t>
+            </a:r>
+            <a:r>
+              <a:rPr lang="en-IN" sz="2400" b="0" i="0" dirty="0" err="1">
+                <a:solidFill>
+                  <a:srgbClr val="1F2328"/>
+                </a:solidFill>
+                <a:effectLst/>
+                <a:highlight>
+                  <a:srgbClr val="FFFFFF"/>
+                </a:highlight>
+                <a:latin typeface="Montserrat" panose="00000500000000000000" pitchFamily="2" charset="0"/>
+              </a:rPr>
+              <a:t>concat</a:t>
+            </a:r>
+            <a:r>
+              <a:rPr lang="en-IN" sz="2400" b="0" i="0" dirty="0">
+                <a:solidFill>
+                  <a:srgbClr val="1F2328"/>
+                </a:solidFill>
+                <a:effectLst/>
+                <a:highlight>
+                  <a:srgbClr val="FFFFFF"/>
+                </a:highlight>
+                <a:latin typeface="Montserrat" panose="00000500000000000000" pitchFamily="2" charset="0"/>
+              </a:rPr>
+              <a:t>() function. Necessary columns are dropped, and the combined dataset is prepared for further analysis. Summary Statistics and Visualization: Summary statistics such as mean, median, mode, skewness, and correlation coefficients are calculated to gain insights into the data distribution and relationships between variables. Seaborn box plots are used to visualize outliers in numerical features. Data Export: The cleaned and processed dataset is exported to a CSV file for further analysis or </a:t>
+            </a:r>
+            <a:r>
+              <a:rPr lang="en-IN" sz="2400" b="0" i="0" dirty="0" err="1">
+                <a:solidFill>
+                  <a:srgbClr val="1F2328"/>
+                </a:solidFill>
+                <a:effectLst/>
+                <a:highlight>
+                  <a:srgbClr val="FFFFFF"/>
+                </a:highlight>
+                <a:latin typeface="Montserrat" panose="00000500000000000000" pitchFamily="2" charset="0"/>
+              </a:rPr>
+              <a:t>modeling</a:t>
+            </a:r>
+            <a:r>
+              <a:rPr lang="en-IN" sz="2400" b="0" i="0" dirty="0">
+                <a:solidFill>
+                  <a:srgbClr val="1F2328"/>
+                </a:solidFill>
+                <a:effectLst/>
+                <a:highlight>
+                  <a:srgbClr val="FFFFFF"/>
+                </a:highlight>
+                <a:latin typeface="Montserrat" panose="00000500000000000000" pitchFamily="2" charset="0"/>
+              </a:rPr>
+              <a:t>.</a:t>
+            </a:r>
+            <a:endParaRPr lang="en-US" sz="2400" dirty="0">
+              <a:solidFill>
+                <a:srgbClr val="000000"/>
+              </a:solidFill>
+              <a:latin typeface="Montserrat" panose="00000500000000000000" pitchFamily="2" charset="0"/>
+            </a:endParaRPr>
+          </a:p>
+        </p:txBody>
+      </p:sp>
+      <p:sp>
+        <p:nvSpPr>
+          <p:cNvPr id="13" name="TextBox 13"/>
+          <p:cNvSpPr txBox="1"/>
           <p:nvPr/>
         </p:nvSpPr>
         <p:spPr>
-          <a:xfrm rot="0">
+          <a:xfrm>
             <a:off x="2395847" y="2711885"/>
             <a:ext cx="3058045" cy="1043853"/>
           </a:xfrm>
@@ -7727,7 +8123,7 @@
           </a:prstGeom>
         </p:spPr>
         <p:txBody>
-          <a:bodyPr anchor="t" rtlCol="false" tIns="0" lIns="0" bIns="0" rIns="0">
+          <a:bodyPr lIns="0" tIns="0" rIns="0" bIns="0" rtlCol="0" anchor="t">
             <a:spAutoFit/>
           </a:bodyPr>
           <a:lstStyle/>
@@ -7758,13 +8154,14 @@
 </file>
 
 <file path=ppt/slides/slide4.xml><?xml version="1.0" encoding="utf-8"?>
-<p:sld xmlns:p="http://schemas.openxmlformats.org/presentationml/2006/main" xmlns:a="http://schemas.openxmlformats.org/drawingml/2006/main" xmlns:r="http://schemas.openxmlformats.org/officeDocument/2006/relationships">
+<p:sld xmlns:a="http://schemas.openxmlformats.org/drawingml/2006/main" xmlns:r="http://schemas.openxmlformats.org/officeDocument/2006/relationships" xmlns:p="http://schemas.openxmlformats.org/presentationml/2006/main">
   <p:cSld>
     <p:bg>
       <p:bgPr>
         <a:solidFill>
           <a:srgbClr val="F4F2F2"/>
         </a:solidFill>
+        <a:effectLst/>
       </p:bgPr>
     </p:bg>
     <p:spTree>
@@ -7783,12 +8180,12 @@
       </p:grpSpPr>
       <p:sp>
         <p:nvSpPr>
-          <p:cNvPr name="Freeform 2" id="2"/>
+          <p:cNvPr id="2" name="Freeform 2"/>
           <p:cNvSpPr/>
           <p:nvPr/>
         </p:nvSpPr>
         <p:spPr>
-          <a:xfrm flipH="false" flipV="false" rot="0">
+          <a:xfrm>
             <a:off x="-8615057" y="-8428575"/>
             <a:ext cx="15228862" cy="15228862"/>
           </a:xfrm>
@@ -7797,9 +8194,9 @@
             <a:gdLst/>
             <a:ahLst/>
             <a:cxnLst/>
-            <a:rect r="r" b="b" t="t" l="l"/>
+            <a:rect l="l" t="t" r="r" b="b"/>
             <a:pathLst>
-              <a:path h="15228862" w="15228862">
+              <a:path w="15228862" h="15228862">
                 <a:moveTo>
                   <a:pt x="0" y="0"/>
                 </a:moveTo>
@@ -7828,19 +8225,26 @@
               </a:extLst>
             </a:blip>
             <a:stretch>
-              <a:fillRect l="0" t="0" r="0" b="0"/>
+              <a:fillRect/>
             </a:stretch>
           </a:blipFill>
         </p:spPr>
-      </p:sp>
-      <p:sp>
-        <p:nvSpPr>
-          <p:cNvPr name="Freeform 3" id="3"/>
+        <p:txBody>
+          <a:bodyPr/>
+          <a:lstStyle/>
+          <a:p>
+            <a:endParaRPr lang="en-IN"/>
+          </a:p>
+        </p:txBody>
+      </p:sp>
+      <p:sp>
+        <p:nvSpPr>
+          <p:cNvPr id="3" name="Freeform 3"/>
           <p:cNvSpPr/>
           <p:nvPr/>
         </p:nvSpPr>
         <p:spPr>
-          <a:xfrm flipH="false" flipV="false" rot="0">
+          <a:xfrm>
             <a:off x="-7614431" y="4964451"/>
             <a:ext cx="15228862" cy="15228862"/>
           </a:xfrm>
@@ -7849,9 +8253,9 @@
             <a:gdLst/>
             <a:ahLst/>
             <a:cxnLst/>
-            <a:rect r="r" b="b" t="t" l="l"/>
+            <a:rect l="l" t="t" r="r" b="b"/>
             <a:pathLst>
-              <a:path h="15228862" w="15228862">
+              <a:path w="15228862" h="15228862">
                 <a:moveTo>
                   <a:pt x="0" y="0"/>
                 </a:moveTo>
@@ -7880,19 +8284,26 @@
               </a:extLst>
             </a:blip>
             <a:stretch>
-              <a:fillRect l="0" t="0" r="0" b="0"/>
+              <a:fillRect/>
             </a:stretch>
           </a:blipFill>
         </p:spPr>
+        <p:txBody>
+          <a:bodyPr/>
+          <a:lstStyle/>
+          <a:p>
+            <a:endParaRPr lang="en-IN"/>
+          </a:p>
+        </p:txBody>
       </p:sp>
       <p:grpSp>
         <p:nvGrpSpPr>
-          <p:cNvPr name="Group 4" id="4"/>
+          <p:cNvPr id="4" name="Group 4"/>
           <p:cNvGrpSpPr/>
           <p:nvPr/>
         </p:nvGrpSpPr>
         <p:grpSpPr>
-          <a:xfrm rot="0">
+          <a:xfrm>
             <a:off x="9087919" y="1028700"/>
             <a:ext cx="8171381" cy="1413906"/>
             <a:chOff x="0" y="0"/>
@@ -7901,12 +8312,12 @@
         </p:grpSpPr>
         <p:sp>
           <p:nvSpPr>
-            <p:cNvPr name="Freeform 5" id="5"/>
+            <p:cNvPr id="5" name="Freeform 5"/>
             <p:cNvSpPr/>
             <p:nvPr/>
           </p:nvSpPr>
           <p:spPr>
-            <a:xfrm flipH="false" flipV="false" rot="0">
+            <a:xfrm>
               <a:off x="0" y="0"/>
               <a:ext cx="1751507" cy="303066"/>
             </a:xfrm>
@@ -7915,9 +8326,9 @@
               <a:gdLst/>
               <a:ahLst/>
               <a:cxnLst/>
-              <a:rect r="r" b="b" t="t" l="l"/>
+              <a:rect l="l" t="t" r="r" b="b"/>
               <a:pathLst>
-                <a:path h="303066" w="1751507">
+                <a:path w="1751507" h="303066">
                   <a:moveTo>
                     <a:pt x="94744" y="0"/>
                   </a:moveTo>
@@ -7976,11 +8387,18 @@
               <a:srgbClr val="50E8D1"/>
             </a:solidFill>
           </p:spPr>
+          <p:txBody>
+            <a:bodyPr/>
+            <a:lstStyle/>
+            <a:p>
+              <a:endParaRPr lang="en-IN"/>
+            </a:p>
+          </p:txBody>
         </p:sp>
         <p:sp>
           <p:nvSpPr>
-            <p:cNvPr name="TextBox 6" id="6"/>
-            <p:cNvSpPr txBox="true"/>
+            <p:cNvPr id="6" name="TextBox 6"/>
+            <p:cNvSpPr txBox="1"/>
             <p:nvPr/>
           </p:nvSpPr>
           <p:spPr>
@@ -7993,7 +8411,7 @@
             </a:prstGeom>
           </p:spPr>
           <p:txBody>
-            <a:bodyPr anchor="ctr" rtlCol="false" tIns="50800" lIns="50800" bIns="50800" rIns="50800"/>
+            <a:bodyPr lIns="50800" tIns="50800" rIns="50800" bIns="50800" rtlCol="0" anchor="ctr"/>
             <a:lstStyle/>
             <a:p>
               <a:pPr algn="ctr">
@@ -8001,18 +8419,19 @@
                   <a:spcPts val="2659"/>
                 </a:lnSpc>
               </a:pPr>
+              <a:endParaRPr/>
             </a:p>
           </p:txBody>
         </p:sp>
       </p:grpSp>
       <p:sp>
         <p:nvSpPr>
-          <p:cNvPr name="Freeform 7" id="7"/>
+          <p:cNvPr id="7" name="Freeform 7"/>
           <p:cNvSpPr/>
           <p:nvPr/>
         </p:nvSpPr>
         <p:spPr>
-          <a:xfrm flipH="false" flipV="false" rot="0">
+          <a:xfrm>
             <a:off x="14095764" y="4080371"/>
             <a:ext cx="4107319" cy="4114800"/>
           </a:xfrm>
@@ -8021,9 +8440,9 @@
             <a:gdLst/>
             <a:ahLst/>
             <a:cxnLst/>
-            <a:rect r="r" b="b" t="t" l="l"/>
+            <a:rect l="l" t="t" r="r" b="b"/>
             <a:pathLst>
-              <a:path h="4114800" w="4107319">
+              <a:path w="4107319" h="4114800">
                 <a:moveTo>
                   <a:pt x="0" y="0"/>
                 </a:moveTo>
@@ -8052,19 +8471,26 @@
               </a:extLst>
             </a:blip>
             <a:stretch>
-              <a:fillRect l="0" t="0" r="0" b="0"/>
+              <a:fillRect/>
             </a:stretch>
           </a:blipFill>
         </p:spPr>
+        <p:txBody>
+          <a:bodyPr/>
+          <a:lstStyle/>
+          <a:p>
+            <a:endParaRPr lang="en-IN"/>
+          </a:p>
+        </p:txBody>
       </p:sp>
       <p:grpSp>
         <p:nvGrpSpPr>
-          <p:cNvPr name="Group 8" id="8"/>
+          <p:cNvPr id="8" name="Group 8"/>
           <p:cNvGrpSpPr/>
           <p:nvPr/>
         </p:nvGrpSpPr>
         <p:grpSpPr>
-          <a:xfrm rot="0">
+          <a:xfrm>
             <a:off x="561102" y="2703446"/>
             <a:ext cx="15169944" cy="6759126"/>
             <a:chOff x="0" y="0"/>
@@ -8073,12 +8499,12 @@
         </p:grpSpPr>
         <p:sp>
           <p:nvSpPr>
-            <p:cNvPr name="Freeform 9" id="9"/>
+            <p:cNvPr id="9" name="Freeform 9"/>
             <p:cNvSpPr/>
             <p:nvPr/>
           </p:nvSpPr>
           <p:spPr>
-            <a:xfrm flipH="false" flipV="false" rot="0">
+            <a:xfrm>
               <a:off x="0" y="0"/>
               <a:ext cx="3995376" cy="1780181"/>
             </a:xfrm>
@@ -8087,9 +8513,9 @@
               <a:gdLst/>
               <a:ahLst/>
               <a:cxnLst/>
-              <a:rect r="r" b="b" t="t" l="l"/>
+              <a:rect l="l" t="t" r="r" b="b"/>
               <a:pathLst>
-                <a:path h="1780181" w="3995376">
+                <a:path w="3995376" h="1780181">
                   <a:moveTo>
                     <a:pt x="26028" y="0"/>
                   </a:moveTo>
@@ -8153,11 +8579,18 @@
               <a:srgbClr val="FFFFFF"/>
             </a:solidFill>
           </p:spPr>
+          <p:txBody>
+            <a:bodyPr/>
+            <a:lstStyle/>
+            <a:p>
+              <a:endParaRPr lang="en-IN"/>
+            </a:p>
+          </p:txBody>
         </p:sp>
         <p:sp>
           <p:nvSpPr>
-            <p:cNvPr name="TextBox 10" id="10"/>
-            <p:cNvSpPr txBox="true"/>
+            <p:cNvPr id="10" name="TextBox 10"/>
+            <p:cNvSpPr txBox="1"/>
             <p:nvPr/>
           </p:nvSpPr>
           <p:spPr>
@@ -8170,7 +8603,7 @@
             </a:prstGeom>
           </p:spPr>
           <p:txBody>
-            <a:bodyPr anchor="ctr" rtlCol="false" tIns="50800" lIns="50800" bIns="50800" rIns="50800"/>
+            <a:bodyPr lIns="50800" tIns="50800" rIns="50800" bIns="50800" rtlCol="0" anchor="ctr"/>
             <a:lstStyle/>
             <a:p>
               <a:pPr algn="ctr">
@@ -8178,18 +8611,19 @@
                   <a:spcPts val="2659"/>
                 </a:lnSpc>
               </a:pPr>
+              <a:endParaRPr/>
             </a:p>
           </p:txBody>
         </p:sp>
       </p:grpSp>
       <p:sp>
         <p:nvSpPr>
-          <p:cNvPr name="TextBox 11" id="11"/>
-          <p:cNvSpPr txBox="true"/>
+          <p:cNvPr id="11" name="TextBox 11"/>
+          <p:cNvSpPr txBox="1"/>
           <p:nvPr/>
         </p:nvSpPr>
         <p:spPr>
-          <a:xfrm rot="0">
+          <a:xfrm>
             <a:off x="9429479" y="1444318"/>
             <a:ext cx="7488262" cy="637569"/>
           </a:xfrm>
@@ -8198,7 +8632,7 @@
           </a:prstGeom>
         </p:spPr>
         <p:txBody>
-          <a:bodyPr anchor="t" rtlCol="false" tIns="0" lIns="0" bIns="0" rIns="0">
+          <a:bodyPr lIns="0" tIns="0" rIns="0" bIns="0" rtlCol="0" anchor="t">
             <a:spAutoFit/>
           </a:bodyPr>
           <a:lstStyle/>
@@ -8222,12 +8656,12 @@
       </p:sp>
       <p:sp>
         <p:nvSpPr>
-          <p:cNvPr name="TextBox 12" id="12"/>
-          <p:cNvSpPr txBox="true"/>
+          <p:cNvPr id="12" name="TextBox 12"/>
+          <p:cNvSpPr txBox="1"/>
           <p:nvPr/>
         </p:nvSpPr>
         <p:spPr>
-          <a:xfrm rot="0">
+          <a:xfrm>
             <a:off x="1814998" y="3764696"/>
             <a:ext cx="13252803" cy="1401083"/>
           </a:xfrm>
@@ -8236,7 +8670,7 @@
           </a:prstGeom>
         </p:spPr>
         <p:txBody>
-          <a:bodyPr anchor="t" rtlCol="false" tIns="0" lIns="0" bIns="0" rIns="0">
+          <a:bodyPr lIns="0" tIns="0" rIns="0" bIns="0" rtlCol="0" anchor="t">
             <a:spAutoFit/>
           </a:bodyPr>
           <a:lstStyle/>
@@ -8260,12 +8694,12 @@
       </p:sp>
       <p:sp>
         <p:nvSpPr>
-          <p:cNvPr name="TextBox 13" id="13"/>
-          <p:cNvSpPr txBox="true"/>
+          <p:cNvPr id="13" name="TextBox 13"/>
+          <p:cNvSpPr txBox="1"/>
           <p:nvPr/>
         </p:nvSpPr>
         <p:spPr>
-          <a:xfrm rot="0">
+          <a:xfrm>
             <a:off x="1409000" y="3292348"/>
             <a:ext cx="4614155" cy="519973"/>
           </a:xfrm>
@@ -8274,7 +8708,7 @@
           </a:prstGeom>
         </p:spPr>
         <p:txBody>
-          <a:bodyPr anchor="t" rtlCol="false" tIns="0" lIns="0" bIns="0" rIns="0">
+          <a:bodyPr lIns="0" tIns="0" rIns="0" bIns="0" rtlCol="0" anchor="t">
             <a:spAutoFit/>
           </a:bodyPr>
           <a:lstStyle/>
@@ -8298,12 +8732,12 @@
       </p:sp>
       <p:sp>
         <p:nvSpPr>
-          <p:cNvPr name="TextBox 14" id="14"/>
-          <p:cNvSpPr txBox="true"/>
+          <p:cNvPr id="14" name="TextBox 14"/>
+          <p:cNvSpPr txBox="1"/>
           <p:nvPr/>
         </p:nvSpPr>
         <p:spPr>
-          <a:xfrm rot="0">
+          <a:xfrm>
             <a:off x="1814998" y="6090146"/>
             <a:ext cx="13252803" cy="927053"/>
           </a:xfrm>
@@ -8312,7 +8746,7 @@
           </a:prstGeom>
         </p:spPr>
         <p:txBody>
-          <a:bodyPr anchor="t" rtlCol="false" tIns="0" lIns="0" bIns="0" rIns="0">
+          <a:bodyPr lIns="0" tIns="0" rIns="0" bIns="0" rtlCol="0" anchor="t">
             <a:spAutoFit/>
           </a:bodyPr>
           <a:lstStyle/>
@@ -8336,12 +8770,12 @@
       </p:sp>
       <p:sp>
         <p:nvSpPr>
-          <p:cNvPr name="TextBox 15" id="15"/>
-          <p:cNvSpPr txBox="true"/>
+          <p:cNvPr id="15" name="TextBox 15"/>
+          <p:cNvSpPr txBox="1"/>
           <p:nvPr/>
         </p:nvSpPr>
         <p:spPr>
-          <a:xfrm rot="0">
+          <a:xfrm>
             <a:off x="1409000" y="5564644"/>
             <a:ext cx="4614155" cy="519973"/>
           </a:xfrm>
@@ -8350,7 +8784,7 @@
           </a:prstGeom>
         </p:spPr>
         <p:txBody>
-          <a:bodyPr anchor="t" rtlCol="false" tIns="0" lIns="0" bIns="0" rIns="0">
+          <a:bodyPr lIns="0" tIns="0" rIns="0" bIns="0" rtlCol="0" anchor="t">
             <a:spAutoFit/>
           </a:bodyPr>
           <a:lstStyle/>
@@ -8374,12 +8808,12 @@
       </p:sp>
       <p:sp>
         <p:nvSpPr>
-          <p:cNvPr name="TextBox 16" id="16"/>
-          <p:cNvSpPr txBox="true"/>
+          <p:cNvPr id="16" name="TextBox 16"/>
+          <p:cNvSpPr txBox="1"/>
           <p:nvPr/>
         </p:nvSpPr>
         <p:spPr>
-          <a:xfrm rot="0">
+          <a:xfrm>
             <a:off x="1814998" y="7942751"/>
             <a:ext cx="13252803" cy="927053"/>
           </a:xfrm>
@@ -8388,7 +8822,7 @@
           </a:prstGeom>
         </p:spPr>
         <p:txBody>
-          <a:bodyPr anchor="t" rtlCol="false" tIns="0" lIns="0" bIns="0" rIns="0">
+          <a:bodyPr lIns="0" tIns="0" rIns="0" bIns="0" rtlCol="0" anchor="t">
             <a:spAutoFit/>
           </a:bodyPr>
           <a:lstStyle/>
@@ -8412,12 +8846,12 @@
       </p:sp>
       <p:sp>
         <p:nvSpPr>
-          <p:cNvPr name="TextBox 17" id="17"/>
-          <p:cNvSpPr txBox="true"/>
+          <p:cNvPr id="17" name="TextBox 17"/>
+          <p:cNvSpPr txBox="1"/>
           <p:nvPr/>
         </p:nvSpPr>
         <p:spPr>
-          <a:xfrm rot="0">
+          <a:xfrm>
             <a:off x="1409000" y="7417249"/>
             <a:ext cx="4614155" cy="519973"/>
           </a:xfrm>
@@ -8426,7 +8860,7 @@
           </a:prstGeom>
         </p:spPr>
         <p:txBody>
-          <a:bodyPr anchor="t" rtlCol="false" tIns="0" lIns="0" bIns="0" rIns="0">
+          <a:bodyPr lIns="0" tIns="0" rIns="0" bIns="0" rtlCol="0" anchor="t">
             <a:spAutoFit/>
           </a:bodyPr>
           <a:lstStyle/>
@@ -8457,13 +8891,14 @@
 </file>
 
 <file path=ppt/slides/slide5.xml><?xml version="1.0" encoding="utf-8"?>
-<p:sld xmlns:p="http://schemas.openxmlformats.org/presentationml/2006/main" xmlns:a="http://schemas.openxmlformats.org/drawingml/2006/main" xmlns:r="http://schemas.openxmlformats.org/officeDocument/2006/relationships">
+<p:sld xmlns:a="http://schemas.openxmlformats.org/drawingml/2006/main" xmlns:r="http://schemas.openxmlformats.org/officeDocument/2006/relationships" xmlns:p="http://schemas.openxmlformats.org/presentationml/2006/main">
   <p:cSld>
     <p:bg>
       <p:bgPr>
         <a:solidFill>
           <a:srgbClr val="F4F2F2"/>
         </a:solidFill>
+        <a:effectLst/>
       </p:bgPr>
     </p:bg>
     <p:spTree>
@@ -8482,12 +8917,12 @@
       </p:grpSpPr>
       <p:sp>
         <p:nvSpPr>
-          <p:cNvPr name="Freeform 2" id="2"/>
+          <p:cNvPr id="2" name="Freeform 2"/>
           <p:cNvSpPr/>
           <p:nvPr/>
         </p:nvSpPr>
         <p:spPr>
-          <a:xfrm flipH="false" flipV="false" rot="0">
+          <a:xfrm>
             <a:off x="10013990" y="-7825478"/>
             <a:ext cx="15228862" cy="15228862"/>
           </a:xfrm>
@@ -8496,9 +8931,9 @@
             <a:gdLst/>
             <a:ahLst/>
             <a:cxnLst/>
-            <a:rect r="r" b="b" t="t" l="l"/>
+            <a:rect l="l" t="t" r="r" b="b"/>
             <a:pathLst>
-              <a:path h="15228862" w="15228862">
+              <a:path w="15228862" h="15228862">
                 <a:moveTo>
                   <a:pt x="0" y="0"/>
                 </a:moveTo>
@@ -8527,19 +8962,26 @@
               </a:extLst>
             </a:blip>
             <a:stretch>
-              <a:fillRect l="0" t="0" r="0" b="0"/>
+              <a:fillRect/>
             </a:stretch>
           </a:blipFill>
         </p:spPr>
-      </p:sp>
-      <p:sp>
-        <p:nvSpPr>
-          <p:cNvPr name="Freeform 3" id="3"/>
+        <p:txBody>
+          <a:bodyPr/>
+          <a:lstStyle/>
+          <a:p>
+            <a:endParaRPr lang="en-IN"/>
+          </a:p>
+        </p:txBody>
+      </p:sp>
+      <p:sp>
+        <p:nvSpPr>
+          <p:cNvPr id="3" name="Freeform 3"/>
           <p:cNvSpPr/>
           <p:nvPr/>
         </p:nvSpPr>
         <p:spPr>
-          <a:xfrm flipH="false" flipV="false" rot="0">
+          <a:xfrm>
             <a:off x="-8101481" y="3828159"/>
             <a:ext cx="15228862" cy="15228862"/>
           </a:xfrm>
@@ -8548,9 +8990,9 @@
             <a:gdLst/>
             <a:ahLst/>
             <a:cxnLst/>
-            <a:rect r="r" b="b" t="t" l="l"/>
+            <a:rect l="l" t="t" r="r" b="b"/>
             <a:pathLst>
-              <a:path h="15228862" w="15228862">
+              <a:path w="15228862" h="15228862">
                 <a:moveTo>
                   <a:pt x="0" y="0"/>
                 </a:moveTo>
@@ -8579,19 +9021,26 @@
               </a:extLst>
             </a:blip>
             <a:stretch>
-              <a:fillRect l="0" t="0" r="0" b="0"/>
+              <a:fillRect/>
             </a:stretch>
           </a:blipFill>
         </p:spPr>
+        <p:txBody>
+          <a:bodyPr/>
+          <a:lstStyle/>
+          <a:p>
+            <a:endParaRPr lang="en-IN"/>
+          </a:p>
+        </p:txBody>
       </p:sp>
       <p:grpSp>
         <p:nvGrpSpPr>
-          <p:cNvPr name="Group 4" id="4"/>
+          <p:cNvPr id="4" name="Group 4"/>
           <p:cNvGrpSpPr/>
           <p:nvPr/>
         </p:nvGrpSpPr>
         <p:grpSpPr>
-          <a:xfrm rot="0">
+          <a:xfrm>
             <a:off x="6377967" y="339608"/>
             <a:ext cx="11250454" cy="7703647"/>
             <a:chOff x="0" y="0"/>
@@ -8600,12 +9049,12 @@
         </p:grpSpPr>
         <p:sp>
           <p:nvSpPr>
-            <p:cNvPr name="Freeform 5" id="5"/>
+            <p:cNvPr id="5" name="Freeform 5"/>
             <p:cNvSpPr/>
             <p:nvPr/>
           </p:nvSpPr>
           <p:spPr>
-            <a:xfrm flipH="false" flipV="false" rot="0">
+            <a:xfrm>
               <a:off x="0" y="0"/>
               <a:ext cx="2963083" cy="2028944"/>
             </a:xfrm>
@@ -8614,9 +9063,9 @@
               <a:gdLst/>
               <a:ahLst/>
               <a:cxnLst/>
-              <a:rect r="r" b="b" t="t" l="l"/>
+              <a:rect l="l" t="t" r="r" b="b"/>
               <a:pathLst>
-                <a:path h="2028944" w="2963083">
+                <a:path w="2963083" h="2028944">
                   <a:moveTo>
                     <a:pt x="35095" y="0"/>
                   </a:moveTo>
@@ -8665,11 +9114,18 @@
               <a:srgbClr val="FFFFFF"/>
             </a:solidFill>
           </p:spPr>
+          <p:txBody>
+            <a:bodyPr/>
+            <a:lstStyle/>
+            <a:p>
+              <a:endParaRPr lang="en-IN"/>
+            </a:p>
+          </p:txBody>
         </p:sp>
         <p:sp>
           <p:nvSpPr>
-            <p:cNvPr name="TextBox 6" id="6"/>
-            <p:cNvSpPr txBox="true"/>
+            <p:cNvPr id="6" name="TextBox 6"/>
+            <p:cNvSpPr txBox="1"/>
             <p:nvPr/>
           </p:nvSpPr>
           <p:spPr>
@@ -8682,7 +9138,7 @@
             </a:prstGeom>
           </p:spPr>
           <p:txBody>
-            <a:bodyPr anchor="ctr" rtlCol="false" tIns="50800" lIns="50800" bIns="50800" rIns="50800"/>
+            <a:bodyPr lIns="50800" tIns="50800" rIns="50800" bIns="50800" rtlCol="0" anchor="ctr"/>
             <a:lstStyle/>
             <a:p>
               <a:pPr algn="ctr">
@@ -8690,18 +9146,19 @@
                   <a:spcPts val="2659"/>
                 </a:lnSpc>
               </a:pPr>
+              <a:endParaRPr/>
             </a:p>
           </p:txBody>
         </p:sp>
       </p:grpSp>
       <p:grpSp>
         <p:nvGrpSpPr>
-          <p:cNvPr name="Group 7" id="7"/>
+          <p:cNvPr id="7" name="Group 7"/>
           <p:cNvGrpSpPr/>
           <p:nvPr/>
         </p:nvGrpSpPr>
         <p:grpSpPr>
-          <a:xfrm rot="0">
+          <a:xfrm>
             <a:off x="681564" y="8200758"/>
             <a:ext cx="10346610" cy="1413906"/>
             <a:chOff x="0" y="0"/>
@@ -8710,12 +9167,12 @@
         </p:grpSpPr>
         <p:sp>
           <p:nvSpPr>
-            <p:cNvPr name="Freeform 8" id="8"/>
+            <p:cNvPr id="8" name="Freeform 8"/>
             <p:cNvSpPr/>
             <p:nvPr/>
           </p:nvSpPr>
           <p:spPr>
-            <a:xfrm flipH="false" flipV="false" rot="0">
+            <a:xfrm>
               <a:off x="0" y="0"/>
               <a:ext cx="2217760" cy="303066"/>
             </a:xfrm>
@@ -8724,9 +9181,9 @@
               <a:gdLst/>
               <a:ahLst/>
               <a:cxnLst/>
-              <a:rect r="r" b="b" t="t" l="l"/>
+              <a:rect l="l" t="t" r="r" b="b"/>
               <a:pathLst>
-                <a:path h="303066" w="2217760">
+                <a:path w="2217760" h="303066">
                   <a:moveTo>
                     <a:pt x="74826" y="0"/>
                   </a:moveTo>
@@ -8790,11 +9247,18 @@
               <a:srgbClr val="FF9405"/>
             </a:solidFill>
           </p:spPr>
+          <p:txBody>
+            <a:bodyPr/>
+            <a:lstStyle/>
+            <a:p>
+              <a:endParaRPr lang="en-IN"/>
+            </a:p>
+          </p:txBody>
         </p:sp>
         <p:sp>
           <p:nvSpPr>
-            <p:cNvPr name="TextBox 9" id="9"/>
-            <p:cNvSpPr txBox="true"/>
+            <p:cNvPr id="9" name="TextBox 9"/>
+            <p:cNvSpPr txBox="1"/>
             <p:nvPr/>
           </p:nvSpPr>
           <p:spPr>
@@ -8807,7 +9271,7 @@
             </a:prstGeom>
           </p:spPr>
           <p:txBody>
-            <a:bodyPr anchor="ctr" rtlCol="false" tIns="50800" lIns="50800" bIns="50800" rIns="50800"/>
+            <a:bodyPr lIns="50800" tIns="50800" rIns="50800" bIns="50800" rtlCol="0" anchor="ctr"/>
             <a:lstStyle/>
             <a:p>
               <a:pPr algn="ctr">
@@ -8815,18 +9279,19 @@
                   <a:spcPts val="2659"/>
                 </a:lnSpc>
               </a:pPr>
+              <a:endParaRPr/>
             </a:p>
           </p:txBody>
         </p:sp>
       </p:grpSp>
       <p:sp>
         <p:nvSpPr>
-          <p:cNvPr name="TextBox 10" id="10"/>
-          <p:cNvSpPr txBox="true"/>
+          <p:cNvPr id="10" name="TextBox 10"/>
+          <p:cNvSpPr txBox="1"/>
           <p:nvPr/>
         </p:nvSpPr>
         <p:spPr>
-          <a:xfrm rot="0">
+          <a:xfrm>
             <a:off x="6870004" y="464256"/>
             <a:ext cx="10561655" cy="7593284"/>
           </a:xfrm>
@@ -8835,12 +9300,12 @@
           </a:prstGeom>
         </p:spPr>
         <p:txBody>
-          <a:bodyPr anchor="t" rtlCol="false" tIns="0" lIns="0" bIns="0" rIns="0">
+          <a:bodyPr lIns="0" tIns="0" rIns="0" bIns="0" rtlCol="0" anchor="t">
             <a:spAutoFit/>
           </a:bodyPr>
           <a:lstStyle/>
           <a:p>
-            <a:pPr algn="just" marL="550938" indent="-275469" lvl="1">
+            <a:pPr marL="550938" lvl="1" indent="-275469" algn="just">
               <a:lnSpc>
                 <a:spcPts val="3572"/>
               </a:lnSpc>
@@ -8854,16 +9319,7 @@
                 </a:solidFill>
                 <a:latin typeface="Montserrat Bold"/>
               </a:rPr>
-              <a:t>Dat</a:t>
-            </a:r>
-            <a:r>
-              <a:rPr lang="en-US" sz="2551">
-                <a:solidFill>
-                  <a:srgbClr val="000000"/>
-                </a:solidFill>
-                <a:latin typeface="Montserrat Bold"/>
-              </a:rPr>
-              <a:t>e: </a:t>
+              <a:t>Date: </a:t>
             </a:r>
             <a:r>
               <a:rPr lang="en-US" sz="2551">
@@ -8876,7 +9332,7 @@
             </a:r>
           </a:p>
           <a:p>
-            <a:pPr algn="just" marL="550938" indent="-275469" lvl="1">
+            <a:pPr marL="550938" lvl="1" indent="-275469" algn="just">
               <a:lnSpc>
                 <a:spcPts val="3572"/>
               </a:lnSpc>
@@ -8903,7 +9359,7 @@
             </a:r>
           </a:p>
           <a:p>
-            <a:pPr algn="just" marL="550938" indent="-275469" lvl="1">
+            <a:pPr marL="550938" lvl="1" indent="-275469" algn="just">
               <a:lnSpc>
                 <a:spcPts val="3572"/>
               </a:lnSpc>
@@ -8930,7 +9386,7 @@
             </a:r>
           </a:p>
           <a:p>
-            <a:pPr algn="just" marL="550938" indent="-275469" lvl="1">
+            <a:pPr marL="550938" lvl="1" indent="-275469" algn="just">
               <a:lnSpc>
                 <a:spcPts val="3572"/>
               </a:lnSpc>
@@ -8957,7 +9413,7 @@
             </a:r>
           </a:p>
           <a:p>
-            <a:pPr algn="just" marL="550938" indent="-275469" lvl="1">
+            <a:pPr marL="550938" lvl="1" indent="-275469" algn="just">
               <a:lnSpc>
                 <a:spcPts val="3572"/>
               </a:lnSpc>
@@ -8984,7 +9440,7 @@
             </a:r>
           </a:p>
           <a:p>
-            <a:pPr algn="just" marL="550938" indent="-275469" lvl="1">
+            <a:pPr marL="550938" lvl="1" indent="-275469" algn="just">
               <a:lnSpc>
                 <a:spcPts val="3572"/>
               </a:lnSpc>
@@ -9016,17 +9472,23 @@
                 <a:spcPts val="3572"/>
               </a:lnSpc>
             </a:pPr>
-          </a:p>
-        </p:txBody>
-      </p:sp>
-      <p:sp>
-        <p:nvSpPr>
-          <p:cNvPr name="TextBox 11" id="11"/>
-          <p:cNvSpPr txBox="true"/>
+            <a:endParaRPr lang="en-US" sz="2551">
+              <a:solidFill>
+                <a:srgbClr val="000000"/>
+              </a:solidFill>
+              <a:latin typeface="Montserrat"/>
+            </a:endParaRPr>
+          </a:p>
+        </p:txBody>
+      </p:sp>
+      <p:sp>
+        <p:nvSpPr>
+          <p:cNvPr id="11" name="TextBox 11"/>
+          <p:cNvSpPr txBox="1"/>
           <p:nvPr/>
         </p:nvSpPr>
         <p:spPr>
-          <a:xfrm rot="0">
+          <a:xfrm>
             <a:off x="1834041" y="8581409"/>
             <a:ext cx="8381536" cy="628987"/>
           </a:xfrm>
@@ -9035,7 +9497,7 @@
           </a:prstGeom>
         </p:spPr>
         <p:txBody>
-          <a:bodyPr anchor="t" rtlCol="false" tIns="0" lIns="0" bIns="0" rIns="0">
+          <a:bodyPr lIns="0" tIns="0" rIns="0" bIns="0" rtlCol="0" anchor="t">
             <a:spAutoFit/>
           </a:bodyPr>
           <a:lstStyle/>
@@ -9066,13 +9528,14 @@
 </file>
 
 <file path=ppt/slides/slide6.xml><?xml version="1.0" encoding="utf-8"?>
-<p:sld xmlns:p="http://schemas.openxmlformats.org/presentationml/2006/main" xmlns:a="http://schemas.openxmlformats.org/drawingml/2006/main" xmlns:r="http://schemas.openxmlformats.org/officeDocument/2006/relationships">
+<p:sld xmlns:a="http://schemas.openxmlformats.org/drawingml/2006/main" xmlns:r="http://schemas.openxmlformats.org/officeDocument/2006/relationships" xmlns:p="http://schemas.openxmlformats.org/presentationml/2006/main">
   <p:cSld>
     <p:bg>
       <p:bgPr>
         <a:solidFill>
           <a:srgbClr val="F4F2F2"/>
         </a:solidFill>
+        <a:effectLst/>
       </p:bgPr>
     </p:bg>
     <p:spTree>
@@ -9091,12 +9554,12 @@
       </p:grpSpPr>
       <p:sp>
         <p:nvSpPr>
-          <p:cNvPr name="Freeform 2" id="2"/>
+          <p:cNvPr id="2" name="Freeform 2"/>
           <p:cNvSpPr/>
           <p:nvPr/>
         </p:nvSpPr>
         <p:spPr>
-          <a:xfrm flipH="false" flipV="false" rot="0">
+          <a:xfrm>
             <a:off x="8865908" y="1209824"/>
             <a:ext cx="15228862" cy="15228862"/>
           </a:xfrm>
@@ -9105,9 +9568,9 @@
             <a:gdLst/>
             <a:ahLst/>
             <a:cxnLst/>
-            <a:rect r="r" b="b" t="t" l="l"/>
+            <a:rect l="l" t="t" r="r" b="b"/>
             <a:pathLst>
-              <a:path h="15228862" w="15228862">
+              <a:path w="15228862" h="15228862">
                 <a:moveTo>
                   <a:pt x="0" y="0"/>
                 </a:moveTo>
@@ -9136,19 +9599,26 @@
               </a:extLst>
             </a:blip>
             <a:stretch>
-              <a:fillRect l="0" t="0" r="0" b="0"/>
+              <a:fillRect/>
             </a:stretch>
           </a:blipFill>
         </p:spPr>
-      </p:sp>
-      <p:sp>
-        <p:nvSpPr>
-          <p:cNvPr name="Freeform 3" id="3"/>
+        <p:txBody>
+          <a:bodyPr/>
+          <a:lstStyle/>
+          <a:p>
+            <a:endParaRPr lang="en-IN"/>
+          </a:p>
+        </p:txBody>
+      </p:sp>
+      <p:sp>
+        <p:nvSpPr>
+          <p:cNvPr id="3" name="Freeform 3"/>
           <p:cNvSpPr/>
           <p:nvPr/>
         </p:nvSpPr>
         <p:spPr>
-          <a:xfrm flipH="false" flipV="false" rot="0">
+          <a:xfrm>
             <a:off x="10449147" y="4343400"/>
             <a:ext cx="5847907" cy="4114800"/>
           </a:xfrm>
@@ -9157,9 +9627,9 @@
             <a:gdLst/>
             <a:ahLst/>
             <a:cxnLst/>
-            <a:rect r="r" b="b" t="t" l="l"/>
+            <a:rect l="l" t="t" r="r" b="b"/>
             <a:pathLst>
-              <a:path h="4114800" w="5847907">
+              <a:path w="5847907" h="4114800">
                 <a:moveTo>
                   <a:pt x="0" y="0"/>
                 </a:moveTo>
@@ -9188,19 +9658,26 @@
               </a:extLst>
             </a:blip>
             <a:stretch>
-              <a:fillRect l="0" t="0" r="0" b="0"/>
+              <a:fillRect/>
             </a:stretch>
           </a:blipFill>
         </p:spPr>
+        <p:txBody>
+          <a:bodyPr/>
+          <a:lstStyle/>
+          <a:p>
+            <a:endParaRPr lang="en-IN"/>
+          </a:p>
+        </p:txBody>
       </p:sp>
       <p:grpSp>
         <p:nvGrpSpPr>
-          <p:cNvPr name="Group 4" id="4"/>
+          <p:cNvPr id="4" name="Group 4"/>
           <p:cNvGrpSpPr/>
           <p:nvPr/>
         </p:nvGrpSpPr>
         <p:grpSpPr>
-          <a:xfrm rot="0">
+          <a:xfrm>
             <a:off x="1044491" y="1028700"/>
             <a:ext cx="11017868" cy="8229600"/>
             <a:chOff x="0" y="0"/>
@@ -9209,12 +9686,12 @@
         </p:grpSpPr>
         <p:sp>
           <p:nvSpPr>
-            <p:cNvPr name="Freeform 5" id="5"/>
+            <p:cNvPr id="5" name="Freeform 5"/>
             <p:cNvSpPr/>
             <p:nvPr/>
           </p:nvSpPr>
           <p:spPr>
-            <a:xfrm flipH="false" flipV="false" rot="0">
+            <a:xfrm>
               <a:off x="0" y="0"/>
               <a:ext cx="2901825" cy="2167467"/>
             </a:xfrm>
@@ -9223,9 +9700,9 @@
               <a:gdLst/>
               <a:ahLst/>
               <a:cxnLst/>
-              <a:rect r="r" b="b" t="t" l="l"/>
+              <a:rect l="l" t="t" r="r" b="b"/>
               <a:pathLst>
-                <a:path h="2167467" w="2901825">
+                <a:path w="2901825" h="2167467">
                   <a:moveTo>
                     <a:pt x="35836" y="0"/>
                   </a:moveTo>
@@ -9269,11 +9746,18 @@
               <a:srgbClr val="FFFFFF"/>
             </a:solidFill>
           </p:spPr>
+          <p:txBody>
+            <a:bodyPr/>
+            <a:lstStyle/>
+            <a:p>
+              <a:endParaRPr lang="en-IN"/>
+            </a:p>
+          </p:txBody>
         </p:sp>
         <p:sp>
           <p:nvSpPr>
-            <p:cNvPr name="TextBox 6" id="6"/>
-            <p:cNvSpPr txBox="true"/>
+            <p:cNvPr id="6" name="TextBox 6"/>
+            <p:cNvSpPr txBox="1"/>
             <p:nvPr/>
           </p:nvSpPr>
           <p:spPr>
@@ -9286,7 +9770,7 @@
             </a:prstGeom>
           </p:spPr>
           <p:txBody>
-            <a:bodyPr anchor="ctr" rtlCol="false" tIns="50800" lIns="50800" bIns="50800" rIns="50800"/>
+            <a:bodyPr lIns="50800" tIns="50800" rIns="50800" bIns="50800" rtlCol="0" anchor="ctr"/>
             <a:lstStyle/>
             <a:p>
               <a:pPr algn="ctr">
@@ -9294,18 +9778,19 @@
                   <a:spcPts val="2659"/>
                 </a:lnSpc>
               </a:pPr>
+              <a:endParaRPr/>
             </a:p>
           </p:txBody>
         </p:sp>
       </p:grpSp>
       <p:sp>
         <p:nvSpPr>
-          <p:cNvPr name="TextBox 7" id="7"/>
-          <p:cNvSpPr txBox="true"/>
+          <p:cNvPr id="7" name="TextBox 7"/>
+          <p:cNvSpPr txBox="1"/>
           <p:nvPr/>
         </p:nvSpPr>
         <p:spPr>
-          <a:xfrm rot="0">
+          <a:xfrm>
             <a:off x="1939271" y="2969129"/>
             <a:ext cx="9196726" cy="1532296"/>
           </a:xfrm>
@@ -9314,7 +9799,7 @@
           </a:prstGeom>
         </p:spPr>
         <p:txBody>
-          <a:bodyPr anchor="t" rtlCol="false" tIns="0" lIns="0" bIns="0" rIns="0">
+          <a:bodyPr lIns="0" tIns="0" rIns="0" bIns="0" rtlCol="0" anchor="t">
             <a:spAutoFit/>
           </a:bodyPr>
           <a:lstStyle/>
@@ -9338,12 +9823,12 @@
       </p:sp>
       <p:grpSp>
         <p:nvGrpSpPr>
-          <p:cNvPr name="Group 8" id="8"/>
+          <p:cNvPr id="8" name="Group 8"/>
           <p:cNvGrpSpPr/>
           <p:nvPr/>
         </p:nvGrpSpPr>
         <p:grpSpPr>
-          <a:xfrm rot="0">
+          <a:xfrm>
             <a:off x="1747125" y="1146927"/>
             <a:ext cx="4336114" cy="1665040"/>
             <a:chOff x="0" y="0"/>
@@ -9352,12 +9837,12 @@
         </p:grpSpPr>
         <p:sp>
           <p:nvSpPr>
-            <p:cNvPr name="Freeform 9" id="9"/>
+            <p:cNvPr id="9" name="Freeform 9"/>
             <p:cNvSpPr/>
             <p:nvPr/>
           </p:nvSpPr>
           <p:spPr>
-            <a:xfrm flipH="false" flipV="false" rot="0">
+            <a:xfrm>
               <a:off x="0" y="0"/>
               <a:ext cx="929431" cy="356896"/>
             </a:xfrm>
@@ -9366,9 +9851,9 @@
               <a:gdLst/>
               <a:ahLst/>
               <a:cxnLst/>
-              <a:rect r="r" b="b" t="t" l="l"/>
+              <a:rect l="l" t="t" r="r" b="b"/>
               <a:pathLst>
-                <a:path h="356896" w="929431">
+                <a:path w="929431" h="356896">
                   <a:moveTo>
                     <a:pt x="178448" y="0"/>
                   </a:moveTo>
@@ -9412,11 +9897,18 @@
               <a:srgbClr val="50E8D1"/>
             </a:solidFill>
           </p:spPr>
+          <p:txBody>
+            <a:bodyPr/>
+            <a:lstStyle/>
+            <a:p>
+              <a:endParaRPr lang="en-IN"/>
+            </a:p>
+          </p:txBody>
         </p:sp>
         <p:sp>
           <p:nvSpPr>
-            <p:cNvPr name="TextBox 10" id="10"/>
-            <p:cNvSpPr txBox="true"/>
+            <p:cNvPr id="10" name="TextBox 10"/>
+            <p:cNvSpPr txBox="1"/>
             <p:nvPr/>
           </p:nvSpPr>
           <p:spPr>
@@ -9429,7 +9921,7 @@
             </a:prstGeom>
           </p:spPr>
           <p:txBody>
-            <a:bodyPr anchor="ctr" rtlCol="false" tIns="50800" lIns="50800" bIns="50800" rIns="50800"/>
+            <a:bodyPr lIns="50800" tIns="50800" rIns="50800" bIns="50800" rtlCol="0" anchor="ctr"/>
             <a:lstStyle/>
             <a:p>
               <a:pPr algn="ctr">
@@ -9437,18 +9929,19 @@
                   <a:spcPts val="2659"/>
                 </a:lnSpc>
               </a:pPr>
+              <a:endParaRPr/>
             </a:p>
           </p:txBody>
         </p:sp>
       </p:grpSp>
       <p:sp>
         <p:nvSpPr>
-          <p:cNvPr name="TextBox 11" id="11"/>
-          <p:cNvSpPr txBox="true"/>
+          <p:cNvPr id="11" name="TextBox 11"/>
+          <p:cNvSpPr txBox="1"/>
           <p:nvPr/>
         </p:nvSpPr>
         <p:spPr>
-          <a:xfrm rot="0">
+          <a:xfrm>
             <a:off x="1939271" y="1748035"/>
             <a:ext cx="4614155" cy="519973"/>
           </a:xfrm>
@@ -9457,7 +9950,7 @@
           </a:prstGeom>
         </p:spPr>
         <p:txBody>
-          <a:bodyPr anchor="t" rtlCol="false" tIns="0" lIns="0" bIns="0" rIns="0">
+          <a:bodyPr lIns="0" tIns="0" rIns="0" bIns="0" rtlCol="0" anchor="t">
             <a:spAutoFit/>
           </a:bodyPr>
           <a:lstStyle/>
@@ -9481,12 +9974,12 @@
       </p:sp>
       <p:sp>
         <p:nvSpPr>
-          <p:cNvPr name="TextBox 12" id="12"/>
-          <p:cNvSpPr txBox="true"/>
+          <p:cNvPr id="12" name="TextBox 12"/>
+          <p:cNvSpPr txBox="1"/>
           <p:nvPr/>
         </p:nvSpPr>
         <p:spPr>
-          <a:xfrm rot="0">
+          <a:xfrm>
             <a:off x="1747125" y="4868504"/>
             <a:ext cx="9196726" cy="4115544"/>
           </a:xfrm>
@@ -9495,12 +9988,12 @@
           </a:prstGeom>
         </p:spPr>
         <p:txBody>
-          <a:bodyPr anchor="t" rtlCol="false" tIns="0" lIns="0" bIns="0" rIns="0">
+          <a:bodyPr lIns="0" tIns="0" rIns="0" bIns="0" rtlCol="0" anchor="t">
             <a:spAutoFit/>
           </a:bodyPr>
           <a:lstStyle/>
           <a:p>
-            <a:pPr marL="635823" indent="-317912" lvl="1">
+            <a:pPr marL="635823" lvl="1" indent="-317912">
               <a:lnSpc>
                 <a:spcPts val="4122"/>
               </a:lnSpc>
@@ -9518,7 +10011,7 @@
             </a:r>
           </a:p>
           <a:p>
-            <a:pPr marL="635823" indent="-317912" lvl="1">
+            <a:pPr marL="635823" lvl="1" indent="-317912">
               <a:lnSpc>
                 <a:spcPts val="4122"/>
               </a:lnSpc>
@@ -9536,7 +10029,7 @@
             </a:r>
           </a:p>
           <a:p>
-            <a:pPr marL="635823" indent="-317912" lvl="1">
+            <a:pPr marL="635823" lvl="1" indent="-317912">
               <a:lnSpc>
                 <a:spcPts val="4122"/>
               </a:lnSpc>
@@ -9559,6 +10052,12 @@
                 <a:spcPts val="4122"/>
               </a:lnSpc>
             </a:pPr>
+            <a:endParaRPr lang="en-US" sz="2944">
+              <a:solidFill>
+                <a:srgbClr val="000000"/>
+              </a:solidFill>
+              <a:latin typeface="Montserrat"/>
+            </a:endParaRPr>
           </a:p>
         </p:txBody>
       </p:sp>
@@ -9571,13 +10070,14 @@
 </file>
 
 <file path=ppt/slides/slide7.xml><?xml version="1.0" encoding="utf-8"?>
-<p:sld xmlns:p="http://schemas.openxmlformats.org/presentationml/2006/main" xmlns:a="http://schemas.openxmlformats.org/drawingml/2006/main" xmlns:r="http://schemas.openxmlformats.org/officeDocument/2006/relationships">
+<p:sld xmlns:a="http://schemas.openxmlformats.org/drawingml/2006/main" xmlns:r="http://schemas.openxmlformats.org/officeDocument/2006/relationships" xmlns:p="http://schemas.openxmlformats.org/presentationml/2006/main">
   <p:cSld>
     <p:bg>
       <p:bgPr>
         <a:solidFill>
           <a:srgbClr val="F4F2F2"/>
         </a:solidFill>
+        <a:effectLst/>
       </p:bgPr>
     </p:bg>
     <p:spTree>
@@ -9596,12 +10096,12 @@
       </p:grpSpPr>
       <p:sp>
         <p:nvSpPr>
-          <p:cNvPr name="Freeform 2" id="2"/>
+          <p:cNvPr id="2" name="Freeform 2"/>
           <p:cNvSpPr/>
           <p:nvPr/>
         </p:nvSpPr>
         <p:spPr>
-          <a:xfrm flipH="false" flipV="false" rot="0">
+          <a:xfrm>
             <a:off x="8865908" y="1209824"/>
             <a:ext cx="15228862" cy="15228862"/>
           </a:xfrm>
@@ -9610,9 +10110,9 @@
             <a:gdLst/>
             <a:ahLst/>
             <a:cxnLst/>
-            <a:rect r="r" b="b" t="t" l="l"/>
+            <a:rect l="l" t="t" r="r" b="b"/>
             <a:pathLst>
-              <a:path h="15228862" w="15228862">
+              <a:path w="15228862" h="15228862">
                 <a:moveTo>
                   <a:pt x="0" y="0"/>
                 </a:moveTo>
@@ -9641,19 +10141,26 @@
               </a:extLst>
             </a:blip>
             <a:stretch>
-              <a:fillRect l="0" t="0" r="0" b="0"/>
+              <a:fillRect/>
             </a:stretch>
           </a:blipFill>
         </p:spPr>
-      </p:sp>
-      <p:sp>
-        <p:nvSpPr>
-          <p:cNvPr name="Freeform 3" id="3"/>
+        <p:txBody>
+          <a:bodyPr/>
+          <a:lstStyle/>
+          <a:p>
+            <a:endParaRPr lang="en-IN"/>
+          </a:p>
+        </p:txBody>
+      </p:sp>
+      <p:sp>
+        <p:nvSpPr>
+          <p:cNvPr id="3" name="Freeform 3"/>
           <p:cNvSpPr/>
           <p:nvPr/>
         </p:nvSpPr>
         <p:spPr>
-          <a:xfrm flipH="false" flipV="false" rot="0">
+          <a:xfrm>
             <a:off x="4582790" y="321808"/>
             <a:ext cx="9122420" cy="9643385"/>
           </a:xfrm>
@@ -9662,9 +10169,9 @@
             <a:gdLst/>
             <a:ahLst/>
             <a:cxnLst/>
-            <a:rect r="r" b="b" t="t" l="l"/>
+            <a:rect l="l" t="t" r="r" b="b"/>
             <a:pathLst>
-              <a:path h="9643385" w="9122420">
+              <a:path w="9122420" h="9643385">
                 <a:moveTo>
                   <a:pt x="0" y="0"/>
                 </a:moveTo>
@@ -9687,10 +10194,17 @@
           <a:blipFill>
             <a:blip r:embed="rId4"/>
             <a:stretch>
-              <a:fillRect l="0" t="0" r="0" b="0"/>
+              <a:fillRect/>
             </a:stretch>
           </a:blipFill>
         </p:spPr>
+        <p:txBody>
+          <a:bodyPr/>
+          <a:lstStyle/>
+          <a:p>
+            <a:endParaRPr lang="en-IN"/>
+          </a:p>
+        </p:txBody>
       </p:sp>
     </p:spTree>
   </p:cSld>
@@ -9701,13 +10215,14 @@
 </file>
 
 <file path=ppt/slides/slide8.xml><?xml version="1.0" encoding="utf-8"?>
-<p:sld xmlns:p="http://schemas.openxmlformats.org/presentationml/2006/main" xmlns:a="http://schemas.openxmlformats.org/drawingml/2006/main" xmlns:r="http://schemas.openxmlformats.org/officeDocument/2006/relationships">
+<p:sld xmlns:a="http://schemas.openxmlformats.org/drawingml/2006/main" xmlns:r="http://schemas.openxmlformats.org/officeDocument/2006/relationships" xmlns:p="http://schemas.openxmlformats.org/presentationml/2006/main">
   <p:cSld>
     <p:bg>
       <p:bgPr>
         <a:solidFill>
           <a:srgbClr val="F4F2F2"/>
         </a:solidFill>
+        <a:effectLst/>
       </p:bgPr>
     </p:bg>
     <p:spTree>
@@ -9726,12 +10241,12 @@
       </p:grpSpPr>
       <p:sp>
         <p:nvSpPr>
-          <p:cNvPr name="Freeform 2" id="2"/>
+          <p:cNvPr id="2" name="Freeform 2"/>
           <p:cNvSpPr/>
           <p:nvPr/>
         </p:nvSpPr>
         <p:spPr>
-          <a:xfrm flipH="false" flipV="false" rot="0">
+          <a:xfrm>
             <a:off x="-8615057" y="-8428575"/>
             <a:ext cx="15228862" cy="15228862"/>
           </a:xfrm>
@@ -9740,9 +10255,9 @@
             <a:gdLst/>
             <a:ahLst/>
             <a:cxnLst/>
-            <a:rect r="r" b="b" t="t" l="l"/>
+            <a:rect l="l" t="t" r="r" b="b"/>
             <a:pathLst>
-              <a:path h="15228862" w="15228862">
+              <a:path w="15228862" h="15228862">
                 <a:moveTo>
                   <a:pt x="0" y="0"/>
                 </a:moveTo>
@@ -9771,19 +10286,26 @@
               </a:extLst>
             </a:blip>
             <a:stretch>
-              <a:fillRect l="0" t="0" r="0" b="0"/>
+              <a:fillRect/>
             </a:stretch>
           </a:blipFill>
         </p:spPr>
-      </p:sp>
-      <p:sp>
-        <p:nvSpPr>
-          <p:cNvPr name="Freeform 3" id="3"/>
+        <p:txBody>
+          <a:bodyPr/>
+          <a:lstStyle/>
+          <a:p>
+            <a:endParaRPr lang="en-IN"/>
+          </a:p>
+        </p:txBody>
+      </p:sp>
+      <p:sp>
+        <p:nvSpPr>
+          <p:cNvPr id="3" name="Freeform 3"/>
           <p:cNvSpPr/>
           <p:nvPr/>
         </p:nvSpPr>
         <p:spPr>
-          <a:xfrm flipH="false" flipV="false" rot="0">
+          <a:xfrm>
             <a:off x="-5614781" y="2208084"/>
             <a:ext cx="15228862" cy="15228862"/>
           </a:xfrm>
@@ -9792,9 +10314,9 @@
             <a:gdLst/>
             <a:ahLst/>
             <a:cxnLst/>
-            <a:rect r="r" b="b" t="t" l="l"/>
+            <a:rect l="l" t="t" r="r" b="b"/>
             <a:pathLst>
-              <a:path h="15228862" w="15228862">
+              <a:path w="15228862" h="15228862">
                 <a:moveTo>
                   <a:pt x="0" y="0"/>
                 </a:moveTo>
@@ -9823,19 +10345,26 @@
               </a:extLst>
             </a:blip>
             <a:stretch>
-              <a:fillRect l="0" t="0" r="0" b="0"/>
+              <a:fillRect/>
             </a:stretch>
           </a:blipFill>
         </p:spPr>
+        <p:txBody>
+          <a:bodyPr/>
+          <a:lstStyle/>
+          <a:p>
+            <a:endParaRPr lang="en-IN"/>
+          </a:p>
+        </p:txBody>
       </p:sp>
       <p:grpSp>
         <p:nvGrpSpPr>
-          <p:cNvPr name="Group 4" id="4"/>
+          <p:cNvPr id="4" name="Group 4"/>
           <p:cNvGrpSpPr/>
           <p:nvPr/>
         </p:nvGrpSpPr>
         <p:grpSpPr>
-          <a:xfrm rot="0">
+          <a:xfrm>
             <a:off x="9087919" y="1028700"/>
             <a:ext cx="8171381" cy="1413906"/>
             <a:chOff x="0" y="0"/>
@@ -9844,12 +10373,12 @@
         </p:grpSpPr>
         <p:sp>
           <p:nvSpPr>
-            <p:cNvPr name="Freeform 5" id="5"/>
+            <p:cNvPr id="5" name="Freeform 5"/>
             <p:cNvSpPr/>
             <p:nvPr/>
           </p:nvSpPr>
           <p:spPr>
-            <a:xfrm flipH="false" flipV="false" rot="0">
+            <a:xfrm>
               <a:off x="0" y="0"/>
               <a:ext cx="1751507" cy="303066"/>
             </a:xfrm>
@@ -9858,9 +10387,9 @@
               <a:gdLst/>
               <a:ahLst/>
               <a:cxnLst/>
-              <a:rect r="r" b="b" t="t" l="l"/>
+              <a:rect l="l" t="t" r="r" b="b"/>
               <a:pathLst>
-                <a:path h="303066" w="1751507">
+                <a:path w="1751507" h="303066">
                   <a:moveTo>
                     <a:pt x="94744" y="0"/>
                   </a:moveTo>
@@ -9919,11 +10448,18 @@
               <a:srgbClr val="50E8D1"/>
             </a:solidFill>
           </p:spPr>
+          <p:txBody>
+            <a:bodyPr/>
+            <a:lstStyle/>
+            <a:p>
+              <a:endParaRPr lang="en-IN"/>
+            </a:p>
+          </p:txBody>
         </p:sp>
         <p:sp>
           <p:nvSpPr>
-            <p:cNvPr name="TextBox 6" id="6"/>
-            <p:cNvSpPr txBox="true"/>
+            <p:cNvPr id="6" name="TextBox 6"/>
+            <p:cNvSpPr txBox="1"/>
             <p:nvPr/>
           </p:nvSpPr>
           <p:spPr>
@@ -9936,7 +10472,7 @@
             </a:prstGeom>
           </p:spPr>
           <p:txBody>
-            <a:bodyPr anchor="ctr" rtlCol="false" tIns="50800" lIns="50800" bIns="50800" rIns="50800"/>
+            <a:bodyPr lIns="50800" tIns="50800" rIns="50800" bIns="50800" rtlCol="0" anchor="ctr"/>
             <a:lstStyle/>
             <a:p>
               <a:pPr algn="ctr">
@@ -9944,18 +10480,19 @@
                   <a:spcPts val="2659"/>
                 </a:lnSpc>
               </a:pPr>
+              <a:endParaRPr/>
             </a:p>
           </p:txBody>
         </p:sp>
       </p:grpSp>
       <p:sp>
         <p:nvSpPr>
-          <p:cNvPr name="Freeform 7" id="7"/>
+          <p:cNvPr id="7" name="Freeform 7"/>
           <p:cNvSpPr/>
           <p:nvPr/>
         </p:nvSpPr>
         <p:spPr>
-          <a:xfrm flipH="false" flipV="false" rot="0">
+          <a:xfrm>
             <a:off x="12200911" y="4139020"/>
             <a:ext cx="4107319" cy="4114800"/>
           </a:xfrm>
@@ -9964,9 +10501,9 @@
             <a:gdLst/>
             <a:ahLst/>
             <a:cxnLst/>
-            <a:rect r="r" b="b" t="t" l="l"/>
+            <a:rect l="l" t="t" r="r" b="b"/>
             <a:pathLst>
-              <a:path h="4114800" w="4107319">
+              <a:path w="4107319" h="4114800">
                 <a:moveTo>
                   <a:pt x="0" y="0"/>
                 </a:moveTo>
@@ -9995,19 +10532,26 @@
               </a:extLst>
             </a:blip>
             <a:stretch>
-              <a:fillRect l="0" t="0" r="0" b="0"/>
+              <a:fillRect/>
             </a:stretch>
           </a:blipFill>
         </p:spPr>
+        <p:txBody>
+          <a:bodyPr/>
+          <a:lstStyle/>
+          <a:p>
+            <a:endParaRPr lang="en-IN"/>
+          </a:p>
+        </p:txBody>
       </p:sp>
       <p:grpSp>
         <p:nvGrpSpPr>
-          <p:cNvPr name="Group 8" id="8"/>
+          <p:cNvPr id="8" name="Group 8"/>
           <p:cNvGrpSpPr/>
           <p:nvPr/>
         </p:nvGrpSpPr>
         <p:grpSpPr>
-          <a:xfrm rot="0">
+          <a:xfrm>
             <a:off x="1028700" y="2966772"/>
             <a:ext cx="13225871" cy="6291528"/>
             <a:chOff x="0" y="0"/>
@@ -10016,12 +10560,12 @@
         </p:grpSpPr>
         <p:sp>
           <p:nvSpPr>
-            <p:cNvPr name="Freeform 9" id="9"/>
+            <p:cNvPr id="9" name="Freeform 9"/>
             <p:cNvSpPr/>
             <p:nvPr/>
           </p:nvSpPr>
           <p:spPr>
-            <a:xfrm flipH="false" flipV="false" rot="0">
+            <a:xfrm>
               <a:off x="0" y="0"/>
               <a:ext cx="3483357" cy="1657028"/>
             </a:xfrm>
@@ -10030,9 +10574,9 @@
               <a:gdLst/>
               <a:ahLst/>
               <a:cxnLst/>
-              <a:rect r="r" b="b" t="t" l="l"/>
+              <a:rect l="l" t="t" r="r" b="b"/>
               <a:pathLst>
-                <a:path h="1657028" w="3483357">
+                <a:path w="3483357" h="1657028">
                   <a:moveTo>
                     <a:pt x="29853" y="0"/>
                   </a:moveTo>
@@ -10091,11 +10635,18 @@
               <a:srgbClr val="FFFFFF"/>
             </a:solidFill>
           </p:spPr>
+          <p:txBody>
+            <a:bodyPr/>
+            <a:lstStyle/>
+            <a:p>
+              <a:endParaRPr lang="en-IN"/>
+            </a:p>
+          </p:txBody>
         </p:sp>
         <p:sp>
           <p:nvSpPr>
-            <p:cNvPr name="TextBox 10" id="10"/>
-            <p:cNvSpPr txBox="true"/>
+            <p:cNvPr id="10" name="TextBox 10"/>
+            <p:cNvSpPr txBox="1"/>
             <p:nvPr/>
           </p:nvSpPr>
           <p:spPr>
@@ -10108,7 +10659,7 @@
             </a:prstGeom>
           </p:spPr>
           <p:txBody>
-            <a:bodyPr anchor="ctr" rtlCol="false" tIns="50800" lIns="50800" bIns="50800" rIns="50800"/>
+            <a:bodyPr lIns="50800" tIns="50800" rIns="50800" bIns="50800" rtlCol="0" anchor="ctr"/>
             <a:lstStyle/>
             <a:p>
               <a:pPr algn="ctr">
@@ -10116,18 +10667,19 @@
                   <a:spcPts val="2659"/>
                 </a:lnSpc>
               </a:pPr>
+              <a:endParaRPr/>
             </a:p>
           </p:txBody>
         </p:sp>
       </p:grpSp>
       <p:sp>
         <p:nvSpPr>
-          <p:cNvPr name="TextBox 11" id="11"/>
-          <p:cNvSpPr txBox="true"/>
+          <p:cNvPr id="11" name="TextBox 11"/>
+          <p:cNvSpPr txBox="1"/>
           <p:nvPr/>
         </p:nvSpPr>
         <p:spPr>
-          <a:xfrm rot="0">
+          <a:xfrm>
             <a:off x="9429479" y="1365751"/>
             <a:ext cx="7488262" cy="663604"/>
           </a:xfrm>
@@ -10136,7 +10688,7 @@
           </a:prstGeom>
         </p:spPr>
         <p:txBody>
-          <a:bodyPr anchor="t" rtlCol="false" tIns="0" lIns="0" bIns="0" rIns="0">
+          <a:bodyPr lIns="0" tIns="0" rIns="0" bIns="0" rtlCol="0" anchor="t">
             <a:spAutoFit/>
           </a:bodyPr>
           <a:lstStyle/>
@@ -10160,12 +10712,12 @@
       </p:sp>
       <p:sp>
         <p:nvSpPr>
-          <p:cNvPr name="TextBox 12" id="12"/>
-          <p:cNvSpPr txBox="true"/>
+          <p:cNvPr id="12" name="TextBox 12"/>
+          <p:cNvSpPr txBox="1"/>
           <p:nvPr/>
         </p:nvSpPr>
         <p:spPr>
-          <a:xfrm rot="0">
+          <a:xfrm>
             <a:off x="1433611" y="3268388"/>
             <a:ext cx="12391438" cy="1875112"/>
           </a:xfrm>
@@ -10174,7 +10726,7 @@
           </a:prstGeom>
         </p:spPr>
         <p:txBody>
-          <a:bodyPr anchor="t" rtlCol="false" tIns="0" lIns="0" bIns="0" rIns="0">
+          <a:bodyPr lIns="0" tIns="0" rIns="0" bIns="0" rtlCol="0" anchor="t">
             <a:spAutoFit/>
           </a:bodyPr>
           <a:lstStyle/>
@@ -10191,8 +10743,39 @@
                 </a:solidFill>
                 <a:latin typeface="Montserrat"/>
               </a:rPr>
-              <a:t>Data exploration is often the first step</a:t>
-            </a:r>
+              <a:t>Data exploration is often the first step allowing you to perform an initial evaluation of your data’s structure and underlying patterns. Utilizing this tool can better inform your data analysis and more accurately represent your data. I</a:t>
+            </a:r>
+          </a:p>
+        </p:txBody>
+      </p:sp>
+      <p:sp>
+        <p:nvSpPr>
+          <p:cNvPr id="13" name="TextBox 13"/>
+          <p:cNvSpPr txBox="1"/>
+          <p:nvPr/>
+        </p:nvSpPr>
+        <p:spPr>
+          <a:xfrm>
+            <a:off x="1445916" y="5438842"/>
+            <a:ext cx="12391438" cy="2823172"/>
+          </a:xfrm>
+          <a:prstGeom prst="rect">
+            <a:avLst/>
+          </a:prstGeom>
+        </p:spPr>
+        <p:txBody>
+          <a:bodyPr lIns="0" tIns="0" rIns="0" bIns="0" rtlCol="0" anchor="t">
+            <a:spAutoFit/>
+          </a:bodyPr>
+          <a:lstStyle/>
+          <a:p>
+            <a:pPr marL="583373" lvl="1" indent="-291686">
+              <a:lnSpc>
+                <a:spcPts val="3782"/>
+              </a:lnSpc>
+              <a:buFont typeface="Arial"/>
+              <a:buChar char="•"/>
+            </a:pPr>
             <a:r>
               <a:rPr lang="en-US" sz="2702">
                 <a:solidFill>
@@ -10200,60 +10783,11 @@
                 </a:solidFill>
                 <a:latin typeface="Montserrat"/>
               </a:rPr>
-              <a:t> allowing you to perform an initial evaluation of your data’s structure and underlying patterns. Utilizing this tool can better inform your data analysis and more accurately represent your data. I</a:t>
-            </a:r>
-          </a:p>
-        </p:txBody>
-      </p:sp>
-      <p:sp>
-        <p:nvSpPr>
-          <p:cNvPr name="TextBox 13" id="13"/>
-          <p:cNvSpPr txBox="true"/>
-          <p:nvPr/>
-        </p:nvSpPr>
-        <p:spPr>
-          <a:xfrm rot="0">
-            <a:off x="1445916" y="5438842"/>
-            <a:ext cx="12391438" cy="2823172"/>
-          </a:xfrm>
-          <a:prstGeom prst="rect">
-            <a:avLst/>
-          </a:prstGeom>
-        </p:spPr>
-        <p:txBody>
-          <a:bodyPr anchor="t" rtlCol="false" tIns="0" lIns="0" bIns="0" rIns="0">
-            <a:spAutoFit/>
-          </a:bodyPr>
-          <a:lstStyle/>
-          <a:p>
-            <a:pPr marL="583373" indent="-291686" lvl="1">
-              <a:lnSpc>
-                <a:spcPts val="3782"/>
-              </a:lnSpc>
-              <a:buFont typeface="Arial"/>
-              <a:buChar char="•"/>
-            </a:pPr>
-            <a:r>
-              <a:rPr lang="en-US" sz="2702">
-                <a:solidFill>
-                  <a:srgbClr val="000000"/>
-                </a:solidFill>
-                <a:latin typeface="Montserrat"/>
-              </a:rPr>
-              <a:t>Displayed key statistics (mean, median, min, max, etc.) of Dataset 1 using descriptive statistics functions to provide</a:t>
-            </a:r>
-            <a:r>
-              <a:rPr lang="en-US" sz="2702">
-                <a:solidFill>
-                  <a:srgbClr val="000000"/>
-                </a:solidFill>
-                <a:latin typeface="Montserrat"/>
-              </a:rPr>
-              <a:t> an overview of the data distribution.</a:t>
-            </a:r>
-          </a:p>
-          <a:p>
-            <a:pPr marL="583373" indent="-291686" lvl="1">
+              <a:t>Displayed key statistics (mean, median, min, max, etc.) of Dataset 1 using descriptive statistics functions to provide an overview of the data distribution.</a:t>
+            </a:r>
+          </a:p>
+          <a:p>
+            <a:pPr marL="583373" lvl="1" indent="-291686">
               <a:lnSpc>
                 <a:spcPts val="3782"/>
               </a:lnSpc>
@@ -10276,6 +10810,12 @@
                 <a:spcPts val="3782"/>
               </a:lnSpc>
             </a:pPr>
+            <a:endParaRPr lang="en-US" sz="2702">
+              <a:solidFill>
+                <a:srgbClr val="000000"/>
+              </a:solidFill>
+              <a:latin typeface="Montserrat"/>
+            </a:endParaRPr>
           </a:p>
         </p:txBody>
       </p:sp>
@@ -10288,13 +10828,14 @@
 </file>
 
 <file path=ppt/slides/slide9.xml><?xml version="1.0" encoding="utf-8"?>
-<p:sld xmlns:p="http://schemas.openxmlformats.org/presentationml/2006/main" xmlns:a="http://schemas.openxmlformats.org/drawingml/2006/main" xmlns:r="http://schemas.openxmlformats.org/officeDocument/2006/relationships">
+<p:sld xmlns:a="http://schemas.openxmlformats.org/drawingml/2006/main" xmlns:r="http://schemas.openxmlformats.org/officeDocument/2006/relationships" xmlns:p="http://schemas.openxmlformats.org/presentationml/2006/main">
   <p:cSld>
     <p:bg>
       <p:bgPr>
         <a:solidFill>
           <a:srgbClr val="F4F2F2"/>
         </a:solidFill>
+        <a:effectLst/>
       </p:bgPr>
     </p:bg>
     <p:spTree>
@@ -10313,12 +10854,12 @@
       </p:grpSpPr>
       <p:sp>
         <p:nvSpPr>
-          <p:cNvPr name="Freeform 2" id="2"/>
+          <p:cNvPr id="2" name="Freeform 2"/>
           <p:cNvSpPr/>
           <p:nvPr/>
         </p:nvSpPr>
         <p:spPr>
-          <a:xfrm flipH="false" flipV="false" rot="0">
+          <a:xfrm>
             <a:off x="8865908" y="1209824"/>
             <a:ext cx="15228862" cy="15228862"/>
           </a:xfrm>
@@ -10327,9 +10868,9 @@
             <a:gdLst/>
             <a:ahLst/>
             <a:cxnLst/>
-            <a:rect r="r" b="b" t="t" l="l"/>
+            <a:rect l="l" t="t" r="r" b="b"/>
             <a:pathLst>
-              <a:path h="15228862" w="15228862">
+              <a:path w="15228862" h="15228862">
                 <a:moveTo>
                   <a:pt x="0" y="0"/>
                 </a:moveTo>
@@ -10358,19 +10899,26 @@
               </a:extLst>
             </a:blip>
             <a:stretch>
-              <a:fillRect l="0" t="0" r="0" b="0"/>
+              <a:fillRect/>
             </a:stretch>
           </a:blipFill>
         </p:spPr>
-      </p:sp>
-      <p:sp>
-        <p:nvSpPr>
-          <p:cNvPr name="Freeform 3" id="3"/>
+        <p:txBody>
+          <a:bodyPr/>
+          <a:lstStyle/>
+          <a:p>
+            <a:endParaRPr lang="en-IN"/>
+          </a:p>
+        </p:txBody>
+      </p:sp>
+      <p:sp>
+        <p:nvSpPr>
+          <p:cNvPr id="3" name="Freeform 3"/>
           <p:cNvSpPr/>
           <p:nvPr/>
         </p:nvSpPr>
         <p:spPr>
-          <a:xfrm flipH="false" flipV="false" rot="0">
+          <a:xfrm>
             <a:off x="4423429" y="332768"/>
             <a:ext cx="9441142" cy="9621464"/>
           </a:xfrm>
@@ -10379,9 +10927,9 @@
             <a:gdLst/>
             <a:ahLst/>
             <a:cxnLst/>
-            <a:rect r="r" b="b" t="t" l="l"/>
+            <a:rect l="l" t="t" r="r" b="b"/>
             <a:pathLst>
-              <a:path h="9621464" w="9441142">
+              <a:path w="9441142" h="9621464">
                 <a:moveTo>
                   <a:pt x="0" y="0"/>
                 </a:moveTo>
@@ -10404,10 +10952,17 @@
           <a:blipFill>
             <a:blip r:embed="rId4"/>
             <a:stretch>
-              <a:fillRect l="0" t="0" r="0" b="0"/>
+              <a:fillRect/>
             </a:stretch>
           </a:blipFill>
         </p:spPr>
+        <p:txBody>
+          <a:bodyPr/>
+          <a:lstStyle/>
+          <a:p>
+            <a:endParaRPr lang="en-IN"/>
+          </a:p>
+        </p:txBody>
       </p:sp>
     </p:spTree>
   </p:cSld>
